--- a/docs/songs_2024-12-31-02.pptx
+++ b/docs/songs_2024-12-31-02.pptx
@@ -5,7 +5,7 @@
     <p:sldMasterId id="2147483648" r:id="rId1"/>
   </p:sldMasterIdLst>
   <p:notesMasterIdLst>
-    <p:notesMasterId r:id="rId52"/>
+    <p:notesMasterId r:id="rId59"/>
   </p:notesMasterIdLst>
   <p:sldIdLst>
     <p:sldId id="950" r:id="rId2"/>
@@ -21,43 +21,50 @@
     <p:sldId id="512" r:id="rId12"/>
     <p:sldId id="513" r:id="rId13"/>
     <p:sldId id="514" r:id="rId14"/>
-    <p:sldId id="1347" r:id="rId15"/>
-    <p:sldId id="1219" r:id="rId16"/>
-    <p:sldId id="1220" r:id="rId17"/>
-    <p:sldId id="1221" r:id="rId18"/>
-    <p:sldId id="1222" r:id="rId19"/>
-    <p:sldId id="1223" r:id="rId20"/>
-    <p:sldId id="1227" r:id="rId21"/>
-    <p:sldId id="1317" r:id="rId22"/>
-    <p:sldId id="1318" r:id="rId23"/>
-    <p:sldId id="1228" r:id="rId24"/>
-    <p:sldId id="1319" r:id="rId25"/>
-    <p:sldId id="841" r:id="rId26"/>
-    <p:sldId id="842" r:id="rId27"/>
-    <p:sldId id="843" r:id="rId28"/>
-    <p:sldId id="1325" r:id="rId29"/>
-    <p:sldId id="1026" r:id="rId30"/>
-    <p:sldId id="1027" r:id="rId31"/>
-    <p:sldId id="1028" r:id="rId32"/>
-    <p:sldId id="1029" r:id="rId33"/>
-    <p:sldId id="1316" r:id="rId34"/>
-    <p:sldId id="1331" r:id="rId35"/>
-    <p:sldId id="1332" r:id="rId36"/>
-    <p:sldId id="1333" r:id="rId37"/>
-    <p:sldId id="1334" r:id="rId38"/>
-    <p:sldId id="1335" r:id="rId39"/>
-    <p:sldId id="1336" r:id="rId40"/>
-    <p:sldId id="1337" r:id="rId41"/>
-    <p:sldId id="532" r:id="rId42"/>
-    <p:sldId id="1338" r:id="rId43"/>
-    <p:sldId id="1339" r:id="rId44"/>
-    <p:sldId id="529" r:id="rId45"/>
-    <p:sldId id="530" r:id="rId46"/>
-    <p:sldId id="1348" r:id="rId47"/>
-    <p:sldId id="1349" r:id="rId48"/>
-    <p:sldId id="411" r:id="rId49"/>
-    <p:sldId id="1341" r:id="rId50"/>
-    <p:sldId id="650" r:id="rId51"/>
+    <p:sldId id="642" r:id="rId15"/>
+    <p:sldId id="643" r:id="rId16"/>
+    <p:sldId id="644" r:id="rId17"/>
+    <p:sldId id="645" r:id="rId18"/>
+    <p:sldId id="547" r:id="rId19"/>
+    <p:sldId id="548" r:id="rId20"/>
+    <p:sldId id="1350" r:id="rId21"/>
+    <p:sldId id="1347" r:id="rId22"/>
+    <p:sldId id="1219" r:id="rId23"/>
+    <p:sldId id="1220" r:id="rId24"/>
+    <p:sldId id="1221" r:id="rId25"/>
+    <p:sldId id="1222" r:id="rId26"/>
+    <p:sldId id="1223" r:id="rId27"/>
+    <p:sldId id="1227" r:id="rId28"/>
+    <p:sldId id="1317" r:id="rId29"/>
+    <p:sldId id="1318" r:id="rId30"/>
+    <p:sldId id="1228" r:id="rId31"/>
+    <p:sldId id="1319" r:id="rId32"/>
+    <p:sldId id="841" r:id="rId33"/>
+    <p:sldId id="842" r:id="rId34"/>
+    <p:sldId id="843" r:id="rId35"/>
+    <p:sldId id="1325" r:id="rId36"/>
+    <p:sldId id="1026" r:id="rId37"/>
+    <p:sldId id="1027" r:id="rId38"/>
+    <p:sldId id="1028" r:id="rId39"/>
+    <p:sldId id="1029" r:id="rId40"/>
+    <p:sldId id="1316" r:id="rId41"/>
+    <p:sldId id="1331" r:id="rId42"/>
+    <p:sldId id="1332" r:id="rId43"/>
+    <p:sldId id="1333" r:id="rId44"/>
+    <p:sldId id="1334" r:id="rId45"/>
+    <p:sldId id="1335" r:id="rId46"/>
+    <p:sldId id="1336" r:id="rId47"/>
+    <p:sldId id="1337" r:id="rId48"/>
+    <p:sldId id="532" r:id="rId49"/>
+    <p:sldId id="1338" r:id="rId50"/>
+    <p:sldId id="1339" r:id="rId51"/>
+    <p:sldId id="529" r:id="rId52"/>
+    <p:sldId id="530" r:id="rId53"/>
+    <p:sldId id="1348" r:id="rId54"/>
+    <p:sldId id="1349" r:id="rId55"/>
+    <p:sldId id="411" r:id="rId56"/>
+    <p:sldId id="1341" r:id="rId57"/>
+    <p:sldId id="650" r:id="rId58"/>
   </p:sldIdLst>
   <p:sldSz cx="9144000" cy="6858000" type="screen4x3"/>
   <p:notesSz cx="6858000" cy="9144000"/>
@@ -174,6 +181,13 @@
             <p14:sldId id="512"/>
             <p14:sldId id="513"/>
             <p14:sldId id="514"/>
+            <p14:sldId id="642"/>
+            <p14:sldId id="643"/>
+            <p14:sldId id="644"/>
+            <p14:sldId id="645"/>
+            <p14:sldId id="547"/>
+            <p14:sldId id="548"/>
+            <p14:sldId id="1350"/>
             <p14:sldId id="1347"/>
             <p14:sldId id="1219"/>
             <p14:sldId id="1220"/>
@@ -4875,6 +4889,1241 @@
   <p:cSld>
     <p:spTree>
       <p:nvGrpSpPr>
+        <p:cNvPr id="1" name=""/>
+        <p:cNvGrpSpPr/>
+        <p:nvPr/>
+      </p:nvGrpSpPr>
+      <p:grpSpPr>
+        <a:xfrm>
+          <a:off x="0" y="0"/>
+          <a:ext cx="0" cy="0"/>
+          <a:chOff x="0" y="0"/>
+          <a:chExt cx="0" cy="0"/>
+        </a:xfrm>
+      </p:grpSpPr>
+      <p:sp>
+        <p:nvSpPr>
+          <p:cNvPr id="3" name="Subtitle 2"/>
+          <p:cNvSpPr>
+            <a:spLocks noGrp="1"/>
+          </p:cNvSpPr>
+          <p:nvPr>
+            <p:ph type="subTitle" idx="1"/>
+          </p:nvPr>
+        </p:nvSpPr>
+        <p:spPr>
+          <a:xfrm>
+            <a:off x="323528" y="188640"/>
+            <a:ext cx="8640960" cy="6480720"/>
+          </a:xfrm>
+        </p:spPr>
+        <p:txBody>
+          <a:bodyPr>
+            <a:noAutofit/>
+          </a:bodyPr>
+          <a:lstStyle/>
+          <a:p>
+            <a:endParaRPr lang="en-GB" sz="5400" dirty="0">
+              <a:solidFill>
+                <a:schemeClr val="bg1"/>
+              </a:solidFill>
+            </a:endParaRPr>
+          </a:p>
+          <a:p>
+            <a:r>
+              <a:rPr lang="en-GB" sz="6600" dirty="0">
+                <a:solidFill>
+                  <a:srgbClr val="00A3E0"/>
+                </a:solidFill>
+                <a:latin typeface="akagi_probook"/>
+              </a:rPr>
+              <a:t>Great Are You Lord</a:t>
+            </a:r>
+            <a:endParaRPr lang="en-GB" sz="6600" b="0" i="0" dirty="0">
+              <a:solidFill>
+                <a:srgbClr val="00A3E0"/>
+              </a:solidFill>
+              <a:effectLst/>
+              <a:latin typeface="akagi_probook"/>
+            </a:endParaRPr>
+          </a:p>
+          <a:p>
+            <a:br>
+              <a:rPr lang="en-GB" sz="1200" b="0" i="0" dirty="0">
+                <a:solidFill>
+                  <a:srgbClr val="717171"/>
+                </a:solidFill>
+                <a:effectLst/>
+                <a:latin typeface="akagi_probook"/>
+              </a:rPr>
+            </a:br>
+            <a:r>
+              <a:rPr lang="en-GB" sz="1200" b="0" i="0" dirty="0">
+                <a:solidFill>
+                  <a:srgbClr val="717171"/>
+                </a:solidFill>
+                <a:effectLst/>
+                <a:latin typeface="akagi_probook"/>
+              </a:rPr>
+              <a:t>CCLI Song # 6460220</a:t>
+            </a:r>
+          </a:p>
+          <a:p>
+            <a:endParaRPr lang="en-GB" sz="1200" b="0" i="0" dirty="0">
+              <a:solidFill>
+                <a:srgbClr val="717171"/>
+              </a:solidFill>
+              <a:effectLst/>
+              <a:latin typeface="akagi_probook"/>
+            </a:endParaRPr>
+          </a:p>
+          <a:p>
+            <a:r>
+              <a:rPr lang="en-GB" sz="1200" b="0" i="0" dirty="0">
+                <a:solidFill>
+                  <a:srgbClr val="717171"/>
+                </a:solidFill>
+                <a:effectLst/>
+                <a:latin typeface="akagi_probook"/>
+              </a:rPr>
+              <a:t>David Leonard | Jason Ingram | Leslie Jordan</a:t>
+            </a:r>
+          </a:p>
+          <a:p>
+            <a:endParaRPr lang="en-GB" sz="1200" b="0" i="0" dirty="0">
+              <a:solidFill>
+                <a:srgbClr val="717171"/>
+              </a:solidFill>
+              <a:effectLst/>
+              <a:latin typeface="akagi_probook"/>
+            </a:endParaRPr>
+          </a:p>
+          <a:p>
+            <a:r>
+              <a:rPr lang="en-GB" sz="1200" b="0" i="0" dirty="0">
+                <a:solidFill>
+                  <a:srgbClr val="717171"/>
+                </a:solidFill>
+                <a:effectLst/>
+                <a:latin typeface="akagi_probook"/>
+              </a:rPr>
+              <a:t>© 2012 Open Hands Music (Admin. by Essential Music Publishing LLC)</a:t>
+            </a:r>
+          </a:p>
+          <a:p>
+            <a:r>
+              <a:rPr lang="en-GB" sz="1200" b="0" i="0" dirty="0">
+                <a:solidFill>
+                  <a:srgbClr val="717171"/>
+                </a:solidFill>
+                <a:effectLst/>
+                <a:latin typeface="akagi_probook"/>
+              </a:rPr>
+              <a:t>So Essential Tunes (Admin. by Essential Music Publishing LLC)</a:t>
+            </a:r>
+          </a:p>
+          <a:p>
+            <a:r>
+              <a:rPr lang="en-GB" sz="1200" b="0" i="0" dirty="0">
+                <a:solidFill>
+                  <a:srgbClr val="717171"/>
+                </a:solidFill>
+                <a:effectLst/>
+                <a:latin typeface="akagi_probook"/>
+              </a:rPr>
+              <a:t>Integrity's Praise! Music (Admin. by Integrity Music Ltd)</a:t>
+            </a:r>
+          </a:p>
+          <a:p>
+            <a:r>
+              <a:rPr lang="en-GB" sz="1200" b="0" i="0" dirty="0">
+                <a:solidFill>
+                  <a:srgbClr val="717171"/>
+                </a:solidFill>
+                <a:effectLst/>
+                <a:latin typeface="akagi_probook"/>
+              </a:rPr>
+              <a:t>Little Way Creative (Admin. by Integrity Music Ltd)</a:t>
+            </a:r>
+          </a:p>
+          <a:p>
+            <a:r>
+              <a:rPr lang="en-GB" sz="1200" b="0" i="0" dirty="0">
+                <a:solidFill>
+                  <a:srgbClr val="717171"/>
+                </a:solidFill>
+                <a:effectLst/>
+                <a:latin typeface="akagi_probook"/>
+              </a:rPr>
+              <a:t>For use solely with the </a:t>
+            </a:r>
+            <a:r>
+              <a:rPr lang="en-GB" sz="1200" b="0" i="0" dirty="0" err="1">
+                <a:solidFill>
+                  <a:srgbClr val="717171"/>
+                </a:solidFill>
+                <a:effectLst/>
+                <a:latin typeface="akagi_probook"/>
+              </a:rPr>
+              <a:t>SongSelect</a:t>
+            </a:r>
+            <a:r>
+              <a:rPr lang="en-GB" sz="1200" b="0" i="0" dirty="0">
+                <a:solidFill>
+                  <a:srgbClr val="717171"/>
+                </a:solidFill>
+                <a:effectLst/>
+                <a:latin typeface="akagi_probook"/>
+              </a:rPr>
+              <a:t>® Terms of Use. All rights reserved. www.ccli.com</a:t>
+            </a:r>
+          </a:p>
+          <a:p>
+            <a:endParaRPr lang="en-GB" sz="1200" b="0" i="0" dirty="0">
+              <a:solidFill>
+                <a:srgbClr val="717171"/>
+              </a:solidFill>
+              <a:effectLst/>
+              <a:latin typeface="akagi_probook"/>
+            </a:endParaRPr>
+          </a:p>
+          <a:p>
+            <a:r>
+              <a:rPr lang="en-GB" sz="1200" b="0" i="0" dirty="0">
+                <a:solidFill>
+                  <a:srgbClr val="717171"/>
+                </a:solidFill>
+                <a:effectLst/>
+                <a:latin typeface="akagi_probook"/>
+              </a:rPr>
+              <a:t>CCLI Licence No. 33265</a:t>
+            </a:r>
+            <a:br>
+              <a:rPr lang="en-GB" sz="900" b="0" i="0" dirty="0">
+                <a:solidFill>
+                  <a:srgbClr val="717171"/>
+                </a:solidFill>
+                <a:effectLst/>
+                <a:latin typeface="akagi_probook"/>
+              </a:rPr>
+            </a:br>
+            <a:endParaRPr lang="en-GB" sz="1200" dirty="0">
+              <a:solidFill>
+                <a:schemeClr val="bg1"/>
+              </a:solidFill>
+            </a:endParaRPr>
+          </a:p>
+        </p:txBody>
+      </p:sp>
+    </p:spTree>
+    <p:extLst>
+      <p:ext uri="{BB962C8B-B14F-4D97-AF65-F5344CB8AC3E}">
+        <p14:creationId xmlns:p14="http://schemas.microsoft.com/office/powerpoint/2010/main" val="3589487094"/>
+      </p:ext>
+    </p:extLst>
+  </p:cSld>
+  <p:clrMapOvr>
+    <a:masterClrMapping/>
+  </p:clrMapOvr>
+</p:sld>
+</file>
+
+<file path=ppt/slides/slide15.xml><?xml version="1.0" encoding="utf-8"?>
+<p:sld xmlns:a="http://schemas.openxmlformats.org/drawingml/2006/main" xmlns:r="http://schemas.openxmlformats.org/officeDocument/2006/relationships" xmlns:p="http://schemas.openxmlformats.org/presentationml/2006/main">
+  <p:cSld>
+    <p:spTree>
+      <p:nvGrpSpPr>
+        <p:cNvPr id="1" name=""/>
+        <p:cNvGrpSpPr/>
+        <p:nvPr/>
+      </p:nvGrpSpPr>
+      <p:grpSpPr>
+        <a:xfrm>
+          <a:off x="0" y="0"/>
+          <a:ext cx="0" cy="0"/>
+          <a:chOff x="0" y="0"/>
+          <a:chExt cx="0" cy="0"/>
+        </a:xfrm>
+      </p:grpSpPr>
+      <p:sp>
+        <p:nvSpPr>
+          <p:cNvPr id="3" name="Subtitle 2"/>
+          <p:cNvSpPr>
+            <a:spLocks noGrp="1"/>
+          </p:cNvSpPr>
+          <p:nvPr>
+            <p:ph type="subTitle" idx="1"/>
+          </p:nvPr>
+        </p:nvSpPr>
+        <p:spPr>
+          <a:xfrm>
+            <a:off x="234964" y="764704"/>
+            <a:ext cx="8640960" cy="6480720"/>
+          </a:xfrm>
+        </p:spPr>
+        <p:txBody>
+          <a:bodyPr>
+            <a:noAutofit/>
+          </a:bodyPr>
+          <a:lstStyle/>
+          <a:p>
+            <a:r>
+              <a:rPr lang="en-GB" sz="3600" dirty="0">
+                <a:solidFill>
+                  <a:schemeClr val="bg1"/>
+                </a:solidFill>
+              </a:rPr>
+              <a:t>You give life You are love</a:t>
+            </a:r>
+          </a:p>
+          <a:p>
+            <a:r>
+              <a:rPr lang="en-GB" sz="3600" dirty="0">
+                <a:solidFill>
+                  <a:schemeClr val="bg1"/>
+                </a:solidFill>
+              </a:rPr>
+              <a:t>You bring light to the darkness</a:t>
+            </a:r>
+          </a:p>
+          <a:p>
+            <a:r>
+              <a:rPr lang="en-GB" sz="3600" dirty="0">
+                <a:solidFill>
+                  <a:schemeClr val="bg1"/>
+                </a:solidFill>
+              </a:rPr>
+              <a:t>You give hope You restore </a:t>
+            </a:r>
+            <a:r>
+              <a:rPr lang="en-GB" sz="3600" dirty="0" err="1">
+                <a:solidFill>
+                  <a:schemeClr val="bg1"/>
+                </a:solidFill>
+              </a:rPr>
+              <a:t>ev'ry</a:t>
+            </a:r>
+            <a:r>
+              <a:rPr lang="en-GB" sz="3600" dirty="0">
+                <a:solidFill>
+                  <a:schemeClr val="bg1"/>
+                </a:solidFill>
+              </a:rPr>
+              <a:t> heart that is broken</a:t>
+            </a:r>
+          </a:p>
+          <a:p>
+            <a:r>
+              <a:rPr lang="en-GB" sz="3600" dirty="0">
+                <a:solidFill>
+                  <a:schemeClr val="bg1"/>
+                </a:solidFill>
+              </a:rPr>
+              <a:t>And great are You Lord</a:t>
+            </a:r>
+          </a:p>
+        </p:txBody>
+      </p:sp>
+      <p:sp>
+        <p:nvSpPr>
+          <p:cNvPr id="4" name="TextBox 3"/>
+          <p:cNvSpPr txBox="1"/>
+          <p:nvPr/>
+        </p:nvSpPr>
+        <p:spPr>
+          <a:xfrm>
+            <a:off x="8529729" y="0"/>
+            <a:ext cx="628698" cy="461665"/>
+          </a:xfrm>
+          <a:prstGeom prst="rect">
+            <a:avLst/>
+          </a:prstGeom>
+          <a:noFill/>
+        </p:spPr>
+        <p:txBody>
+          <a:bodyPr wrap="none" rtlCol="0">
+            <a:spAutoFit/>
+          </a:bodyPr>
+          <a:lstStyle/>
+          <a:p>
+            <a:r>
+              <a:rPr lang="en-GB" sz="2400" b="1" dirty="0">
+                <a:solidFill>
+                  <a:schemeClr val="bg1"/>
+                </a:solidFill>
+              </a:rPr>
+              <a:t>1/6</a:t>
+            </a:r>
+          </a:p>
+        </p:txBody>
+      </p:sp>
+    </p:spTree>
+    <p:extLst>
+      <p:ext uri="{BB962C8B-B14F-4D97-AF65-F5344CB8AC3E}">
+        <p14:creationId xmlns:p14="http://schemas.microsoft.com/office/powerpoint/2010/main" val="180209882"/>
+      </p:ext>
+    </p:extLst>
+  </p:cSld>
+  <p:clrMapOvr>
+    <a:masterClrMapping/>
+  </p:clrMapOvr>
+</p:sld>
+</file>
+
+<file path=ppt/slides/slide16.xml><?xml version="1.0" encoding="utf-8"?>
+<p:sld xmlns:a="http://schemas.openxmlformats.org/drawingml/2006/main" xmlns:r="http://schemas.openxmlformats.org/officeDocument/2006/relationships" xmlns:p="http://schemas.openxmlformats.org/presentationml/2006/main">
+  <p:cSld>
+    <p:spTree>
+      <p:nvGrpSpPr>
+        <p:cNvPr id="1" name=""/>
+        <p:cNvGrpSpPr/>
+        <p:nvPr/>
+      </p:nvGrpSpPr>
+      <p:grpSpPr>
+        <a:xfrm>
+          <a:off x="0" y="0"/>
+          <a:ext cx="0" cy="0"/>
+          <a:chOff x="0" y="0"/>
+          <a:chExt cx="0" cy="0"/>
+        </a:xfrm>
+      </p:grpSpPr>
+      <p:sp>
+        <p:nvSpPr>
+          <p:cNvPr id="3" name="Subtitle 2"/>
+          <p:cNvSpPr>
+            <a:spLocks noGrp="1"/>
+          </p:cNvSpPr>
+          <p:nvPr>
+            <p:ph type="subTitle" idx="1"/>
+          </p:nvPr>
+        </p:nvSpPr>
+        <p:spPr>
+          <a:xfrm>
+            <a:off x="251520" y="692696"/>
+            <a:ext cx="8640960" cy="6480720"/>
+          </a:xfrm>
+        </p:spPr>
+        <p:txBody>
+          <a:bodyPr>
+            <a:noAutofit/>
+          </a:bodyPr>
+          <a:lstStyle/>
+          <a:p>
+            <a:r>
+              <a:rPr lang="en-GB" sz="3600" dirty="0">
+                <a:solidFill>
+                  <a:schemeClr val="bg1"/>
+                </a:solidFill>
+              </a:rPr>
+              <a:t>It's Your breath in our lungs</a:t>
+            </a:r>
+          </a:p>
+          <a:p>
+            <a:r>
+              <a:rPr lang="en-GB" sz="3600" dirty="0">
+                <a:solidFill>
+                  <a:schemeClr val="bg1"/>
+                </a:solidFill>
+              </a:rPr>
+              <a:t>So we pour out our praise</a:t>
+            </a:r>
+          </a:p>
+          <a:p>
+            <a:r>
+              <a:rPr lang="en-GB" sz="3600" dirty="0">
+                <a:solidFill>
+                  <a:schemeClr val="bg1"/>
+                </a:solidFill>
+              </a:rPr>
+              <a:t>We pour out our praise</a:t>
+            </a:r>
+          </a:p>
+          <a:p>
+            <a:r>
+              <a:rPr lang="en-GB" sz="3600" dirty="0">
+                <a:solidFill>
+                  <a:schemeClr val="bg1"/>
+                </a:solidFill>
+              </a:rPr>
+              <a:t>It's Your breath in our lungs</a:t>
+            </a:r>
+          </a:p>
+          <a:p>
+            <a:r>
+              <a:rPr lang="en-GB" sz="3600" dirty="0">
+                <a:solidFill>
+                  <a:schemeClr val="bg1"/>
+                </a:solidFill>
+              </a:rPr>
+              <a:t>So we pour out our praise to You only</a:t>
+            </a:r>
+          </a:p>
+        </p:txBody>
+      </p:sp>
+      <p:sp>
+        <p:nvSpPr>
+          <p:cNvPr id="4" name="TextBox 3"/>
+          <p:cNvSpPr txBox="1"/>
+          <p:nvPr/>
+        </p:nvSpPr>
+        <p:spPr>
+          <a:xfrm>
+            <a:off x="8529729" y="0"/>
+            <a:ext cx="628698" cy="461665"/>
+          </a:xfrm>
+          <a:prstGeom prst="rect">
+            <a:avLst/>
+          </a:prstGeom>
+          <a:noFill/>
+        </p:spPr>
+        <p:txBody>
+          <a:bodyPr wrap="none" rtlCol="0">
+            <a:spAutoFit/>
+          </a:bodyPr>
+          <a:lstStyle/>
+          <a:p>
+            <a:r>
+              <a:rPr lang="en-GB" sz="2400" b="1" dirty="0">
+                <a:solidFill>
+                  <a:schemeClr val="bg1"/>
+                </a:solidFill>
+              </a:rPr>
+              <a:t>2/6</a:t>
+            </a:r>
+          </a:p>
+        </p:txBody>
+      </p:sp>
+    </p:spTree>
+    <p:extLst>
+      <p:ext uri="{BB962C8B-B14F-4D97-AF65-F5344CB8AC3E}">
+        <p14:creationId xmlns:p14="http://schemas.microsoft.com/office/powerpoint/2010/main" val="3694851975"/>
+      </p:ext>
+    </p:extLst>
+  </p:cSld>
+  <p:clrMapOvr>
+    <a:masterClrMapping/>
+  </p:clrMapOvr>
+</p:sld>
+</file>
+
+<file path=ppt/slides/slide17.xml><?xml version="1.0" encoding="utf-8"?>
+<p:sld xmlns:a="http://schemas.openxmlformats.org/drawingml/2006/main" xmlns:r="http://schemas.openxmlformats.org/officeDocument/2006/relationships" xmlns:p="http://schemas.openxmlformats.org/presentationml/2006/main">
+  <p:cSld>
+    <p:spTree>
+      <p:nvGrpSpPr>
+        <p:cNvPr id="1" name=""/>
+        <p:cNvGrpSpPr/>
+        <p:nvPr/>
+      </p:nvGrpSpPr>
+      <p:grpSpPr>
+        <a:xfrm>
+          <a:off x="0" y="0"/>
+          <a:ext cx="0" cy="0"/>
+          <a:chOff x="0" y="0"/>
+          <a:chExt cx="0" cy="0"/>
+        </a:xfrm>
+      </p:grpSpPr>
+      <p:sp>
+        <p:nvSpPr>
+          <p:cNvPr id="3" name="Subtitle 2"/>
+          <p:cNvSpPr>
+            <a:spLocks noGrp="1"/>
+          </p:cNvSpPr>
+          <p:nvPr>
+            <p:ph type="subTitle" idx="1"/>
+          </p:nvPr>
+        </p:nvSpPr>
+        <p:spPr>
+          <a:xfrm>
+            <a:off x="251520" y="764704"/>
+            <a:ext cx="8640960" cy="6480720"/>
+          </a:xfrm>
+        </p:spPr>
+        <p:txBody>
+          <a:bodyPr>
+            <a:noAutofit/>
+          </a:bodyPr>
+          <a:lstStyle/>
+          <a:p>
+            <a:r>
+              <a:rPr lang="en-GB" sz="3600" dirty="0">
+                <a:solidFill>
+                  <a:schemeClr val="bg1"/>
+                </a:solidFill>
+              </a:rPr>
+              <a:t>And all the earth will shout Your praise</a:t>
+            </a:r>
+          </a:p>
+          <a:p>
+            <a:r>
+              <a:rPr lang="en-GB" sz="3600" dirty="0">
+                <a:solidFill>
+                  <a:schemeClr val="bg1"/>
+                </a:solidFill>
+              </a:rPr>
+              <a:t>Our hearts will cry these bones will sing</a:t>
+            </a:r>
+          </a:p>
+          <a:p>
+            <a:r>
+              <a:rPr lang="en-GB" sz="3600" dirty="0">
+                <a:solidFill>
+                  <a:schemeClr val="bg1"/>
+                </a:solidFill>
+              </a:rPr>
+              <a:t>Great are You Lord</a:t>
+            </a:r>
+          </a:p>
+          <a:p>
+            <a:r>
+              <a:rPr lang="en-GB" sz="3600" dirty="0">
+                <a:solidFill>
+                  <a:schemeClr val="bg1"/>
+                </a:solidFill>
+              </a:rPr>
+              <a:t>(REPEAT)</a:t>
+            </a:r>
+          </a:p>
+        </p:txBody>
+      </p:sp>
+      <p:sp>
+        <p:nvSpPr>
+          <p:cNvPr id="4" name="TextBox 3"/>
+          <p:cNvSpPr txBox="1"/>
+          <p:nvPr/>
+        </p:nvSpPr>
+        <p:spPr>
+          <a:xfrm>
+            <a:off x="8529729" y="0"/>
+            <a:ext cx="628698" cy="461665"/>
+          </a:xfrm>
+          <a:prstGeom prst="rect">
+            <a:avLst/>
+          </a:prstGeom>
+          <a:noFill/>
+        </p:spPr>
+        <p:txBody>
+          <a:bodyPr wrap="none" rtlCol="0">
+            <a:spAutoFit/>
+          </a:bodyPr>
+          <a:lstStyle/>
+          <a:p>
+            <a:r>
+              <a:rPr lang="en-GB" sz="2400" b="1" dirty="0">
+                <a:solidFill>
+                  <a:schemeClr val="bg1"/>
+                </a:solidFill>
+              </a:rPr>
+              <a:t>3/6</a:t>
+            </a:r>
+          </a:p>
+        </p:txBody>
+      </p:sp>
+    </p:spTree>
+    <p:extLst>
+      <p:ext uri="{BB962C8B-B14F-4D97-AF65-F5344CB8AC3E}">
+        <p14:creationId xmlns:p14="http://schemas.microsoft.com/office/powerpoint/2010/main" val="528418024"/>
+      </p:ext>
+    </p:extLst>
+  </p:cSld>
+  <p:clrMapOvr>
+    <a:masterClrMapping/>
+  </p:clrMapOvr>
+</p:sld>
+</file>
+
+<file path=ppt/slides/slide18.xml><?xml version="1.0" encoding="utf-8"?>
+<p:sld xmlns:a="http://schemas.openxmlformats.org/drawingml/2006/main" xmlns:r="http://schemas.openxmlformats.org/officeDocument/2006/relationships" xmlns:p="http://schemas.openxmlformats.org/presentationml/2006/main">
+  <p:cSld>
+    <p:spTree>
+      <p:nvGrpSpPr>
+        <p:cNvPr id="1" name=""/>
+        <p:cNvGrpSpPr/>
+        <p:nvPr/>
+      </p:nvGrpSpPr>
+      <p:grpSpPr>
+        <a:xfrm>
+          <a:off x="0" y="0"/>
+          <a:ext cx="0" cy="0"/>
+          <a:chOff x="0" y="0"/>
+          <a:chExt cx="0" cy="0"/>
+        </a:xfrm>
+      </p:grpSpPr>
+      <p:sp>
+        <p:nvSpPr>
+          <p:cNvPr id="3" name="Subtitle 2"/>
+          <p:cNvSpPr>
+            <a:spLocks noGrp="1"/>
+          </p:cNvSpPr>
+          <p:nvPr>
+            <p:ph type="subTitle" idx="1"/>
+          </p:nvPr>
+        </p:nvSpPr>
+        <p:spPr>
+          <a:xfrm>
+            <a:off x="395536" y="692696"/>
+            <a:ext cx="8640960" cy="6480720"/>
+          </a:xfrm>
+        </p:spPr>
+        <p:txBody>
+          <a:bodyPr>
+            <a:noAutofit/>
+          </a:bodyPr>
+          <a:lstStyle/>
+          <a:p>
+            <a:r>
+              <a:rPr lang="en-GB" sz="3600" dirty="0">
+                <a:solidFill>
+                  <a:schemeClr val="bg1"/>
+                </a:solidFill>
+              </a:rPr>
+              <a:t>Here's my worship</a:t>
+            </a:r>
+          </a:p>
+          <a:p>
+            <a:r>
+              <a:rPr lang="en-GB" sz="3600" dirty="0">
+                <a:solidFill>
+                  <a:schemeClr val="bg1"/>
+                </a:solidFill>
+              </a:rPr>
+              <a:t>All of my worship</a:t>
+            </a:r>
+          </a:p>
+          <a:p>
+            <a:r>
+              <a:rPr lang="en-GB" sz="3600" dirty="0">
+                <a:solidFill>
+                  <a:schemeClr val="bg1"/>
+                </a:solidFill>
+              </a:rPr>
+              <a:t>Receive my worship</a:t>
+            </a:r>
+          </a:p>
+          <a:p>
+            <a:r>
+              <a:rPr lang="en-GB" sz="3600" dirty="0">
+                <a:solidFill>
+                  <a:schemeClr val="bg1"/>
+                </a:solidFill>
+              </a:rPr>
+              <a:t>All of my worship</a:t>
+            </a:r>
+            <a:br>
+              <a:rPr lang="en-GB" sz="3600" dirty="0">
+                <a:solidFill>
+                  <a:schemeClr val="bg1"/>
+                </a:solidFill>
+              </a:rPr>
+            </a:br>
+            <a:endParaRPr lang="en-GB" sz="3600" dirty="0">
+              <a:solidFill>
+                <a:schemeClr val="bg1"/>
+              </a:solidFill>
+            </a:endParaRPr>
+          </a:p>
+          <a:p>
+            <a:r>
+              <a:rPr lang="en-GB" sz="3600" dirty="0">
+                <a:solidFill>
+                  <a:schemeClr val="bg1"/>
+                </a:solidFill>
+              </a:rPr>
+              <a:t>(REPEAT)</a:t>
+            </a:r>
+          </a:p>
+        </p:txBody>
+      </p:sp>
+      <p:sp>
+        <p:nvSpPr>
+          <p:cNvPr id="4" name="TextBox 3"/>
+          <p:cNvSpPr txBox="1"/>
+          <p:nvPr/>
+        </p:nvSpPr>
+        <p:spPr>
+          <a:xfrm>
+            <a:off x="8529729" y="0"/>
+            <a:ext cx="628698" cy="461665"/>
+          </a:xfrm>
+          <a:prstGeom prst="rect">
+            <a:avLst/>
+          </a:prstGeom>
+          <a:noFill/>
+        </p:spPr>
+        <p:txBody>
+          <a:bodyPr wrap="none" rtlCol="0">
+            <a:spAutoFit/>
+          </a:bodyPr>
+          <a:lstStyle/>
+          <a:p>
+            <a:r>
+              <a:rPr lang="en-GB" sz="2400" b="1" dirty="0">
+                <a:solidFill>
+                  <a:schemeClr val="bg1"/>
+                </a:solidFill>
+              </a:rPr>
+              <a:t>4/6</a:t>
+            </a:r>
+          </a:p>
+        </p:txBody>
+      </p:sp>
+    </p:spTree>
+    <p:extLst>
+      <p:ext uri="{BB962C8B-B14F-4D97-AF65-F5344CB8AC3E}">
+        <p14:creationId xmlns:p14="http://schemas.microsoft.com/office/powerpoint/2010/main" val="2202196089"/>
+      </p:ext>
+    </p:extLst>
+  </p:cSld>
+  <p:clrMapOvr>
+    <a:masterClrMapping/>
+  </p:clrMapOvr>
+</p:sld>
+</file>
+
+<file path=ppt/slides/slide19.xml><?xml version="1.0" encoding="utf-8"?>
+<p:sld xmlns:a="http://schemas.openxmlformats.org/drawingml/2006/main" xmlns:r="http://schemas.openxmlformats.org/officeDocument/2006/relationships" xmlns:p="http://schemas.openxmlformats.org/presentationml/2006/main">
+  <p:cSld>
+    <p:spTree>
+      <p:nvGrpSpPr>
+        <p:cNvPr id="1" name=""/>
+        <p:cNvGrpSpPr/>
+        <p:nvPr/>
+      </p:nvGrpSpPr>
+      <p:grpSpPr>
+        <a:xfrm>
+          <a:off x="0" y="0"/>
+          <a:ext cx="0" cy="0"/>
+          <a:chOff x="0" y="0"/>
+          <a:chExt cx="0" cy="0"/>
+        </a:xfrm>
+      </p:grpSpPr>
+      <p:sp>
+        <p:nvSpPr>
+          <p:cNvPr id="3" name="Subtitle 2"/>
+          <p:cNvSpPr>
+            <a:spLocks noGrp="1"/>
+          </p:cNvSpPr>
+          <p:nvPr>
+            <p:ph type="subTitle" idx="1"/>
+          </p:nvPr>
+        </p:nvSpPr>
+        <p:spPr>
+          <a:xfrm>
+            <a:off x="251520" y="764704"/>
+            <a:ext cx="8640960" cy="6480720"/>
+          </a:xfrm>
+        </p:spPr>
+        <p:txBody>
+          <a:bodyPr>
+            <a:noAutofit/>
+          </a:bodyPr>
+          <a:lstStyle/>
+          <a:p>
+            <a:r>
+              <a:rPr lang="en-GB" sz="3600" dirty="0">
+                <a:solidFill>
+                  <a:schemeClr val="bg1"/>
+                </a:solidFill>
+              </a:rPr>
+              <a:t>And I will not be silent</a:t>
+            </a:r>
+          </a:p>
+          <a:p>
+            <a:r>
+              <a:rPr lang="en-GB" sz="3600" dirty="0">
+                <a:solidFill>
+                  <a:schemeClr val="bg1"/>
+                </a:solidFill>
+              </a:rPr>
+              <a:t>I will always worship You</a:t>
+            </a:r>
+          </a:p>
+          <a:p>
+            <a:r>
+              <a:rPr lang="en-GB" sz="3600" dirty="0">
+                <a:solidFill>
+                  <a:schemeClr val="bg1"/>
+                </a:solidFill>
+              </a:rPr>
+              <a:t>As long as I am breathing</a:t>
+            </a:r>
+          </a:p>
+          <a:p>
+            <a:r>
+              <a:rPr lang="en-GB" sz="3600" dirty="0">
+                <a:solidFill>
+                  <a:schemeClr val="bg1"/>
+                </a:solidFill>
+              </a:rPr>
+              <a:t>I will always worship You</a:t>
+            </a:r>
+          </a:p>
+        </p:txBody>
+      </p:sp>
+      <p:sp>
+        <p:nvSpPr>
+          <p:cNvPr id="4" name="TextBox 3"/>
+          <p:cNvSpPr txBox="1"/>
+          <p:nvPr/>
+        </p:nvSpPr>
+        <p:spPr>
+          <a:xfrm>
+            <a:off x="8529729" y="0"/>
+            <a:ext cx="628698" cy="461665"/>
+          </a:xfrm>
+          <a:prstGeom prst="rect">
+            <a:avLst/>
+          </a:prstGeom>
+          <a:noFill/>
+        </p:spPr>
+        <p:txBody>
+          <a:bodyPr wrap="none" rtlCol="0">
+            <a:spAutoFit/>
+          </a:bodyPr>
+          <a:lstStyle/>
+          <a:p>
+            <a:r>
+              <a:rPr lang="en-GB" sz="2400" b="1" dirty="0">
+                <a:solidFill>
+                  <a:schemeClr val="bg1"/>
+                </a:solidFill>
+              </a:rPr>
+              <a:t>5/6</a:t>
+            </a:r>
+          </a:p>
+        </p:txBody>
+      </p:sp>
+    </p:spTree>
+    <p:extLst>
+      <p:ext uri="{BB962C8B-B14F-4D97-AF65-F5344CB8AC3E}">
+        <p14:creationId xmlns:p14="http://schemas.microsoft.com/office/powerpoint/2010/main" val="897472554"/>
+      </p:ext>
+    </p:extLst>
+  </p:cSld>
+  <p:clrMapOvr>
+    <a:masterClrMapping/>
+  </p:clrMapOvr>
+</p:sld>
+</file>
+
+<file path=ppt/slides/slide2.xml><?xml version="1.0" encoding="utf-8"?>
+<p:sld xmlns:a="http://schemas.openxmlformats.org/drawingml/2006/main" xmlns:r="http://schemas.openxmlformats.org/officeDocument/2006/relationships" xmlns:p="http://schemas.openxmlformats.org/presentationml/2006/main">
+  <p:cSld>
+    <p:spTree>
+      <p:nvGrpSpPr>
+        <p:cNvPr id="1" name=""/>
+        <p:cNvGrpSpPr/>
+        <p:nvPr/>
+      </p:nvGrpSpPr>
+      <p:grpSpPr>
+        <a:xfrm>
+          <a:off x="0" y="0"/>
+          <a:ext cx="0" cy="0"/>
+          <a:chOff x="0" y="0"/>
+          <a:chExt cx="0" cy="0"/>
+        </a:xfrm>
+      </p:grpSpPr>
+      <p:sp>
+        <p:nvSpPr>
+          <p:cNvPr id="3" name="Subtitle 2"/>
+          <p:cNvSpPr>
+            <a:spLocks noGrp="1"/>
+          </p:cNvSpPr>
+          <p:nvPr>
+            <p:ph type="subTitle" idx="1"/>
+          </p:nvPr>
+        </p:nvSpPr>
+        <p:spPr>
+          <a:xfrm>
+            <a:off x="323528" y="188640"/>
+            <a:ext cx="8640960" cy="6480720"/>
+          </a:xfrm>
+        </p:spPr>
+        <p:txBody>
+          <a:bodyPr>
+            <a:noAutofit/>
+          </a:bodyPr>
+          <a:lstStyle/>
+          <a:p>
+            <a:endParaRPr lang="en-GB" sz="5400" dirty="0">
+              <a:solidFill>
+                <a:schemeClr val="bg1"/>
+              </a:solidFill>
+            </a:endParaRPr>
+          </a:p>
+          <a:p>
+            <a:r>
+              <a:rPr lang="en-GB" sz="6600" b="0" i="0" dirty="0">
+                <a:solidFill>
+                  <a:srgbClr val="00A3E0"/>
+                </a:solidFill>
+                <a:effectLst/>
+                <a:latin typeface="akagi_probook"/>
+              </a:rPr>
+              <a:t>Everlasting God</a:t>
+            </a:r>
+          </a:p>
+          <a:p>
+            <a:r>
+              <a:rPr lang="en-GB" sz="1200" dirty="0">
+                <a:solidFill>
+                  <a:schemeClr val="bg1"/>
+                </a:solidFill>
+              </a:rPr>
+              <a:t>CCLI Song # 4556538</a:t>
+            </a:r>
+          </a:p>
+          <a:p>
+            <a:endParaRPr lang="en-GB" sz="1200" dirty="0">
+              <a:solidFill>
+                <a:schemeClr val="bg1"/>
+              </a:solidFill>
+            </a:endParaRPr>
+          </a:p>
+          <a:p>
+            <a:r>
+              <a:rPr lang="en-GB" sz="1200" dirty="0">
+                <a:solidFill>
+                  <a:schemeClr val="bg1"/>
+                </a:solidFill>
+              </a:rPr>
+              <a:t>Brenton Brown | Ken Riley</a:t>
+            </a:r>
+          </a:p>
+          <a:p>
+            <a:endParaRPr lang="en-GB" sz="1200" dirty="0">
+              <a:solidFill>
+                <a:schemeClr val="bg1"/>
+              </a:solidFill>
+            </a:endParaRPr>
+          </a:p>
+          <a:p>
+            <a:r>
+              <a:rPr lang="en-GB" sz="1200" dirty="0">
+                <a:solidFill>
+                  <a:schemeClr val="bg1"/>
+                </a:solidFill>
+              </a:rPr>
+              <a:t>© 2005 Thankyou Music (Admin. by Integrity Music Ltd)</a:t>
+            </a:r>
+          </a:p>
+          <a:p>
+            <a:r>
+              <a:rPr lang="en-GB" sz="1200" dirty="0">
+                <a:solidFill>
+                  <a:schemeClr val="bg1"/>
+                </a:solidFill>
+              </a:rPr>
+              <a:t>For use solely with the </a:t>
+            </a:r>
+            <a:r>
+              <a:rPr lang="en-GB" sz="1200" dirty="0" err="1">
+                <a:solidFill>
+                  <a:schemeClr val="bg1"/>
+                </a:solidFill>
+              </a:rPr>
+              <a:t>SongSelect</a:t>
+            </a:r>
+            <a:r>
+              <a:rPr lang="en-GB" sz="1200" dirty="0">
+                <a:solidFill>
+                  <a:schemeClr val="bg1"/>
+                </a:solidFill>
+              </a:rPr>
+              <a:t>® Terms of Use. All rights reserved. www.ccli.com</a:t>
+            </a:r>
+          </a:p>
+          <a:p>
+            <a:endParaRPr lang="en-GB" sz="1200" dirty="0">
+              <a:solidFill>
+                <a:schemeClr val="bg1"/>
+              </a:solidFill>
+            </a:endParaRPr>
+          </a:p>
+          <a:p>
+            <a:r>
+              <a:rPr lang="en-GB" sz="1200" dirty="0">
+                <a:solidFill>
+                  <a:schemeClr val="bg1"/>
+                </a:solidFill>
+              </a:rPr>
+              <a:t>CCLI Licence No. 33265</a:t>
+            </a:r>
+          </a:p>
+        </p:txBody>
+      </p:sp>
+    </p:spTree>
+    <p:extLst>
+      <p:ext uri="{BB962C8B-B14F-4D97-AF65-F5344CB8AC3E}">
+        <p14:creationId xmlns:p14="http://schemas.microsoft.com/office/powerpoint/2010/main" val="2913287271"/>
+      </p:ext>
+    </p:extLst>
+  </p:cSld>
+  <p:clrMapOvr>
+    <a:masterClrMapping/>
+  </p:clrMapOvr>
+</p:sld>
+</file>
+
+<file path=ppt/slides/slide20.xml><?xml version="1.0" encoding="utf-8"?>
+<p:sld xmlns:a="http://schemas.openxmlformats.org/drawingml/2006/main" xmlns:r="http://schemas.openxmlformats.org/officeDocument/2006/relationships" xmlns:p="http://schemas.openxmlformats.org/presentationml/2006/main">
+  <p:cSld>
+    <p:spTree>
+      <p:nvGrpSpPr>
+        <p:cNvPr id="1" name="">
+          <a:extLst>
+            <a:ext uri="{FF2B5EF4-FFF2-40B4-BE49-F238E27FC236}">
+              <a16:creationId xmlns:a16="http://schemas.microsoft.com/office/drawing/2014/main" id="{578FC3EF-9192-CC9D-538C-17DCD9CD5D4D}"/>
+            </a:ext>
+          </a:extLst>
+        </p:cNvPr>
+        <p:cNvGrpSpPr/>
+        <p:nvPr/>
+      </p:nvGrpSpPr>
+      <p:grpSpPr>
+        <a:xfrm>
+          <a:off x="0" y="0"/>
+          <a:ext cx="0" cy="0"/>
+          <a:chOff x="0" y="0"/>
+          <a:chExt cx="0" cy="0"/>
+        </a:xfrm>
+      </p:grpSpPr>
+      <p:sp>
+        <p:nvSpPr>
+          <p:cNvPr id="3" name="Subtitle 2">
+            <a:extLst>
+              <a:ext uri="{FF2B5EF4-FFF2-40B4-BE49-F238E27FC236}">
+                <a16:creationId xmlns:a16="http://schemas.microsoft.com/office/drawing/2014/main" id="{8E2075F5-5E90-1648-3AF3-2796FD8621E6}"/>
+              </a:ext>
+            </a:extLst>
+          </p:cNvPr>
+          <p:cNvSpPr>
+            <a:spLocks noGrp="1"/>
+          </p:cNvSpPr>
+          <p:nvPr>
+            <p:ph type="subTitle" idx="1"/>
+          </p:nvPr>
+        </p:nvSpPr>
+        <p:spPr>
+          <a:xfrm>
+            <a:off x="251520" y="692696"/>
+            <a:ext cx="8640960" cy="6480720"/>
+          </a:xfrm>
+        </p:spPr>
+        <p:txBody>
+          <a:bodyPr>
+            <a:noAutofit/>
+          </a:bodyPr>
+          <a:lstStyle/>
+          <a:p>
+            <a:r>
+              <a:rPr lang="en-GB" sz="3600" dirty="0">
+                <a:solidFill>
+                  <a:schemeClr val="bg1"/>
+                </a:solidFill>
+              </a:rPr>
+              <a:t>It's Your breath in our lungs</a:t>
+            </a:r>
+          </a:p>
+          <a:p>
+            <a:r>
+              <a:rPr lang="en-GB" sz="3600" dirty="0">
+                <a:solidFill>
+                  <a:schemeClr val="bg1"/>
+                </a:solidFill>
+              </a:rPr>
+              <a:t>So we pour out our praise</a:t>
+            </a:r>
+          </a:p>
+          <a:p>
+            <a:r>
+              <a:rPr lang="en-GB" sz="3600" dirty="0">
+                <a:solidFill>
+                  <a:schemeClr val="bg1"/>
+                </a:solidFill>
+              </a:rPr>
+              <a:t>We pour out our praise</a:t>
+            </a:r>
+          </a:p>
+          <a:p>
+            <a:r>
+              <a:rPr lang="en-GB" sz="3600" dirty="0">
+                <a:solidFill>
+                  <a:schemeClr val="bg1"/>
+                </a:solidFill>
+              </a:rPr>
+              <a:t>It's Your breath in our lungs</a:t>
+            </a:r>
+          </a:p>
+          <a:p>
+            <a:r>
+              <a:rPr lang="en-GB" sz="3600" dirty="0">
+                <a:solidFill>
+                  <a:schemeClr val="bg1"/>
+                </a:solidFill>
+              </a:rPr>
+              <a:t>So we pour out our praise to You only</a:t>
+            </a:r>
+          </a:p>
+        </p:txBody>
+      </p:sp>
+      <p:sp>
+        <p:nvSpPr>
+          <p:cNvPr id="4" name="TextBox 3">
+            <a:extLst>
+              <a:ext uri="{FF2B5EF4-FFF2-40B4-BE49-F238E27FC236}">
+                <a16:creationId xmlns:a16="http://schemas.microsoft.com/office/drawing/2014/main" id="{70BFE808-6EC7-8F52-9402-721A6BA71487}"/>
+              </a:ext>
+            </a:extLst>
+          </p:cNvPr>
+          <p:cNvSpPr txBox="1"/>
+          <p:nvPr/>
+        </p:nvSpPr>
+        <p:spPr>
+          <a:xfrm>
+            <a:off x="8529729" y="0"/>
+            <a:ext cx="628698" cy="461665"/>
+          </a:xfrm>
+          <a:prstGeom prst="rect">
+            <a:avLst/>
+          </a:prstGeom>
+          <a:noFill/>
+        </p:spPr>
+        <p:txBody>
+          <a:bodyPr wrap="none" rtlCol="0">
+            <a:spAutoFit/>
+          </a:bodyPr>
+          <a:lstStyle/>
+          <a:p>
+            <a:r>
+              <a:rPr lang="en-GB" sz="2400" b="1" dirty="0">
+                <a:solidFill>
+                  <a:schemeClr val="bg1"/>
+                </a:solidFill>
+              </a:rPr>
+              <a:t>6/6</a:t>
+            </a:r>
+          </a:p>
+        </p:txBody>
+      </p:sp>
+    </p:spTree>
+    <p:extLst>
+      <p:ext uri="{BB962C8B-B14F-4D97-AF65-F5344CB8AC3E}">
+        <p14:creationId xmlns:p14="http://schemas.microsoft.com/office/powerpoint/2010/main" val="4244657182"/>
+      </p:ext>
+    </p:extLst>
+  </p:cSld>
+  <p:clrMapOvr>
+    <a:masterClrMapping/>
+  </p:clrMapOvr>
+</p:sld>
+</file>
+
+<file path=ppt/slides/slide21.xml><?xml version="1.0" encoding="utf-8"?>
+<p:sld xmlns:a="http://schemas.openxmlformats.org/drawingml/2006/main" xmlns:r="http://schemas.openxmlformats.org/officeDocument/2006/relationships" xmlns:p="http://schemas.openxmlformats.org/presentationml/2006/main">
+  <p:cSld>
+    <p:spTree>
+      <p:nvGrpSpPr>
         <p:cNvPr id="1" name="">
           <a:extLst>
             <a:ext uri="{FF2B5EF4-FFF2-40B4-BE49-F238E27FC236}">
@@ -4906,1158 +6155,6 @@
 </p:sld>
 </file>
 
-<file path=ppt/slides/slide15.xml><?xml version="1.0" encoding="utf-8"?>
-<p:sld xmlns:a="http://schemas.openxmlformats.org/drawingml/2006/main" xmlns:r="http://schemas.openxmlformats.org/officeDocument/2006/relationships" xmlns:p="http://schemas.openxmlformats.org/presentationml/2006/main">
-  <p:cSld>
-    <p:spTree>
-      <p:nvGrpSpPr>
-        <p:cNvPr id="1" name=""/>
-        <p:cNvGrpSpPr/>
-        <p:nvPr/>
-      </p:nvGrpSpPr>
-      <p:grpSpPr>
-        <a:xfrm>
-          <a:off x="0" y="0"/>
-          <a:ext cx="0" cy="0"/>
-          <a:chOff x="0" y="0"/>
-          <a:chExt cx="0" cy="0"/>
-        </a:xfrm>
-      </p:grpSpPr>
-      <p:sp>
-        <p:nvSpPr>
-          <p:cNvPr id="3" name="Subtitle 2"/>
-          <p:cNvSpPr>
-            <a:spLocks noGrp="1"/>
-          </p:cNvSpPr>
-          <p:nvPr>
-            <p:ph type="subTitle" idx="1"/>
-          </p:nvPr>
-        </p:nvSpPr>
-        <p:spPr>
-          <a:xfrm>
-            <a:off x="323528" y="188640"/>
-            <a:ext cx="8640960" cy="6480720"/>
-          </a:xfrm>
-        </p:spPr>
-        <p:txBody>
-          <a:bodyPr>
-            <a:noAutofit/>
-          </a:bodyPr>
-          <a:lstStyle/>
-          <a:p>
-            <a:endParaRPr lang="en-GB" sz="5400" dirty="0">
-              <a:solidFill>
-                <a:schemeClr val="bg1"/>
-              </a:solidFill>
-            </a:endParaRPr>
-          </a:p>
-          <a:p>
-            <a:r>
-              <a:rPr lang="en-GB" sz="4400" b="0" i="0" dirty="0">
-                <a:solidFill>
-                  <a:srgbClr val="00A3E0"/>
-                </a:solidFill>
-                <a:effectLst/>
-                <a:latin typeface="akagi_probook"/>
-              </a:rPr>
-              <a:t>This is Our God</a:t>
-            </a:r>
-          </a:p>
-          <a:p>
-            <a:br>
-              <a:rPr lang="en-GB" sz="1200" dirty="0">
-                <a:solidFill>
-                  <a:schemeClr val="bg1"/>
-                </a:solidFill>
-              </a:rPr>
-            </a:br>
-            <a:r>
-              <a:rPr lang="en-GB" sz="1200" dirty="0">
-                <a:solidFill>
-                  <a:schemeClr val="bg1"/>
-                </a:solidFill>
-              </a:rPr>
-              <a:t>CCLI Song # 7211413</a:t>
-            </a:r>
-          </a:p>
-          <a:p>
-            <a:r>
-              <a:rPr lang="en-GB" sz="1200" dirty="0">
-                <a:solidFill>
-                  <a:schemeClr val="bg1"/>
-                </a:solidFill>
-              </a:rPr>
-              <a:t>Brandon Lake | Pat Barrett | Phil Wickham | Steven Furtick</a:t>
-            </a:r>
-          </a:p>
-          <a:p>
-            <a:r>
-              <a:rPr lang="en-GB" sz="1200" dirty="0">
-                <a:solidFill>
-                  <a:schemeClr val="bg1"/>
-                </a:solidFill>
-              </a:rPr>
-              <a:t>© Brandon Lake Music; Phil Wickham Music; Simply Global Songs; Capitol CMG Genesis; Housefires Sounds; Music by Elevation Worship Publishing</a:t>
-            </a:r>
-          </a:p>
-          <a:p>
-            <a:r>
-              <a:rPr lang="en-GB" sz="1200" dirty="0">
-                <a:solidFill>
-                  <a:schemeClr val="bg1"/>
-                </a:solidFill>
-              </a:rPr>
-              <a:t>For use solely with the </a:t>
-            </a:r>
-            <a:r>
-              <a:rPr lang="en-GB" sz="1200" dirty="0" err="1">
-                <a:solidFill>
-                  <a:schemeClr val="bg1"/>
-                </a:solidFill>
-              </a:rPr>
-              <a:t>SongSelect</a:t>
-            </a:r>
-            <a:r>
-              <a:rPr lang="en-GB" sz="1200" dirty="0">
-                <a:solidFill>
-                  <a:schemeClr val="bg1"/>
-                </a:solidFill>
-              </a:rPr>
-              <a:t>® Terms of Use. All rights reserved. www.ccli.com</a:t>
-            </a:r>
-          </a:p>
-          <a:p>
-            <a:r>
-              <a:rPr lang="en-GB" sz="1200" dirty="0">
-                <a:solidFill>
-                  <a:schemeClr val="bg1"/>
-                </a:solidFill>
-              </a:rPr>
-              <a:t>CCLI Licence No. 33265</a:t>
-            </a:r>
-            <a:br>
-              <a:rPr lang="en-GB" sz="1200" dirty="0">
-                <a:solidFill>
-                  <a:schemeClr val="bg1"/>
-                </a:solidFill>
-              </a:rPr>
-            </a:br>
-            <a:endParaRPr lang="en-GB" sz="1200" dirty="0">
-              <a:solidFill>
-                <a:schemeClr val="bg1"/>
-              </a:solidFill>
-            </a:endParaRPr>
-          </a:p>
-        </p:txBody>
-      </p:sp>
-    </p:spTree>
-    <p:extLst>
-      <p:ext uri="{BB962C8B-B14F-4D97-AF65-F5344CB8AC3E}">
-        <p14:creationId xmlns:p14="http://schemas.microsoft.com/office/powerpoint/2010/main" val="16137570"/>
-      </p:ext>
-    </p:extLst>
-  </p:cSld>
-  <p:clrMapOvr>
-    <a:masterClrMapping/>
-  </p:clrMapOvr>
-</p:sld>
-</file>
-
-<file path=ppt/slides/slide16.xml><?xml version="1.0" encoding="utf-8"?>
-<p:sld xmlns:a="http://schemas.openxmlformats.org/drawingml/2006/main" xmlns:r="http://schemas.openxmlformats.org/officeDocument/2006/relationships" xmlns:p="http://schemas.openxmlformats.org/presentationml/2006/main">
-  <p:cSld>
-    <p:spTree>
-      <p:nvGrpSpPr>
-        <p:cNvPr id="1" name=""/>
-        <p:cNvGrpSpPr/>
-        <p:nvPr/>
-      </p:nvGrpSpPr>
-      <p:grpSpPr>
-        <a:xfrm>
-          <a:off x="0" y="0"/>
-          <a:ext cx="0" cy="0"/>
-          <a:chOff x="0" y="0"/>
-          <a:chExt cx="0" cy="0"/>
-        </a:xfrm>
-      </p:grpSpPr>
-      <p:sp>
-        <p:nvSpPr>
-          <p:cNvPr id="3" name="Subtitle 2"/>
-          <p:cNvSpPr>
-            <a:spLocks noGrp="1"/>
-          </p:cNvSpPr>
-          <p:nvPr>
-            <p:ph type="subTitle" idx="1"/>
-          </p:nvPr>
-        </p:nvSpPr>
-        <p:spPr>
-          <a:xfrm>
-            <a:off x="251520" y="764704"/>
-            <a:ext cx="8640960" cy="6480720"/>
-          </a:xfrm>
-        </p:spPr>
-        <p:txBody>
-          <a:bodyPr>
-            <a:noAutofit/>
-          </a:bodyPr>
-          <a:lstStyle/>
-          <a:p>
-            <a:r>
-              <a:rPr lang="en-GB" sz="4000" dirty="0">
-                <a:solidFill>
-                  <a:schemeClr val="bg1"/>
-                </a:solidFill>
-              </a:rPr>
-              <a:t>Remember those walls that we called sin and shame</a:t>
-            </a:r>
-          </a:p>
-          <a:p>
-            <a:r>
-              <a:rPr lang="en-GB" sz="4000" dirty="0">
-                <a:solidFill>
-                  <a:schemeClr val="bg1"/>
-                </a:solidFill>
-              </a:rPr>
-              <a:t>They were like prisons that we couldn’t escape</a:t>
-            </a:r>
-          </a:p>
-          <a:p>
-            <a:r>
-              <a:rPr lang="en-GB" sz="4000" dirty="0">
-                <a:solidFill>
-                  <a:schemeClr val="bg1"/>
-                </a:solidFill>
-              </a:rPr>
-              <a:t>But He came and He died and He rose</a:t>
-            </a:r>
-          </a:p>
-          <a:p>
-            <a:r>
-              <a:rPr lang="en-GB" sz="4000" dirty="0">
-                <a:solidFill>
-                  <a:schemeClr val="bg1"/>
-                </a:solidFill>
-              </a:rPr>
-              <a:t>Those walls are rubble now</a:t>
-            </a:r>
-          </a:p>
-        </p:txBody>
-      </p:sp>
-      <p:sp>
-        <p:nvSpPr>
-          <p:cNvPr id="4" name="TextBox 3"/>
-          <p:cNvSpPr txBox="1"/>
-          <p:nvPr/>
-        </p:nvSpPr>
-        <p:spPr>
-          <a:xfrm>
-            <a:off x="8316416" y="0"/>
-            <a:ext cx="628698" cy="461665"/>
-          </a:xfrm>
-          <a:prstGeom prst="rect">
-            <a:avLst/>
-          </a:prstGeom>
-          <a:noFill/>
-        </p:spPr>
-        <p:txBody>
-          <a:bodyPr wrap="none" rtlCol="0">
-            <a:spAutoFit/>
-          </a:bodyPr>
-          <a:lstStyle/>
-          <a:p>
-            <a:r>
-              <a:rPr lang="en-GB" sz="2400" b="1" dirty="0">
-                <a:solidFill>
-                  <a:schemeClr val="bg1"/>
-                </a:solidFill>
-              </a:rPr>
-              <a:t>1/9</a:t>
-            </a:r>
-          </a:p>
-        </p:txBody>
-      </p:sp>
-    </p:spTree>
-    <p:extLst>
-      <p:ext uri="{BB962C8B-B14F-4D97-AF65-F5344CB8AC3E}">
-        <p14:creationId xmlns:p14="http://schemas.microsoft.com/office/powerpoint/2010/main" val="3684826577"/>
-      </p:ext>
-    </p:extLst>
-  </p:cSld>
-  <p:clrMapOvr>
-    <a:masterClrMapping/>
-  </p:clrMapOvr>
-</p:sld>
-</file>
-
-<file path=ppt/slides/slide17.xml><?xml version="1.0" encoding="utf-8"?>
-<p:sld xmlns:a="http://schemas.openxmlformats.org/drawingml/2006/main" xmlns:r="http://schemas.openxmlformats.org/officeDocument/2006/relationships" xmlns:p="http://schemas.openxmlformats.org/presentationml/2006/main">
-  <p:cSld>
-    <p:spTree>
-      <p:nvGrpSpPr>
-        <p:cNvPr id="1" name=""/>
-        <p:cNvGrpSpPr/>
-        <p:nvPr/>
-      </p:nvGrpSpPr>
-      <p:grpSpPr>
-        <a:xfrm>
-          <a:off x="0" y="0"/>
-          <a:ext cx="0" cy="0"/>
-          <a:chOff x="0" y="0"/>
-          <a:chExt cx="0" cy="0"/>
-        </a:xfrm>
-      </p:grpSpPr>
-      <p:sp>
-        <p:nvSpPr>
-          <p:cNvPr id="3" name="Subtitle 2"/>
-          <p:cNvSpPr>
-            <a:spLocks noGrp="1"/>
-          </p:cNvSpPr>
-          <p:nvPr>
-            <p:ph type="subTitle" idx="1"/>
-          </p:nvPr>
-        </p:nvSpPr>
-        <p:spPr>
-          <a:xfrm>
-            <a:off x="251520" y="764704"/>
-            <a:ext cx="8640960" cy="6480720"/>
-          </a:xfrm>
-        </p:spPr>
-        <p:txBody>
-          <a:bodyPr>
-            <a:noAutofit/>
-          </a:bodyPr>
-          <a:lstStyle/>
-          <a:p>
-            <a:r>
-              <a:rPr lang="en-GB" sz="4000" dirty="0">
-                <a:solidFill>
-                  <a:schemeClr val="bg1"/>
-                </a:solidFill>
-              </a:rPr>
-              <a:t>Remember those giants we called death and grave</a:t>
-            </a:r>
-          </a:p>
-          <a:p>
-            <a:r>
-              <a:rPr lang="en-GB" sz="4000" dirty="0">
-                <a:solidFill>
-                  <a:schemeClr val="bg1"/>
-                </a:solidFill>
-              </a:rPr>
-              <a:t>They were like mountains that stood in our way</a:t>
-            </a:r>
-          </a:p>
-          <a:p>
-            <a:r>
-              <a:rPr lang="en-GB" sz="4000" dirty="0">
-                <a:solidFill>
-                  <a:schemeClr val="bg1"/>
-                </a:solidFill>
-              </a:rPr>
-              <a:t>But He came and He died and He rose</a:t>
-            </a:r>
-          </a:p>
-          <a:p>
-            <a:r>
-              <a:rPr lang="en-GB" sz="4000" dirty="0">
-                <a:solidFill>
-                  <a:schemeClr val="bg1"/>
-                </a:solidFill>
-              </a:rPr>
-              <a:t>Those giants are dead now</a:t>
-            </a:r>
-          </a:p>
-        </p:txBody>
-      </p:sp>
-      <p:sp>
-        <p:nvSpPr>
-          <p:cNvPr id="4" name="TextBox 3"/>
-          <p:cNvSpPr txBox="1"/>
-          <p:nvPr/>
-        </p:nvSpPr>
-        <p:spPr>
-          <a:xfrm>
-            <a:off x="8316416" y="0"/>
-            <a:ext cx="628698" cy="461665"/>
-          </a:xfrm>
-          <a:prstGeom prst="rect">
-            <a:avLst/>
-          </a:prstGeom>
-          <a:noFill/>
-        </p:spPr>
-        <p:txBody>
-          <a:bodyPr wrap="none" rtlCol="0">
-            <a:spAutoFit/>
-          </a:bodyPr>
-          <a:lstStyle/>
-          <a:p>
-            <a:r>
-              <a:rPr lang="en-GB" sz="2400" b="1" dirty="0">
-                <a:solidFill>
-                  <a:schemeClr val="bg1"/>
-                </a:solidFill>
-              </a:rPr>
-              <a:t>2/9</a:t>
-            </a:r>
-          </a:p>
-        </p:txBody>
-      </p:sp>
-    </p:spTree>
-    <p:extLst>
-      <p:ext uri="{BB962C8B-B14F-4D97-AF65-F5344CB8AC3E}">
-        <p14:creationId xmlns:p14="http://schemas.microsoft.com/office/powerpoint/2010/main" val="2046220512"/>
-      </p:ext>
-    </p:extLst>
-  </p:cSld>
-  <p:clrMapOvr>
-    <a:masterClrMapping/>
-  </p:clrMapOvr>
-</p:sld>
-</file>
-
-<file path=ppt/slides/slide18.xml><?xml version="1.0" encoding="utf-8"?>
-<p:sld xmlns:a="http://schemas.openxmlformats.org/drawingml/2006/main" xmlns:r="http://schemas.openxmlformats.org/officeDocument/2006/relationships" xmlns:p="http://schemas.openxmlformats.org/presentationml/2006/main">
-  <p:cSld>
-    <p:spTree>
-      <p:nvGrpSpPr>
-        <p:cNvPr id="1" name=""/>
-        <p:cNvGrpSpPr/>
-        <p:nvPr/>
-      </p:nvGrpSpPr>
-      <p:grpSpPr>
-        <a:xfrm>
-          <a:off x="0" y="0"/>
-          <a:ext cx="0" cy="0"/>
-          <a:chOff x="0" y="0"/>
-          <a:chExt cx="0" cy="0"/>
-        </a:xfrm>
-      </p:grpSpPr>
-      <p:sp>
-        <p:nvSpPr>
-          <p:cNvPr id="3" name="Subtitle 2"/>
-          <p:cNvSpPr>
-            <a:spLocks noGrp="1"/>
-          </p:cNvSpPr>
-          <p:nvPr>
-            <p:ph type="subTitle" idx="1"/>
-          </p:nvPr>
-        </p:nvSpPr>
-        <p:spPr>
-          <a:xfrm>
-            <a:off x="251520" y="764704"/>
-            <a:ext cx="8640960" cy="6480720"/>
-          </a:xfrm>
-        </p:spPr>
-        <p:txBody>
-          <a:bodyPr>
-            <a:noAutofit/>
-          </a:bodyPr>
-          <a:lstStyle/>
-          <a:p>
-            <a:r>
-              <a:rPr lang="en-GB" sz="4000" dirty="0">
-                <a:solidFill>
-                  <a:schemeClr val="bg1"/>
-                </a:solidFill>
-              </a:rPr>
-              <a:t>This is our God this is who He is</a:t>
-            </a:r>
-          </a:p>
-          <a:p>
-            <a:r>
-              <a:rPr lang="en-GB" sz="4000" dirty="0">
-                <a:solidFill>
-                  <a:schemeClr val="bg1"/>
-                </a:solidFill>
-              </a:rPr>
-              <a:t>He loves us</a:t>
-            </a:r>
-          </a:p>
-          <a:p>
-            <a:r>
-              <a:rPr lang="en-GB" sz="4000" dirty="0">
-                <a:solidFill>
-                  <a:schemeClr val="bg1"/>
-                </a:solidFill>
-              </a:rPr>
-              <a:t>This is our God this is what He does</a:t>
-            </a:r>
-          </a:p>
-          <a:p>
-            <a:r>
-              <a:rPr lang="en-GB" sz="4000" dirty="0">
-                <a:solidFill>
-                  <a:schemeClr val="bg1"/>
-                </a:solidFill>
-              </a:rPr>
-              <a:t>He saves us</a:t>
-            </a:r>
-          </a:p>
-          <a:p>
-            <a:r>
-              <a:rPr lang="en-GB" sz="4000" dirty="0">
-                <a:solidFill>
-                  <a:schemeClr val="bg1"/>
-                </a:solidFill>
-              </a:rPr>
-              <a:t>He bore the cross beat the grave</a:t>
-            </a:r>
-          </a:p>
-          <a:p>
-            <a:r>
-              <a:rPr lang="en-GB" sz="4000" dirty="0">
-                <a:solidFill>
-                  <a:schemeClr val="bg1"/>
-                </a:solidFill>
-              </a:rPr>
-              <a:t>Let heaven and earth proclaim</a:t>
-            </a:r>
-          </a:p>
-          <a:p>
-            <a:r>
-              <a:rPr lang="en-GB" sz="4000" dirty="0">
-                <a:solidFill>
-                  <a:schemeClr val="bg1"/>
-                </a:solidFill>
-              </a:rPr>
-              <a:t>This is our God King Jesus</a:t>
-            </a:r>
-          </a:p>
-        </p:txBody>
-      </p:sp>
-      <p:sp>
-        <p:nvSpPr>
-          <p:cNvPr id="4" name="TextBox 3"/>
-          <p:cNvSpPr txBox="1"/>
-          <p:nvPr/>
-        </p:nvSpPr>
-        <p:spPr>
-          <a:xfrm>
-            <a:off x="8316416" y="0"/>
-            <a:ext cx="628698" cy="461665"/>
-          </a:xfrm>
-          <a:prstGeom prst="rect">
-            <a:avLst/>
-          </a:prstGeom>
-          <a:noFill/>
-        </p:spPr>
-        <p:txBody>
-          <a:bodyPr wrap="none" rtlCol="0">
-            <a:spAutoFit/>
-          </a:bodyPr>
-          <a:lstStyle/>
-          <a:p>
-            <a:r>
-              <a:rPr lang="en-GB" sz="2400" b="1" dirty="0">
-                <a:solidFill>
-                  <a:schemeClr val="bg1"/>
-                </a:solidFill>
-              </a:rPr>
-              <a:t>3/9</a:t>
-            </a:r>
-          </a:p>
-        </p:txBody>
-      </p:sp>
-    </p:spTree>
-    <p:extLst>
-      <p:ext uri="{BB962C8B-B14F-4D97-AF65-F5344CB8AC3E}">
-        <p14:creationId xmlns:p14="http://schemas.microsoft.com/office/powerpoint/2010/main" val="2785631929"/>
-      </p:ext>
-    </p:extLst>
-  </p:cSld>
-  <p:clrMapOvr>
-    <a:masterClrMapping/>
-  </p:clrMapOvr>
-</p:sld>
-</file>
-
-<file path=ppt/slides/slide19.xml><?xml version="1.0" encoding="utf-8"?>
-<p:sld xmlns:a="http://schemas.openxmlformats.org/drawingml/2006/main" xmlns:r="http://schemas.openxmlformats.org/officeDocument/2006/relationships" xmlns:p="http://schemas.openxmlformats.org/presentationml/2006/main">
-  <p:cSld>
-    <p:spTree>
-      <p:nvGrpSpPr>
-        <p:cNvPr id="1" name=""/>
-        <p:cNvGrpSpPr/>
-        <p:nvPr/>
-      </p:nvGrpSpPr>
-      <p:grpSpPr>
-        <a:xfrm>
-          <a:off x="0" y="0"/>
-          <a:ext cx="0" cy="0"/>
-          <a:chOff x="0" y="0"/>
-          <a:chExt cx="0" cy="0"/>
-        </a:xfrm>
-      </p:grpSpPr>
-      <p:sp>
-        <p:nvSpPr>
-          <p:cNvPr id="3" name="Subtitle 2"/>
-          <p:cNvSpPr>
-            <a:spLocks noGrp="1"/>
-          </p:cNvSpPr>
-          <p:nvPr>
-            <p:ph type="subTitle" idx="1"/>
-          </p:nvPr>
-        </p:nvSpPr>
-        <p:spPr>
-          <a:xfrm>
-            <a:off x="251520" y="764704"/>
-            <a:ext cx="8640960" cy="6480720"/>
-          </a:xfrm>
-        </p:spPr>
-        <p:txBody>
-          <a:bodyPr>
-            <a:noAutofit/>
-          </a:bodyPr>
-          <a:lstStyle/>
-          <a:p>
-            <a:r>
-              <a:rPr lang="en-GB" sz="4000" dirty="0">
-                <a:solidFill>
-                  <a:schemeClr val="bg1"/>
-                </a:solidFill>
-              </a:rPr>
-              <a:t>Remember that fear that took our breath away</a:t>
-            </a:r>
-          </a:p>
-          <a:p>
-            <a:r>
-              <a:rPr lang="en-GB" sz="4000" dirty="0">
-                <a:solidFill>
-                  <a:schemeClr val="bg1"/>
-                </a:solidFill>
-              </a:rPr>
-              <a:t>Faith so weak that we could barely pray</a:t>
-            </a:r>
-          </a:p>
-          <a:p>
-            <a:r>
-              <a:rPr lang="en-GB" sz="4000" dirty="0">
-                <a:solidFill>
-                  <a:schemeClr val="bg1"/>
-                </a:solidFill>
-              </a:rPr>
-              <a:t>But He heard every word every whisper</a:t>
-            </a:r>
-          </a:p>
-          <a:p>
-            <a:r>
-              <a:rPr lang="en-GB" sz="4000" dirty="0">
-                <a:solidFill>
-                  <a:schemeClr val="bg1"/>
-                </a:solidFill>
-              </a:rPr>
-              <a:t>Now those altars in the wilderness</a:t>
-            </a:r>
-          </a:p>
-          <a:p>
-            <a:r>
-              <a:rPr lang="en-GB" sz="4000" dirty="0">
-                <a:solidFill>
-                  <a:schemeClr val="bg1"/>
-                </a:solidFill>
-              </a:rPr>
-              <a:t>Tell the story of His faithfulness</a:t>
-            </a:r>
-          </a:p>
-          <a:p>
-            <a:r>
-              <a:rPr lang="en-GB" sz="4000" dirty="0">
-                <a:solidFill>
-                  <a:schemeClr val="bg1"/>
-                </a:solidFill>
-              </a:rPr>
-              <a:t>Never once did He fail and He never will</a:t>
-            </a:r>
-          </a:p>
-        </p:txBody>
-      </p:sp>
-      <p:sp>
-        <p:nvSpPr>
-          <p:cNvPr id="4" name="TextBox 3"/>
-          <p:cNvSpPr txBox="1"/>
-          <p:nvPr/>
-        </p:nvSpPr>
-        <p:spPr>
-          <a:xfrm>
-            <a:off x="8316416" y="0"/>
-            <a:ext cx="628698" cy="461665"/>
-          </a:xfrm>
-          <a:prstGeom prst="rect">
-            <a:avLst/>
-          </a:prstGeom>
-          <a:noFill/>
-        </p:spPr>
-        <p:txBody>
-          <a:bodyPr wrap="none" rtlCol="0">
-            <a:spAutoFit/>
-          </a:bodyPr>
-          <a:lstStyle/>
-          <a:p>
-            <a:r>
-              <a:rPr lang="en-GB" sz="2400" b="1" dirty="0">
-                <a:solidFill>
-                  <a:schemeClr val="bg1"/>
-                </a:solidFill>
-              </a:rPr>
-              <a:t>4/9</a:t>
-            </a:r>
-          </a:p>
-        </p:txBody>
-      </p:sp>
-    </p:spTree>
-    <p:extLst>
-      <p:ext uri="{BB962C8B-B14F-4D97-AF65-F5344CB8AC3E}">
-        <p14:creationId xmlns:p14="http://schemas.microsoft.com/office/powerpoint/2010/main" val="3729947511"/>
-      </p:ext>
-    </p:extLst>
-  </p:cSld>
-  <p:clrMapOvr>
-    <a:masterClrMapping/>
-  </p:clrMapOvr>
-</p:sld>
-</file>
-
-<file path=ppt/slides/slide2.xml><?xml version="1.0" encoding="utf-8"?>
-<p:sld xmlns:a="http://schemas.openxmlformats.org/drawingml/2006/main" xmlns:r="http://schemas.openxmlformats.org/officeDocument/2006/relationships" xmlns:p="http://schemas.openxmlformats.org/presentationml/2006/main">
-  <p:cSld>
-    <p:spTree>
-      <p:nvGrpSpPr>
-        <p:cNvPr id="1" name=""/>
-        <p:cNvGrpSpPr/>
-        <p:nvPr/>
-      </p:nvGrpSpPr>
-      <p:grpSpPr>
-        <a:xfrm>
-          <a:off x="0" y="0"/>
-          <a:ext cx="0" cy="0"/>
-          <a:chOff x="0" y="0"/>
-          <a:chExt cx="0" cy="0"/>
-        </a:xfrm>
-      </p:grpSpPr>
-      <p:sp>
-        <p:nvSpPr>
-          <p:cNvPr id="3" name="Subtitle 2"/>
-          <p:cNvSpPr>
-            <a:spLocks noGrp="1"/>
-          </p:cNvSpPr>
-          <p:nvPr>
-            <p:ph type="subTitle" idx="1"/>
-          </p:nvPr>
-        </p:nvSpPr>
-        <p:spPr>
-          <a:xfrm>
-            <a:off x="323528" y="188640"/>
-            <a:ext cx="8640960" cy="6480720"/>
-          </a:xfrm>
-        </p:spPr>
-        <p:txBody>
-          <a:bodyPr>
-            <a:noAutofit/>
-          </a:bodyPr>
-          <a:lstStyle/>
-          <a:p>
-            <a:endParaRPr lang="en-GB" sz="5400" dirty="0">
-              <a:solidFill>
-                <a:schemeClr val="bg1"/>
-              </a:solidFill>
-            </a:endParaRPr>
-          </a:p>
-          <a:p>
-            <a:r>
-              <a:rPr lang="en-GB" sz="6600" b="0" i="0" dirty="0">
-                <a:solidFill>
-                  <a:srgbClr val="00A3E0"/>
-                </a:solidFill>
-                <a:effectLst/>
-                <a:latin typeface="akagi_probook"/>
-              </a:rPr>
-              <a:t>Everlasting God</a:t>
-            </a:r>
-          </a:p>
-          <a:p>
-            <a:r>
-              <a:rPr lang="en-GB" sz="1200" dirty="0">
-                <a:solidFill>
-                  <a:schemeClr val="bg1"/>
-                </a:solidFill>
-              </a:rPr>
-              <a:t>CCLI Song # 4556538</a:t>
-            </a:r>
-          </a:p>
-          <a:p>
-            <a:endParaRPr lang="en-GB" sz="1200" dirty="0">
-              <a:solidFill>
-                <a:schemeClr val="bg1"/>
-              </a:solidFill>
-            </a:endParaRPr>
-          </a:p>
-          <a:p>
-            <a:r>
-              <a:rPr lang="en-GB" sz="1200" dirty="0">
-                <a:solidFill>
-                  <a:schemeClr val="bg1"/>
-                </a:solidFill>
-              </a:rPr>
-              <a:t>Brenton Brown | Ken Riley</a:t>
-            </a:r>
-          </a:p>
-          <a:p>
-            <a:endParaRPr lang="en-GB" sz="1200" dirty="0">
-              <a:solidFill>
-                <a:schemeClr val="bg1"/>
-              </a:solidFill>
-            </a:endParaRPr>
-          </a:p>
-          <a:p>
-            <a:r>
-              <a:rPr lang="en-GB" sz="1200" dirty="0">
-                <a:solidFill>
-                  <a:schemeClr val="bg1"/>
-                </a:solidFill>
-              </a:rPr>
-              <a:t>© 2005 Thankyou Music (Admin. by Integrity Music Ltd)</a:t>
-            </a:r>
-          </a:p>
-          <a:p>
-            <a:r>
-              <a:rPr lang="en-GB" sz="1200" dirty="0">
-                <a:solidFill>
-                  <a:schemeClr val="bg1"/>
-                </a:solidFill>
-              </a:rPr>
-              <a:t>For use solely with the </a:t>
-            </a:r>
-            <a:r>
-              <a:rPr lang="en-GB" sz="1200" dirty="0" err="1">
-                <a:solidFill>
-                  <a:schemeClr val="bg1"/>
-                </a:solidFill>
-              </a:rPr>
-              <a:t>SongSelect</a:t>
-            </a:r>
-            <a:r>
-              <a:rPr lang="en-GB" sz="1200" dirty="0">
-                <a:solidFill>
-                  <a:schemeClr val="bg1"/>
-                </a:solidFill>
-              </a:rPr>
-              <a:t>® Terms of Use. All rights reserved. www.ccli.com</a:t>
-            </a:r>
-          </a:p>
-          <a:p>
-            <a:endParaRPr lang="en-GB" sz="1200" dirty="0">
-              <a:solidFill>
-                <a:schemeClr val="bg1"/>
-              </a:solidFill>
-            </a:endParaRPr>
-          </a:p>
-          <a:p>
-            <a:r>
-              <a:rPr lang="en-GB" sz="1200" dirty="0">
-                <a:solidFill>
-                  <a:schemeClr val="bg1"/>
-                </a:solidFill>
-              </a:rPr>
-              <a:t>CCLI Licence No. 33265</a:t>
-            </a:r>
-          </a:p>
-        </p:txBody>
-      </p:sp>
-    </p:spTree>
-    <p:extLst>
-      <p:ext uri="{BB962C8B-B14F-4D97-AF65-F5344CB8AC3E}">
-        <p14:creationId xmlns:p14="http://schemas.microsoft.com/office/powerpoint/2010/main" val="2913287271"/>
-      </p:ext>
-    </p:extLst>
-  </p:cSld>
-  <p:clrMapOvr>
-    <a:masterClrMapping/>
-  </p:clrMapOvr>
-</p:sld>
-</file>
-
-<file path=ppt/slides/slide20.xml><?xml version="1.0" encoding="utf-8"?>
-<p:sld xmlns:a="http://schemas.openxmlformats.org/drawingml/2006/main" xmlns:r="http://schemas.openxmlformats.org/officeDocument/2006/relationships" xmlns:p="http://schemas.openxmlformats.org/presentationml/2006/main">
-  <p:cSld>
-    <p:spTree>
-      <p:nvGrpSpPr>
-        <p:cNvPr id="1" name=""/>
-        <p:cNvGrpSpPr/>
-        <p:nvPr/>
-      </p:nvGrpSpPr>
-      <p:grpSpPr>
-        <a:xfrm>
-          <a:off x="0" y="0"/>
-          <a:ext cx="0" cy="0"/>
-          <a:chOff x="0" y="0"/>
-          <a:chExt cx="0" cy="0"/>
-        </a:xfrm>
-      </p:grpSpPr>
-      <p:sp>
-        <p:nvSpPr>
-          <p:cNvPr id="3" name="Subtitle 2"/>
-          <p:cNvSpPr>
-            <a:spLocks noGrp="1"/>
-          </p:cNvSpPr>
-          <p:nvPr>
-            <p:ph type="subTitle" idx="1"/>
-          </p:nvPr>
-        </p:nvSpPr>
-        <p:spPr>
-          <a:xfrm>
-            <a:off x="251520" y="764704"/>
-            <a:ext cx="8640960" cy="6480720"/>
-          </a:xfrm>
-        </p:spPr>
-        <p:txBody>
-          <a:bodyPr>
-            <a:noAutofit/>
-          </a:bodyPr>
-          <a:lstStyle/>
-          <a:p>
-            <a:r>
-              <a:rPr lang="en-GB" sz="4000" dirty="0">
-                <a:solidFill>
-                  <a:schemeClr val="bg1"/>
-                </a:solidFill>
-              </a:rPr>
-              <a:t>This is our God this is who He is</a:t>
-            </a:r>
-          </a:p>
-          <a:p>
-            <a:r>
-              <a:rPr lang="en-GB" sz="4000" dirty="0">
-                <a:solidFill>
-                  <a:schemeClr val="bg1"/>
-                </a:solidFill>
-              </a:rPr>
-              <a:t>He loves us</a:t>
-            </a:r>
-          </a:p>
-          <a:p>
-            <a:r>
-              <a:rPr lang="en-GB" sz="4000" dirty="0">
-                <a:solidFill>
-                  <a:schemeClr val="bg1"/>
-                </a:solidFill>
-              </a:rPr>
-              <a:t>This is our God this is what He does</a:t>
-            </a:r>
-          </a:p>
-          <a:p>
-            <a:r>
-              <a:rPr lang="en-GB" sz="4000" dirty="0">
-                <a:solidFill>
-                  <a:schemeClr val="bg1"/>
-                </a:solidFill>
-              </a:rPr>
-              <a:t>He saves us</a:t>
-            </a:r>
-          </a:p>
-          <a:p>
-            <a:r>
-              <a:rPr lang="en-GB" sz="4000" dirty="0">
-                <a:solidFill>
-                  <a:schemeClr val="bg1"/>
-                </a:solidFill>
-              </a:rPr>
-              <a:t>He bore the cross beat the grave</a:t>
-            </a:r>
-          </a:p>
-          <a:p>
-            <a:r>
-              <a:rPr lang="en-GB" sz="4000" dirty="0">
-                <a:solidFill>
-                  <a:schemeClr val="bg1"/>
-                </a:solidFill>
-              </a:rPr>
-              <a:t>Let heaven and earth proclaim</a:t>
-            </a:r>
-          </a:p>
-          <a:p>
-            <a:r>
-              <a:rPr lang="en-GB" sz="4000" dirty="0">
-                <a:solidFill>
-                  <a:schemeClr val="bg1"/>
-                </a:solidFill>
-              </a:rPr>
-              <a:t>This is our God King Jesus</a:t>
-            </a:r>
-          </a:p>
-        </p:txBody>
-      </p:sp>
-      <p:sp>
-        <p:nvSpPr>
-          <p:cNvPr id="4" name="TextBox 3"/>
-          <p:cNvSpPr txBox="1"/>
-          <p:nvPr/>
-        </p:nvSpPr>
-        <p:spPr>
-          <a:xfrm>
-            <a:off x="8316416" y="0"/>
-            <a:ext cx="628698" cy="461665"/>
-          </a:xfrm>
-          <a:prstGeom prst="rect">
-            <a:avLst/>
-          </a:prstGeom>
-          <a:noFill/>
-        </p:spPr>
-        <p:txBody>
-          <a:bodyPr wrap="none" rtlCol="0">
-            <a:spAutoFit/>
-          </a:bodyPr>
-          <a:lstStyle/>
-          <a:p>
-            <a:r>
-              <a:rPr lang="en-GB" sz="2400" b="1" dirty="0">
-                <a:solidFill>
-                  <a:schemeClr val="bg1"/>
-                </a:solidFill>
-              </a:rPr>
-              <a:t>5/9</a:t>
-            </a:r>
-          </a:p>
-        </p:txBody>
-      </p:sp>
-    </p:spTree>
-    <p:extLst>
-      <p:ext uri="{BB962C8B-B14F-4D97-AF65-F5344CB8AC3E}">
-        <p14:creationId xmlns:p14="http://schemas.microsoft.com/office/powerpoint/2010/main" val="1807002910"/>
-      </p:ext>
-    </p:extLst>
-  </p:cSld>
-  <p:clrMapOvr>
-    <a:masterClrMapping/>
-  </p:clrMapOvr>
-</p:sld>
-</file>
-
-<file path=ppt/slides/slide21.xml><?xml version="1.0" encoding="utf-8"?>
-<p:sld xmlns:a="http://schemas.openxmlformats.org/drawingml/2006/main" xmlns:r="http://schemas.openxmlformats.org/officeDocument/2006/relationships" xmlns:p="http://schemas.openxmlformats.org/presentationml/2006/main">
-  <p:cSld>
-    <p:spTree>
-      <p:nvGrpSpPr>
-        <p:cNvPr id="1" name=""/>
-        <p:cNvGrpSpPr/>
-        <p:nvPr/>
-      </p:nvGrpSpPr>
-      <p:grpSpPr>
-        <a:xfrm>
-          <a:off x="0" y="0"/>
-          <a:ext cx="0" cy="0"/>
-          <a:chOff x="0" y="0"/>
-          <a:chExt cx="0" cy="0"/>
-        </a:xfrm>
-      </p:grpSpPr>
-      <p:sp>
-        <p:nvSpPr>
-          <p:cNvPr id="3" name="Subtitle 2"/>
-          <p:cNvSpPr>
-            <a:spLocks noGrp="1"/>
-          </p:cNvSpPr>
-          <p:nvPr>
-            <p:ph type="subTitle" idx="1"/>
-          </p:nvPr>
-        </p:nvSpPr>
-        <p:spPr>
-          <a:xfrm>
-            <a:off x="251520" y="764704"/>
-            <a:ext cx="8640960" cy="6480720"/>
-          </a:xfrm>
-        </p:spPr>
-        <p:txBody>
-          <a:bodyPr>
-            <a:noAutofit/>
-          </a:bodyPr>
-          <a:lstStyle/>
-          <a:p>
-            <a:r>
-              <a:rPr lang="en-GB" sz="4000" dirty="0">
-                <a:solidFill>
-                  <a:schemeClr val="bg1"/>
-                </a:solidFill>
-              </a:rPr>
-              <a:t>Who pulled me out of that pit</a:t>
-            </a:r>
-          </a:p>
-          <a:p>
-            <a:r>
-              <a:rPr lang="en-GB" sz="4000" dirty="0">
-                <a:solidFill>
-                  <a:schemeClr val="bg1"/>
-                </a:solidFill>
-              </a:rPr>
-              <a:t>He did He did</a:t>
-            </a:r>
-          </a:p>
-          <a:p>
-            <a:r>
-              <a:rPr lang="en-GB" sz="4000" dirty="0">
-                <a:solidFill>
-                  <a:schemeClr val="bg1"/>
-                </a:solidFill>
-              </a:rPr>
-              <a:t>Who paid for all of our sin</a:t>
-            </a:r>
-          </a:p>
-          <a:p>
-            <a:r>
-              <a:rPr lang="en-GB" sz="4000" dirty="0">
-                <a:solidFill>
-                  <a:schemeClr val="bg1"/>
-                </a:solidFill>
-              </a:rPr>
-              <a:t>Nobody but Jesus</a:t>
-            </a:r>
-          </a:p>
-        </p:txBody>
-      </p:sp>
-      <p:sp>
-        <p:nvSpPr>
-          <p:cNvPr id="4" name="TextBox 3"/>
-          <p:cNvSpPr txBox="1"/>
-          <p:nvPr/>
-        </p:nvSpPr>
-        <p:spPr>
-          <a:xfrm>
-            <a:off x="8316416" y="0"/>
-            <a:ext cx="628698" cy="461665"/>
-          </a:xfrm>
-          <a:prstGeom prst="rect">
-            <a:avLst/>
-          </a:prstGeom>
-          <a:noFill/>
-        </p:spPr>
-        <p:txBody>
-          <a:bodyPr wrap="none" rtlCol="0">
-            <a:spAutoFit/>
-          </a:bodyPr>
-          <a:lstStyle/>
-          <a:p>
-            <a:r>
-              <a:rPr lang="en-GB" sz="2400" b="1" dirty="0">
-                <a:solidFill>
-                  <a:schemeClr val="bg1"/>
-                </a:solidFill>
-              </a:rPr>
-              <a:t>6/9</a:t>
-            </a:r>
-          </a:p>
-        </p:txBody>
-      </p:sp>
-    </p:spTree>
-    <p:extLst>
-      <p:ext uri="{BB962C8B-B14F-4D97-AF65-F5344CB8AC3E}">
-        <p14:creationId xmlns:p14="http://schemas.microsoft.com/office/powerpoint/2010/main" val="3380602350"/>
-      </p:ext>
-    </p:extLst>
-  </p:cSld>
-  <p:clrMapOvr>
-    <a:masterClrMapping/>
-  </p:clrMapOvr>
-</p:sld>
-</file>
-
 <file path=ppt/slides/slide22.xml><?xml version="1.0" encoding="utf-8"?>
 <p:sld xmlns:a="http://schemas.openxmlformats.org/drawingml/2006/main" xmlns:r="http://schemas.openxmlformats.org/officeDocument/2006/relationships" xmlns:p="http://schemas.openxmlformats.org/presentationml/2006/main">
   <p:cSld>
@@ -6087,7 +6184,7 @@
         </p:nvSpPr>
         <p:spPr>
           <a:xfrm>
-            <a:off x="251520" y="764704"/>
+            <a:off x="323528" y="188640"/>
             <a:ext cx="8640960" cy="6480720"/>
           </a:xfrm>
         </p:spPr>
@@ -6097,33 +6194,7 @@
           </a:bodyPr>
           <a:lstStyle/>
           <a:p>
-            <a:r>
-              <a:rPr lang="en-GB" sz="4000" dirty="0">
-                <a:solidFill>
-                  <a:schemeClr val="bg1"/>
-                </a:solidFill>
-              </a:rPr>
-              <a:t>Who rescued me from that grave</a:t>
-            </a:r>
-          </a:p>
-          <a:p>
-            <a:r>
-              <a:rPr lang="en-GB" sz="4000" dirty="0">
-                <a:solidFill>
-                  <a:schemeClr val="bg1"/>
-                </a:solidFill>
-              </a:rPr>
-              <a:t>Yahweh </a:t>
-            </a:r>
-            <a:r>
-              <a:rPr lang="en-GB" sz="4000" dirty="0" err="1">
-                <a:solidFill>
-                  <a:schemeClr val="bg1"/>
-                </a:solidFill>
-              </a:rPr>
-              <a:t>Yahweh</a:t>
-            </a:r>
-            <a:endParaRPr lang="en-GB" sz="4000" dirty="0">
+            <a:endParaRPr lang="en-GB" sz="5400" dirty="0">
               <a:solidFill>
                 <a:schemeClr val="bg1"/>
               </a:solidFill>
@@ -6131,63 +6202,107 @@
           </a:p>
           <a:p>
             <a:r>
-              <a:rPr lang="en-GB" sz="4000" dirty="0">
-                <a:solidFill>
-                  <a:schemeClr val="bg1"/>
-                </a:solidFill>
-              </a:rPr>
-              <a:t>Who gets the glory and praise</a:t>
-            </a:r>
-          </a:p>
-          <a:p>
-            <a:r>
-              <a:rPr lang="en-GB" sz="4000" dirty="0">
-                <a:solidFill>
-                  <a:schemeClr val="bg1"/>
-                </a:solidFill>
-              </a:rPr>
-              <a:t>Nobody but Jesus (Him)</a:t>
-            </a:r>
-          </a:p>
-        </p:txBody>
-      </p:sp>
-      <p:sp>
-        <p:nvSpPr>
-          <p:cNvPr id="4" name="TextBox 3"/>
-          <p:cNvSpPr txBox="1"/>
-          <p:nvPr/>
-        </p:nvSpPr>
-        <p:spPr>
-          <a:xfrm>
-            <a:off x="8316416" y="0"/>
-            <a:ext cx="628698" cy="461665"/>
-          </a:xfrm>
-          <a:prstGeom prst="rect">
-            <a:avLst/>
-          </a:prstGeom>
-          <a:noFill/>
-        </p:spPr>
-        <p:txBody>
-          <a:bodyPr wrap="none" rtlCol="0">
-            <a:spAutoFit/>
-          </a:bodyPr>
-          <a:lstStyle/>
-          <a:p>
-            <a:r>
-              <a:rPr lang="en-GB" sz="2400" b="1" dirty="0">
-                <a:solidFill>
-                  <a:schemeClr val="bg1"/>
-                </a:solidFill>
-              </a:rPr>
-              <a:t>7/9</a:t>
-            </a:r>
+              <a:rPr lang="en-GB" sz="4400" b="0" i="0" dirty="0">
+                <a:solidFill>
+                  <a:srgbClr val="00A3E0"/>
+                </a:solidFill>
+                <a:effectLst/>
+                <a:latin typeface="akagi_probook"/>
+              </a:rPr>
+              <a:t>This is Our God</a:t>
+            </a:r>
+          </a:p>
+          <a:p>
+            <a:br>
+              <a:rPr lang="en-GB" sz="1200" dirty="0">
+                <a:solidFill>
+                  <a:schemeClr val="bg1"/>
+                </a:solidFill>
+              </a:rPr>
+            </a:br>
+            <a:r>
+              <a:rPr lang="en-GB" sz="1200" dirty="0">
+                <a:solidFill>
+                  <a:schemeClr val="bg1"/>
+                </a:solidFill>
+              </a:rPr>
+              <a:t>CCLI Song # 7211413</a:t>
+            </a:r>
+          </a:p>
+          <a:p>
+            <a:r>
+              <a:rPr lang="en-GB" sz="1200" dirty="0">
+                <a:solidFill>
+                  <a:schemeClr val="bg1"/>
+                </a:solidFill>
+              </a:rPr>
+              <a:t>Brandon Lake | Pat Barrett | Phil Wickham | Steven Furtick</a:t>
+            </a:r>
+          </a:p>
+          <a:p>
+            <a:r>
+              <a:rPr lang="en-GB" sz="1200" dirty="0">
+                <a:solidFill>
+                  <a:schemeClr val="bg1"/>
+                </a:solidFill>
+              </a:rPr>
+              <a:t>© Brandon Lake Music; Phil Wickham Music; Simply Global Songs; Capitol CMG Genesis; Housefires Sounds; Music by Elevation Worship Publishing</a:t>
+            </a:r>
+          </a:p>
+          <a:p>
+            <a:r>
+              <a:rPr lang="en-GB" sz="1200" dirty="0">
+                <a:solidFill>
+                  <a:schemeClr val="bg1"/>
+                </a:solidFill>
+              </a:rPr>
+              <a:t>For use solely with the </a:t>
+            </a:r>
+            <a:r>
+              <a:rPr lang="en-GB" sz="1200" dirty="0" err="1">
+                <a:solidFill>
+                  <a:schemeClr val="bg1"/>
+                </a:solidFill>
+              </a:rPr>
+              <a:t>SongSelect</a:t>
+            </a:r>
+            <a:r>
+              <a:rPr lang="en-GB" sz="1200" dirty="0">
+                <a:solidFill>
+                  <a:schemeClr val="bg1"/>
+                </a:solidFill>
+              </a:rPr>
+              <a:t>® Terms of Use. All rights reserved. www.ccli.com</a:t>
+            </a:r>
+          </a:p>
+          <a:p>
+            <a:r>
+              <a:rPr lang="en-GB" sz="1200" dirty="0">
+                <a:solidFill>
+                  <a:schemeClr val="bg1"/>
+                </a:solidFill>
+              </a:rPr>
+              <a:t>CCLI Licence No. 33265</a:t>
+            </a:r>
+            <a:br>
+              <a:rPr lang="en-GB" sz="1200" dirty="0">
+                <a:solidFill>
+                  <a:schemeClr val="bg1"/>
+                </a:solidFill>
+              </a:rPr>
+            </a:br>
+            <a:endParaRPr lang="en-GB" sz="1200" dirty="0">
+              <a:solidFill>
+                <a:schemeClr val="bg1"/>
+              </a:solidFill>
+            </a:endParaRPr>
           </a:p>
         </p:txBody>
       </p:sp>
     </p:spTree>
     <p:extLst>
       <p:ext uri="{BB962C8B-B14F-4D97-AF65-F5344CB8AC3E}">
-        <p14:creationId xmlns:p14="http://schemas.microsoft.com/office/powerpoint/2010/main" val="2147548330"/>
+        <p14:creationId xmlns:p14="http://schemas.microsoft.com/office/powerpoint/2010/main" val="16137570"/>
       </p:ext>
     </p:extLst>
   </p:cSld>
@@ -6242,7 +6357,7 @@
                   <a:schemeClr val="bg1"/>
                 </a:solidFill>
               </a:rPr>
-              <a:t>This is our God this is who He is</a:t>
+              <a:t>Remember those walls that we called sin and shame</a:t>
             </a:r>
           </a:p>
           <a:p>
@@ -6252,7 +6367,7 @@
                   <a:schemeClr val="bg1"/>
                 </a:solidFill>
               </a:rPr>
-              <a:t>He loves us</a:t>
+              <a:t>They were like prisons that we couldn’t escape</a:t>
             </a:r>
           </a:p>
           <a:p>
@@ -6262,7 +6377,7 @@
                   <a:schemeClr val="bg1"/>
                 </a:solidFill>
               </a:rPr>
-              <a:t>This is our God this is what He does</a:t>
+              <a:t>But He came and He died and He rose</a:t>
             </a:r>
           </a:p>
           <a:p>
@@ -6272,37 +6387,7 @@
                   <a:schemeClr val="bg1"/>
                 </a:solidFill>
               </a:rPr>
-              <a:t>He saves us</a:t>
-            </a:r>
-          </a:p>
-          <a:p>
-            <a:r>
-              <a:rPr lang="en-GB" sz="4000" dirty="0">
-                <a:solidFill>
-                  <a:schemeClr val="bg1"/>
-                </a:solidFill>
-              </a:rPr>
-              <a:t>He bore the cross beat the grave</a:t>
-            </a:r>
-          </a:p>
-          <a:p>
-            <a:r>
-              <a:rPr lang="en-GB" sz="4000" dirty="0">
-                <a:solidFill>
-                  <a:schemeClr val="bg1"/>
-                </a:solidFill>
-              </a:rPr>
-              <a:t>Let heaven and earth proclaim</a:t>
-            </a:r>
-          </a:p>
-          <a:p>
-            <a:r>
-              <a:rPr lang="en-GB" sz="4000" dirty="0">
-                <a:solidFill>
-                  <a:schemeClr val="bg1"/>
-                </a:solidFill>
-              </a:rPr>
-              <a:t>This is our God King Jesus</a:t>
+              <a:t>Those walls are rubble now</a:t>
             </a:r>
           </a:p>
         </p:txBody>
@@ -6335,7 +6420,7 @@
                   <a:schemeClr val="bg1"/>
                 </a:solidFill>
               </a:rPr>
-              <a:t>8/9</a:t>
+              <a:t>1/9</a:t>
             </a:r>
           </a:p>
         </p:txBody>
@@ -6343,7 +6428,7 @@
     </p:spTree>
     <p:extLst>
       <p:ext uri="{BB962C8B-B14F-4D97-AF65-F5344CB8AC3E}">
-        <p14:creationId xmlns:p14="http://schemas.microsoft.com/office/powerpoint/2010/main" val="3237966961"/>
+        <p14:creationId xmlns:p14="http://schemas.microsoft.com/office/powerpoint/2010/main" val="3684826577"/>
       </p:ext>
     </p:extLst>
   </p:cSld>
@@ -6398,7 +6483,7 @@
                   <a:schemeClr val="bg1"/>
                 </a:solidFill>
               </a:rPr>
-              <a:t>He bore the cross beat the grave</a:t>
+              <a:t>Remember those giants we called death and grave</a:t>
             </a:r>
           </a:p>
           <a:p>
@@ -6408,7 +6493,7 @@
                   <a:schemeClr val="bg1"/>
                 </a:solidFill>
               </a:rPr>
-              <a:t>Let heaven and earth proclaim</a:t>
+              <a:t>They were like mountains that stood in our way</a:t>
             </a:r>
           </a:p>
           <a:p>
@@ -6418,7 +6503,17 @@
                   <a:schemeClr val="bg1"/>
                 </a:solidFill>
               </a:rPr>
-              <a:t>This is our God King Jesus</a:t>
+              <a:t>But He came and He died and He rose</a:t>
+            </a:r>
+          </a:p>
+          <a:p>
+            <a:r>
+              <a:rPr lang="en-GB" sz="4000" dirty="0">
+                <a:solidFill>
+                  <a:schemeClr val="bg1"/>
+                </a:solidFill>
+              </a:rPr>
+              <a:t>Those giants are dead now</a:t>
             </a:r>
           </a:p>
         </p:txBody>
@@ -6451,7 +6546,7 @@
                   <a:schemeClr val="bg1"/>
                 </a:solidFill>
               </a:rPr>
-              <a:t>9/9</a:t>
+              <a:t>2/9</a:t>
             </a:r>
           </a:p>
         </p:txBody>
@@ -6459,7 +6554,7 @@
     </p:spTree>
     <p:extLst>
       <p:ext uri="{BB962C8B-B14F-4D97-AF65-F5344CB8AC3E}">
-        <p14:creationId xmlns:p14="http://schemas.microsoft.com/office/powerpoint/2010/main" val="433609200"/>
+        <p14:creationId xmlns:p14="http://schemas.microsoft.com/office/powerpoint/2010/main" val="2046220512"/>
       </p:ext>
     </p:extLst>
   </p:cSld>
@@ -6498,7 +6593,7 @@
         </p:nvSpPr>
         <p:spPr>
           <a:xfrm>
-            <a:off x="251520" y="836712"/>
+            <a:off x="251520" y="764704"/>
             <a:ext cx="8640960" cy="6480720"/>
           </a:xfrm>
         </p:spPr>
@@ -6509,62 +6604,72 @@
           <a:lstStyle/>
           <a:p>
             <a:r>
-              <a:rPr lang="en-GB" sz="3600" dirty="0">
-                <a:solidFill>
-                  <a:schemeClr val="bg1"/>
-                </a:solidFill>
-              </a:rPr>
-              <a:t>(Jesus) Your name is the highest</a:t>
-            </a:r>
-          </a:p>
-          <a:p>
-            <a:r>
-              <a:rPr lang="en-GB" sz="3600" dirty="0">
-                <a:solidFill>
-                  <a:schemeClr val="bg1"/>
-                </a:solidFill>
-              </a:rPr>
-              <a:t>Your name is the greatest</a:t>
-            </a:r>
-          </a:p>
-          <a:p>
-            <a:r>
-              <a:rPr lang="en-GB" sz="3600" dirty="0">
-                <a:solidFill>
-                  <a:schemeClr val="bg1"/>
-                </a:solidFill>
-              </a:rPr>
-              <a:t>Your name stands above them all</a:t>
-            </a:r>
-          </a:p>
-          <a:p>
-            <a:r>
-              <a:rPr lang="en-GB" sz="3600" dirty="0">
-                <a:solidFill>
-                  <a:schemeClr val="bg1"/>
-                </a:solidFill>
-              </a:rPr>
-              <a:t>All thrones and dominions</a:t>
-            </a:r>
-          </a:p>
-          <a:p>
-            <a:r>
-              <a:rPr lang="en-GB" sz="3600" dirty="0">
-                <a:solidFill>
-                  <a:schemeClr val="bg1"/>
-                </a:solidFill>
-              </a:rPr>
-              <a:t>All powers and positions</a:t>
-            </a:r>
-          </a:p>
-          <a:p>
-            <a:r>
-              <a:rPr lang="en-GB" sz="3600" dirty="0">
-                <a:solidFill>
-                  <a:schemeClr val="bg1"/>
-                </a:solidFill>
-              </a:rPr>
-              <a:t>Your name stands above them all</a:t>
+              <a:rPr lang="en-GB" sz="4000" dirty="0">
+                <a:solidFill>
+                  <a:schemeClr val="bg1"/>
+                </a:solidFill>
+              </a:rPr>
+              <a:t>This is our God this is who He is</a:t>
+            </a:r>
+          </a:p>
+          <a:p>
+            <a:r>
+              <a:rPr lang="en-GB" sz="4000" dirty="0">
+                <a:solidFill>
+                  <a:schemeClr val="bg1"/>
+                </a:solidFill>
+              </a:rPr>
+              <a:t>He loves us</a:t>
+            </a:r>
+          </a:p>
+          <a:p>
+            <a:r>
+              <a:rPr lang="en-GB" sz="4000" dirty="0">
+                <a:solidFill>
+                  <a:schemeClr val="bg1"/>
+                </a:solidFill>
+              </a:rPr>
+              <a:t>This is our God this is what He does</a:t>
+            </a:r>
+          </a:p>
+          <a:p>
+            <a:r>
+              <a:rPr lang="en-GB" sz="4000" dirty="0">
+                <a:solidFill>
+                  <a:schemeClr val="bg1"/>
+                </a:solidFill>
+              </a:rPr>
+              <a:t>He saves us</a:t>
+            </a:r>
+          </a:p>
+          <a:p>
+            <a:r>
+              <a:rPr lang="en-GB" sz="4000" dirty="0">
+                <a:solidFill>
+                  <a:schemeClr val="bg1"/>
+                </a:solidFill>
+              </a:rPr>
+              <a:t>He bore the cross beat the grave</a:t>
+            </a:r>
+          </a:p>
+          <a:p>
+            <a:r>
+              <a:rPr lang="en-GB" sz="4000" dirty="0">
+                <a:solidFill>
+                  <a:schemeClr val="bg1"/>
+                </a:solidFill>
+              </a:rPr>
+              <a:t>Let heaven and earth proclaim</a:t>
+            </a:r>
+          </a:p>
+          <a:p>
+            <a:r>
+              <a:rPr lang="en-GB" sz="4000" dirty="0">
+                <a:solidFill>
+                  <a:schemeClr val="bg1"/>
+                </a:solidFill>
+              </a:rPr>
+              <a:t>This is our God King Jesus</a:t>
             </a:r>
           </a:p>
         </p:txBody>
@@ -6577,8 +6682,8 @@
         </p:nvSpPr>
         <p:spPr>
           <a:xfrm>
-            <a:off x="8331558" y="0"/>
-            <a:ext cx="784189" cy="461665"/>
+            <a:off x="8316416" y="0"/>
+            <a:ext cx="628698" cy="461665"/>
           </a:xfrm>
           <a:prstGeom prst="rect">
             <a:avLst/>
@@ -6597,7 +6702,7 @@
                   <a:schemeClr val="bg1"/>
                 </a:solidFill>
               </a:rPr>
-              <a:t>7/10</a:t>
+              <a:t>3/9</a:t>
             </a:r>
           </a:p>
         </p:txBody>
@@ -6605,7 +6710,7 @@
     </p:spTree>
     <p:extLst>
       <p:ext uri="{BB962C8B-B14F-4D97-AF65-F5344CB8AC3E}">
-        <p14:creationId xmlns:p14="http://schemas.microsoft.com/office/powerpoint/2010/main" val="1806542696"/>
+        <p14:creationId xmlns:p14="http://schemas.microsoft.com/office/powerpoint/2010/main" val="2785631929"/>
       </p:ext>
     </p:extLst>
   </p:cSld>
@@ -6660,7 +6765,7 @@
                   <a:schemeClr val="bg1"/>
                 </a:solidFill>
               </a:rPr>
-              <a:t>And the angels cry Holy</a:t>
+              <a:t>Remember that fear that took our breath away</a:t>
             </a:r>
           </a:p>
           <a:p>
@@ -6670,7 +6775,7 @@
                   <a:schemeClr val="bg1"/>
                 </a:solidFill>
               </a:rPr>
-              <a:t>All creation cries Holy</a:t>
+              <a:t>Faith so weak that we could barely pray</a:t>
             </a:r>
           </a:p>
           <a:p>
@@ -6680,7 +6785,7 @@
                   <a:schemeClr val="bg1"/>
                 </a:solidFill>
               </a:rPr>
-              <a:t>You are lifted high Holy</a:t>
+              <a:t>But He heard every word every whisper</a:t>
             </a:r>
           </a:p>
           <a:p>
@@ -6690,7 +6795,27 @@
                   <a:schemeClr val="bg1"/>
                 </a:solidFill>
               </a:rPr>
-              <a:t>Holy forever</a:t>
+              <a:t>Now those altars in the wilderness</a:t>
+            </a:r>
+          </a:p>
+          <a:p>
+            <a:r>
+              <a:rPr lang="en-GB" sz="4000" dirty="0">
+                <a:solidFill>
+                  <a:schemeClr val="bg1"/>
+                </a:solidFill>
+              </a:rPr>
+              <a:t>Tell the story of His faithfulness</a:t>
+            </a:r>
+          </a:p>
+          <a:p>
+            <a:r>
+              <a:rPr lang="en-GB" sz="4000" dirty="0">
+                <a:solidFill>
+                  <a:schemeClr val="bg1"/>
+                </a:solidFill>
+              </a:rPr>
+              <a:t>Never once did He fail and He never will</a:t>
             </a:r>
           </a:p>
         </p:txBody>
@@ -6704,7 +6829,7 @@
         <p:spPr>
           <a:xfrm>
             <a:off x="8316416" y="0"/>
-            <a:ext cx="784189" cy="461665"/>
+            <a:ext cx="628698" cy="461665"/>
           </a:xfrm>
           <a:prstGeom prst="rect">
             <a:avLst/>
@@ -6723,7 +6848,7 @@
                   <a:schemeClr val="bg1"/>
                 </a:solidFill>
               </a:rPr>
-              <a:t>8/10</a:t>
+              <a:t>4/9</a:t>
             </a:r>
           </a:p>
         </p:txBody>
@@ -6731,7 +6856,7 @@
     </p:spTree>
     <p:extLst>
       <p:ext uri="{BB962C8B-B14F-4D97-AF65-F5344CB8AC3E}">
-        <p14:creationId xmlns:p14="http://schemas.microsoft.com/office/powerpoint/2010/main" val="3703381109"/>
+        <p14:creationId xmlns:p14="http://schemas.microsoft.com/office/powerpoint/2010/main" val="3729947511"/>
       </p:ext>
     </p:extLst>
   </p:cSld>
@@ -6786,7 +6911,7 @@
                   <a:schemeClr val="bg1"/>
                 </a:solidFill>
               </a:rPr>
-              <a:t>Hear Your people sing Holy</a:t>
+              <a:t>This is our God this is who He is</a:t>
             </a:r>
           </a:p>
           <a:p>
@@ -6796,7 +6921,7 @@
                   <a:schemeClr val="bg1"/>
                 </a:solidFill>
               </a:rPr>
-              <a:t>To the King of Kings Holy</a:t>
+              <a:t>He loves us</a:t>
             </a:r>
           </a:p>
           <a:p>
@@ -6806,7 +6931,7 @@
                   <a:schemeClr val="bg1"/>
                 </a:solidFill>
               </a:rPr>
-              <a:t>You will always be Holy</a:t>
+              <a:t>This is our God this is what He does</a:t>
             </a:r>
           </a:p>
           <a:p>
@@ -6816,7 +6941,37 @@
                   <a:schemeClr val="bg1"/>
                 </a:solidFill>
               </a:rPr>
-              <a:t>Holy forever</a:t>
+              <a:t>He saves us</a:t>
+            </a:r>
+          </a:p>
+          <a:p>
+            <a:r>
+              <a:rPr lang="en-GB" sz="4000" dirty="0">
+                <a:solidFill>
+                  <a:schemeClr val="bg1"/>
+                </a:solidFill>
+              </a:rPr>
+              <a:t>He bore the cross beat the grave</a:t>
+            </a:r>
+          </a:p>
+          <a:p>
+            <a:r>
+              <a:rPr lang="en-GB" sz="4000" dirty="0">
+                <a:solidFill>
+                  <a:schemeClr val="bg1"/>
+                </a:solidFill>
+              </a:rPr>
+              <a:t>Let heaven and earth proclaim</a:t>
+            </a:r>
+          </a:p>
+          <a:p>
+            <a:r>
+              <a:rPr lang="en-GB" sz="4000" dirty="0">
+                <a:solidFill>
+                  <a:schemeClr val="bg1"/>
+                </a:solidFill>
+              </a:rPr>
+              <a:t>This is our God King Jesus</a:t>
             </a:r>
           </a:p>
         </p:txBody>
@@ -6829,8 +6984,8 @@
         </p:nvSpPr>
         <p:spPr>
           <a:xfrm>
-            <a:off x="8398233" y="9947"/>
-            <a:ext cx="784189" cy="461665"/>
+            <a:off x="8316416" y="0"/>
+            <a:ext cx="628698" cy="461665"/>
           </a:xfrm>
           <a:prstGeom prst="rect">
             <a:avLst/>
@@ -6849,7 +7004,7 @@
                   <a:schemeClr val="bg1"/>
                 </a:solidFill>
               </a:rPr>
-              <a:t>9/10</a:t>
+              <a:t>5/9</a:t>
             </a:r>
           </a:p>
         </p:txBody>
@@ -6857,7 +7012,7 @@
     </p:spTree>
     <p:extLst>
       <p:ext uri="{BB962C8B-B14F-4D97-AF65-F5344CB8AC3E}">
-        <p14:creationId xmlns:p14="http://schemas.microsoft.com/office/powerpoint/2010/main" val="482190470"/>
+        <p14:creationId xmlns:p14="http://schemas.microsoft.com/office/powerpoint/2010/main" val="1807002910"/>
       </p:ext>
     </p:extLst>
   </p:cSld>
@@ -6896,7 +7051,7 @@
         </p:nvSpPr>
         <p:spPr>
           <a:xfrm>
-            <a:off x="251520" y="692696"/>
+            <a:off x="251520" y="764704"/>
             <a:ext cx="8640960" cy="6480720"/>
           </a:xfrm>
         </p:spPr>
@@ -6912,7 +7067,7 @@
                   <a:schemeClr val="bg1"/>
                 </a:solidFill>
               </a:rPr>
-              <a:t>You will always be Holy</a:t>
+              <a:t>Who pulled me out of that pit</a:t>
             </a:r>
           </a:p>
           <a:p>
@@ -6922,7 +7077,27 @@
                   <a:schemeClr val="bg1"/>
                 </a:solidFill>
               </a:rPr>
-              <a:t>Holy forever</a:t>
+              <a:t>He did He did</a:t>
+            </a:r>
+          </a:p>
+          <a:p>
+            <a:r>
+              <a:rPr lang="en-GB" sz="4000" dirty="0">
+                <a:solidFill>
+                  <a:schemeClr val="bg1"/>
+                </a:solidFill>
+              </a:rPr>
+              <a:t>Who paid for all of our sin</a:t>
+            </a:r>
+          </a:p>
+          <a:p>
+            <a:r>
+              <a:rPr lang="en-GB" sz="4000" dirty="0">
+                <a:solidFill>
+                  <a:schemeClr val="bg1"/>
+                </a:solidFill>
+              </a:rPr>
+              <a:t>Nobody but Jesus</a:t>
             </a:r>
           </a:p>
         </p:txBody>
@@ -6935,8 +7110,8 @@
         </p:nvSpPr>
         <p:spPr>
           <a:xfrm>
-            <a:off x="8204319" y="0"/>
-            <a:ext cx="939681" cy="461665"/>
+            <a:off x="8316416" y="0"/>
+            <a:ext cx="628698" cy="461665"/>
           </a:xfrm>
           <a:prstGeom prst="rect">
             <a:avLst/>
@@ -6955,7 +7130,7 @@
                   <a:schemeClr val="bg1"/>
                 </a:solidFill>
               </a:rPr>
-              <a:t>10/10</a:t>
+              <a:t>6/9</a:t>
             </a:r>
           </a:p>
         </p:txBody>
@@ -6963,7 +7138,7 @@
     </p:spTree>
     <p:extLst>
       <p:ext uri="{BB962C8B-B14F-4D97-AF65-F5344CB8AC3E}">
-        <p14:creationId xmlns:p14="http://schemas.microsoft.com/office/powerpoint/2010/main" val="718235480"/>
+        <p14:creationId xmlns:p14="http://schemas.microsoft.com/office/powerpoint/2010/main" val="3380602350"/>
       </p:ext>
     </p:extLst>
   </p:cSld>
@@ -7002,7 +7177,7 @@
         </p:nvSpPr>
         <p:spPr>
           <a:xfrm>
-            <a:off x="323528" y="188640"/>
+            <a:off x="251520" y="764704"/>
             <a:ext cx="8640960" cy="6480720"/>
           </a:xfrm>
         </p:spPr>
@@ -7012,26 +7187,33 @@
           </a:bodyPr>
           <a:lstStyle/>
           <a:p>
-            <a:endParaRPr lang="en-GB" sz="6600" dirty="0">
-              <a:solidFill>
-                <a:srgbClr val="00A3E0"/>
-              </a:solidFill>
-              <a:latin typeface="akagi_probook"/>
-            </a:endParaRPr>
-          </a:p>
-          <a:p>
-            <a:r>
-              <a:rPr lang="en-GB" sz="6600" dirty="0">
-                <a:solidFill>
-                  <a:srgbClr val="00A3E0"/>
-                </a:solidFill>
-                <a:latin typeface="akagi_probook"/>
-              </a:rPr>
-              <a:t>Worthy Of it All</a:t>
-            </a:r>
-          </a:p>
-          <a:p>
-            <a:endParaRPr lang="en-GB" sz="1200" dirty="0">
+            <a:r>
+              <a:rPr lang="en-GB" sz="4000" dirty="0">
+                <a:solidFill>
+                  <a:schemeClr val="bg1"/>
+                </a:solidFill>
+              </a:rPr>
+              <a:t>Who rescued me from that grave</a:t>
+            </a:r>
+          </a:p>
+          <a:p>
+            <a:r>
+              <a:rPr lang="en-GB" sz="4000" dirty="0">
+                <a:solidFill>
+                  <a:schemeClr val="bg1"/>
+                </a:solidFill>
+              </a:rPr>
+              <a:t>Yahweh </a:t>
+            </a:r>
+            <a:r>
+              <a:rPr lang="en-GB" sz="4000" dirty="0" err="1">
+                <a:solidFill>
+                  <a:schemeClr val="bg1"/>
+                </a:solidFill>
+              </a:rPr>
+              <a:t>Yahweh</a:t>
+            </a:r>
+            <a:endParaRPr lang="en-GB" sz="4000" dirty="0">
               <a:solidFill>
                 <a:schemeClr val="bg1"/>
               </a:solidFill>
@@ -7039,151 +7221,55 @@
           </a:p>
           <a:p>
             <a:r>
-              <a:rPr lang="en-GB" sz="1200" dirty="0">
-                <a:solidFill>
-                  <a:schemeClr val="bg1"/>
-                </a:solidFill>
-              </a:rPr>
-              <a:t>CCLI Song # 6280644</a:t>
-            </a:r>
-          </a:p>
-          <a:p>
-            <a:endParaRPr lang="en-GB" sz="1200" dirty="0">
-              <a:solidFill>
-                <a:schemeClr val="bg1"/>
-              </a:solidFill>
-            </a:endParaRPr>
-          </a:p>
-          <a:p>
-            <a:r>
-              <a:rPr lang="en-GB" sz="1200" dirty="0">
-                <a:solidFill>
-                  <a:schemeClr val="bg1"/>
-                </a:solidFill>
-              </a:rPr>
-              <a:t>David </a:t>
-            </a:r>
-            <a:r>
-              <a:rPr lang="en-GB" sz="1200" dirty="0" err="1">
-                <a:solidFill>
-                  <a:schemeClr val="bg1"/>
-                </a:solidFill>
-              </a:rPr>
-              <a:t>Brymer</a:t>
-            </a:r>
-            <a:r>
-              <a:rPr lang="en-GB" sz="1200" dirty="0">
-                <a:solidFill>
-                  <a:schemeClr val="bg1"/>
-                </a:solidFill>
-              </a:rPr>
-              <a:t> | Ryan Hall</a:t>
-            </a:r>
-          </a:p>
-          <a:p>
-            <a:endParaRPr lang="en-GB" sz="1200" dirty="0">
-              <a:solidFill>
-                <a:schemeClr val="bg1"/>
-              </a:solidFill>
-            </a:endParaRPr>
-          </a:p>
-          <a:p>
-            <a:r>
-              <a:rPr lang="en-GB" sz="1200" dirty="0">
-                <a:solidFill>
-                  <a:schemeClr val="bg1"/>
-                </a:solidFill>
-              </a:rPr>
-              <a:t>© 2012 Common Hymnal Publishing (Admin. by Integrity Music Ltd)</a:t>
-            </a:r>
-          </a:p>
-          <a:p>
-            <a:r>
-              <a:rPr lang="en-GB" sz="1200" dirty="0" err="1">
-                <a:solidFill>
-                  <a:schemeClr val="bg1"/>
-                </a:solidFill>
-              </a:rPr>
-              <a:t>Innerland</a:t>
-            </a:r>
-            <a:r>
-              <a:rPr lang="en-GB" sz="1200" dirty="0">
-                <a:solidFill>
-                  <a:schemeClr val="bg1"/>
-                </a:solidFill>
-              </a:rPr>
-              <a:t> (Admin. by Integrity Music Ltd)</a:t>
-            </a:r>
-          </a:p>
-          <a:p>
-            <a:r>
-              <a:rPr lang="en-GB" sz="1200" dirty="0">
-                <a:solidFill>
-                  <a:schemeClr val="bg1"/>
-                </a:solidFill>
-              </a:rPr>
-              <a:t>Underground Treasure (Admin. by Integrity Music Ltd)</a:t>
-            </a:r>
-          </a:p>
-          <a:p>
-            <a:r>
-              <a:rPr lang="en-GB" sz="1200" dirty="0" err="1">
-                <a:solidFill>
-                  <a:schemeClr val="bg1"/>
-                </a:solidFill>
-              </a:rPr>
-              <a:t>Wayfinder</a:t>
-            </a:r>
-            <a:r>
-              <a:rPr lang="en-GB" sz="1200" dirty="0">
-                <a:solidFill>
-                  <a:schemeClr val="bg1"/>
-                </a:solidFill>
-              </a:rPr>
-              <a:t> Music (Admin. by Integrity Music Ltd)</a:t>
-            </a:r>
-          </a:p>
-          <a:p>
-            <a:r>
-              <a:rPr lang="en-GB" sz="1200" dirty="0">
-                <a:solidFill>
-                  <a:schemeClr val="bg1"/>
-                </a:solidFill>
-              </a:rPr>
-              <a:t>For use solely with the </a:t>
-            </a:r>
-            <a:r>
-              <a:rPr lang="en-GB" sz="1200" dirty="0" err="1">
-                <a:solidFill>
-                  <a:schemeClr val="bg1"/>
-                </a:solidFill>
-              </a:rPr>
-              <a:t>SongSelect</a:t>
-            </a:r>
-            <a:r>
-              <a:rPr lang="en-GB" sz="1200" dirty="0">
-                <a:solidFill>
-                  <a:schemeClr val="bg1"/>
-                </a:solidFill>
-              </a:rPr>
-              <a:t>® Terms of Use. All rights reserved. www.ccli.com</a:t>
-            </a:r>
-          </a:p>
-          <a:p>
-            <a:endParaRPr lang="en-GB" sz="1200" dirty="0">
-              <a:solidFill>
-                <a:schemeClr val="bg1"/>
-              </a:solidFill>
-            </a:endParaRPr>
-          </a:p>
-          <a:p>
-            <a:r>
-              <a:rPr lang="en-GB" sz="1200" dirty="0">
-                <a:solidFill>
-                  <a:schemeClr val="bg1"/>
-                </a:solidFill>
-              </a:rPr>
-              <a:t>CCLI Licence No. 33265</a:t>
+              <a:rPr lang="en-GB" sz="4000" dirty="0">
+                <a:solidFill>
+                  <a:schemeClr val="bg1"/>
+                </a:solidFill>
+              </a:rPr>
+              <a:t>Who gets the glory and praise</a:t>
+            </a:r>
+          </a:p>
+          <a:p>
+            <a:r>
+              <a:rPr lang="en-GB" sz="4000" dirty="0">
+                <a:solidFill>
+                  <a:schemeClr val="bg1"/>
+                </a:solidFill>
+              </a:rPr>
+              <a:t>Nobody but Jesus (Him)</a:t>
+            </a:r>
+          </a:p>
+        </p:txBody>
+      </p:sp>
+      <p:sp>
+        <p:nvSpPr>
+          <p:cNvPr id="4" name="TextBox 3"/>
+          <p:cNvSpPr txBox="1"/>
+          <p:nvPr/>
+        </p:nvSpPr>
+        <p:spPr>
+          <a:xfrm>
+            <a:off x="8316416" y="0"/>
+            <a:ext cx="628698" cy="461665"/>
+          </a:xfrm>
+          <a:prstGeom prst="rect">
+            <a:avLst/>
+          </a:prstGeom>
+          <a:noFill/>
+        </p:spPr>
+        <p:txBody>
+          <a:bodyPr wrap="none" rtlCol="0">
+            <a:spAutoFit/>
+          </a:bodyPr>
+          <a:lstStyle/>
+          <a:p>
+            <a:r>
+              <a:rPr lang="en-GB" sz="2400" b="1" dirty="0">
+                <a:solidFill>
+                  <a:schemeClr val="bg1"/>
+                </a:solidFill>
+              </a:rPr>
+              <a:t>7/9</a:t>
             </a:r>
           </a:p>
         </p:txBody>
@@ -7191,7 +7277,7 @@
     </p:spTree>
     <p:extLst>
       <p:ext uri="{BB962C8B-B14F-4D97-AF65-F5344CB8AC3E}">
-        <p14:creationId xmlns:p14="http://schemas.microsoft.com/office/powerpoint/2010/main" val="3152724917"/>
+        <p14:creationId xmlns:p14="http://schemas.microsoft.com/office/powerpoint/2010/main" val="2147548330"/>
       </p:ext>
     </p:extLst>
   </p:cSld>
@@ -7376,7 +7462,7 @@
         </p:nvSpPr>
         <p:spPr>
           <a:xfrm>
-            <a:off x="175642" y="764704"/>
+            <a:off x="251520" y="764704"/>
             <a:ext cx="8640960" cy="6480720"/>
           </a:xfrm>
         </p:spPr>
@@ -7387,42 +7473,72 @@
           <a:lstStyle/>
           <a:p>
             <a:r>
-              <a:rPr lang="en-GB" sz="3600" dirty="0">
-                <a:solidFill>
-                  <a:schemeClr val="bg1"/>
-                </a:solidFill>
-              </a:rPr>
-              <a:t>All the saints and angels</a:t>
-            </a:r>
-          </a:p>
-          <a:p>
-            <a:r>
-              <a:rPr lang="en-GB" sz="3600" dirty="0">
-                <a:solidFill>
-                  <a:schemeClr val="bg1"/>
-                </a:solidFill>
-              </a:rPr>
-              <a:t>Bow before Your throne</a:t>
-            </a:r>
-          </a:p>
-          <a:p>
-            <a:r>
-              <a:rPr lang="en-GB" sz="3600" dirty="0">
-                <a:solidFill>
-                  <a:schemeClr val="bg1"/>
-                </a:solidFill>
-              </a:rPr>
-              <a:t>All the elders cast their crowns</a:t>
-            </a:r>
-          </a:p>
-          <a:p>
-            <a:r>
-              <a:rPr lang="en-GB" sz="3600" dirty="0">
-                <a:solidFill>
-                  <a:schemeClr val="bg1"/>
-                </a:solidFill>
-              </a:rPr>
-              <a:t>Before the Lamb of God and sing</a:t>
+              <a:rPr lang="en-GB" sz="4000" dirty="0">
+                <a:solidFill>
+                  <a:schemeClr val="bg1"/>
+                </a:solidFill>
+              </a:rPr>
+              <a:t>This is our God this is who He is</a:t>
+            </a:r>
+          </a:p>
+          <a:p>
+            <a:r>
+              <a:rPr lang="en-GB" sz="4000" dirty="0">
+                <a:solidFill>
+                  <a:schemeClr val="bg1"/>
+                </a:solidFill>
+              </a:rPr>
+              <a:t>He loves us</a:t>
+            </a:r>
+          </a:p>
+          <a:p>
+            <a:r>
+              <a:rPr lang="en-GB" sz="4000" dirty="0">
+                <a:solidFill>
+                  <a:schemeClr val="bg1"/>
+                </a:solidFill>
+              </a:rPr>
+              <a:t>This is our God this is what He does</a:t>
+            </a:r>
+          </a:p>
+          <a:p>
+            <a:r>
+              <a:rPr lang="en-GB" sz="4000" dirty="0">
+                <a:solidFill>
+                  <a:schemeClr val="bg1"/>
+                </a:solidFill>
+              </a:rPr>
+              <a:t>He saves us</a:t>
+            </a:r>
+          </a:p>
+          <a:p>
+            <a:r>
+              <a:rPr lang="en-GB" sz="4000" dirty="0">
+                <a:solidFill>
+                  <a:schemeClr val="bg1"/>
+                </a:solidFill>
+              </a:rPr>
+              <a:t>He bore the cross beat the grave</a:t>
+            </a:r>
+          </a:p>
+          <a:p>
+            <a:r>
+              <a:rPr lang="en-GB" sz="4000" dirty="0">
+                <a:solidFill>
+                  <a:schemeClr val="bg1"/>
+                </a:solidFill>
+              </a:rPr>
+              <a:t>Let heaven and earth proclaim</a:t>
+            </a:r>
+          </a:p>
+          <a:p>
+            <a:r>
+              <a:rPr lang="en-GB" sz="4000" dirty="0">
+                <a:solidFill>
+                  <a:schemeClr val="bg1"/>
+                </a:solidFill>
+              </a:rPr>
+              <a:t>This is our God King Jesus</a:t>
             </a:r>
           </a:p>
         </p:txBody>
@@ -7435,7 +7551,7 @@
         </p:nvSpPr>
         <p:spPr>
           <a:xfrm>
-            <a:off x="8529729" y="0"/>
+            <a:off x="8316416" y="0"/>
             <a:ext cx="628698" cy="461665"/>
           </a:xfrm>
           <a:prstGeom prst="rect">
@@ -7455,7 +7571,7 @@
                   <a:schemeClr val="bg1"/>
                 </a:solidFill>
               </a:rPr>
-              <a:t>1/3</a:t>
+              <a:t>8/9</a:t>
             </a:r>
           </a:p>
         </p:txBody>
@@ -7463,7 +7579,7 @@
     </p:spTree>
     <p:extLst>
       <p:ext uri="{BB962C8B-B14F-4D97-AF65-F5344CB8AC3E}">
-        <p14:creationId xmlns:p14="http://schemas.microsoft.com/office/powerpoint/2010/main" val="1584672846"/>
+        <p14:creationId xmlns:p14="http://schemas.microsoft.com/office/powerpoint/2010/main" val="3237966961"/>
       </p:ext>
     </p:extLst>
   </p:cSld>
@@ -7502,7 +7618,7 @@
         </p:nvSpPr>
         <p:spPr>
           <a:xfrm>
-            <a:off x="107504" y="764704"/>
+            <a:off x="251520" y="764704"/>
             <a:ext cx="8640960" cy="6480720"/>
           </a:xfrm>
         </p:spPr>
@@ -7513,52 +7629,32 @@
           <a:lstStyle/>
           <a:p>
             <a:r>
-              <a:rPr lang="en-GB" sz="3600" dirty="0">
-                <a:solidFill>
-                  <a:schemeClr val="bg1"/>
-                </a:solidFill>
-              </a:rPr>
-              <a:t>You are worthy of it all</a:t>
-            </a:r>
-          </a:p>
-          <a:p>
-            <a:r>
-              <a:rPr lang="en-GB" sz="3600" dirty="0">
-                <a:solidFill>
-                  <a:schemeClr val="bg1"/>
-                </a:solidFill>
-              </a:rPr>
-              <a:t>You are worthy of it all</a:t>
-            </a:r>
-          </a:p>
-          <a:p>
-            <a:r>
-              <a:rPr lang="en-GB" sz="3600" dirty="0">
-                <a:solidFill>
-                  <a:schemeClr val="bg1"/>
-                </a:solidFill>
-              </a:rPr>
-              <a:t>For from You are all things</a:t>
-            </a:r>
-          </a:p>
-          <a:p>
-            <a:r>
-              <a:rPr lang="en-GB" sz="3600" dirty="0">
-                <a:solidFill>
-                  <a:schemeClr val="bg1"/>
-                </a:solidFill>
-              </a:rPr>
-              <a:t>And to You are all things</a:t>
-            </a:r>
-          </a:p>
-          <a:p>
-            <a:r>
-              <a:rPr lang="en-GB" sz="3600" dirty="0">
-                <a:solidFill>
-                  <a:schemeClr val="bg1"/>
-                </a:solidFill>
-              </a:rPr>
-              <a:t>You deserve the glory</a:t>
+              <a:rPr lang="en-GB" sz="4000" dirty="0">
+                <a:solidFill>
+                  <a:schemeClr val="bg1"/>
+                </a:solidFill>
+              </a:rPr>
+              <a:t>He bore the cross beat the grave</a:t>
+            </a:r>
+          </a:p>
+          <a:p>
+            <a:r>
+              <a:rPr lang="en-GB" sz="4000" dirty="0">
+                <a:solidFill>
+                  <a:schemeClr val="bg1"/>
+                </a:solidFill>
+              </a:rPr>
+              <a:t>Let heaven and earth proclaim</a:t>
+            </a:r>
+          </a:p>
+          <a:p>
+            <a:r>
+              <a:rPr lang="en-GB" sz="4000" dirty="0">
+                <a:solidFill>
+                  <a:schemeClr val="bg1"/>
+                </a:solidFill>
+              </a:rPr>
+              <a:t>This is our God King Jesus</a:t>
             </a:r>
           </a:p>
         </p:txBody>
@@ -7571,7 +7667,7 @@
         </p:nvSpPr>
         <p:spPr>
           <a:xfrm>
-            <a:off x="8529729" y="0"/>
+            <a:off x="8316416" y="0"/>
             <a:ext cx="628698" cy="461665"/>
           </a:xfrm>
           <a:prstGeom prst="rect">
@@ -7591,7 +7687,7 @@
                   <a:schemeClr val="bg1"/>
                 </a:solidFill>
               </a:rPr>
-              <a:t>2/3</a:t>
+              <a:t>9/9</a:t>
             </a:r>
           </a:p>
         </p:txBody>
@@ -7599,7 +7695,7 @@
     </p:spTree>
     <p:extLst>
       <p:ext uri="{BB962C8B-B14F-4D97-AF65-F5344CB8AC3E}">
-        <p14:creationId xmlns:p14="http://schemas.microsoft.com/office/powerpoint/2010/main" val="3498919848"/>
+        <p14:creationId xmlns:p14="http://schemas.microsoft.com/office/powerpoint/2010/main" val="433609200"/>
       </p:ext>
     </p:extLst>
   </p:cSld>
@@ -7638,6 +7734,1000 @@
         </p:nvSpPr>
         <p:spPr>
           <a:xfrm>
+            <a:off x="251520" y="836712"/>
+            <a:ext cx="8640960" cy="6480720"/>
+          </a:xfrm>
+        </p:spPr>
+        <p:txBody>
+          <a:bodyPr>
+            <a:noAutofit/>
+          </a:bodyPr>
+          <a:lstStyle/>
+          <a:p>
+            <a:r>
+              <a:rPr lang="en-GB" sz="3600" dirty="0">
+                <a:solidFill>
+                  <a:schemeClr val="bg1"/>
+                </a:solidFill>
+              </a:rPr>
+              <a:t>(Jesus) Your name is the highest</a:t>
+            </a:r>
+          </a:p>
+          <a:p>
+            <a:r>
+              <a:rPr lang="en-GB" sz="3600" dirty="0">
+                <a:solidFill>
+                  <a:schemeClr val="bg1"/>
+                </a:solidFill>
+              </a:rPr>
+              <a:t>Your name is the greatest</a:t>
+            </a:r>
+          </a:p>
+          <a:p>
+            <a:r>
+              <a:rPr lang="en-GB" sz="3600" dirty="0">
+                <a:solidFill>
+                  <a:schemeClr val="bg1"/>
+                </a:solidFill>
+              </a:rPr>
+              <a:t>Your name stands above them all</a:t>
+            </a:r>
+          </a:p>
+          <a:p>
+            <a:r>
+              <a:rPr lang="en-GB" sz="3600" dirty="0">
+                <a:solidFill>
+                  <a:schemeClr val="bg1"/>
+                </a:solidFill>
+              </a:rPr>
+              <a:t>All thrones and dominions</a:t>
+            </a:r>
+          </a:p>
+          <a:p>
+            <a:r>
+              <a:rPr lang="en-GB" sz="3600" dirty="0">
+                <a:solidFill>
+                  <a:schemeClr val="bg1"/>
+                </a:solidFill>
+              </a:rPr>
+              <a:t>All powers and positions</a:t>
+            </a:r>
+          </a:p>
+          <a:p>
+            <a:r>
+              <a:rPr lang="en-GB" sz="3600" dirty="0">
+                <a:solidFill>
+                  <a:schemeClr val="bg1"/>
+                </a:solidFill>
+              </a:rPr>
+              <a:t>Your name stands above them all</a:t>
+            </a:r>
+          </a:p>
+        </p:txBody>
+      </p:sp>
+      <p:sp>
+        <p:nvSpPr>
+          <p:cNvPr id="4" name="TextBox 3"/>
+          <p:cNvSpPr txBox="1"/>
+          <p:nvPr/>
+        </p:nvSpPr>
+        <p:spPr>
+          <a:xfrm>
+            <a:off x="8331558" y="0"/>
+            <a:ext cx="784189" cy="461665"/>
+          </a:xfrm>
+          <a:prstGeom prst="rect">
+            <a:avLst/>
+          </a:prstGeom>
+          <a:noFill/>
+        </p:spPr>
+        <p:txBody>
+          <a:bodyPr wrap="none" rtlCol="0">
+            <a:spAutoFit/>
+          </a:bodyPr>
+          <a:lstStyle/>
+          <a:p>
+            <a:r>
+              <a:rPr lang="en-GB" sz="2400" b="1" dirty="0">
+                <a:solidFill>
+                  <a:schemeClr val="bg1"/>
+                </a:solidFill>
+              </a:rPr>
+              <a:t>7/10</a:t>
+            </a:r>
+          </a:p>
+        </p:txBody>
+      </p:sp>
+    </p:spTree>
+    <p:extLst>
+      <p:ext uri="{BB962C8B-B14F-4D97-AF65-F5344CB8AC3E}">
+        <p14:creationId xmlns:p14="http://schemas.microsoft.com/office/powerpoint/2010/main" val="1806542696"/>
+      </p:ext>
+    </p:extLst>
+  </p:cSld>
+  <p:clrMapOvr>
+    <a:masterClrMapping/>
+  </p:clrMapOvr>
+</p:sld>
+</file>
+
+<file path=ppt/slides/slide33.xml><?xml version="1.0" encoding="utf-8"?>
+<p:sld xmlns:a="http://schemas.openxmlformats.org/drawingml/2006/main" xmlns:r="http://schemas.openxmlformats.org/officeDocument/2006/relationships" xmlns:p="http://schemas.openxmlformats.org/presentationml/2006/main">
+  <p:cSld>
+    <p:spTree>
+      <p:nvGrpSpPr>
+        <p:cNvPr id="1" name=""/>
+        <p:cNvGrpSpPr/>
+        <p:nvPr/>
+      </p:nvGrpSpPr>
+      <p:grpSpPr>
+        <a:xfrm>
+          <a:off x="0" y="0"/>
+          <a:ext cx="0" cy="0"/>
+          <a:chOff x="0" y="0"/>
+          <a:chExt cx="0" cy="0"/>
+        </a:xfrm>
+      </p:grpSpPr>
+      <p:sp>
+        <p:nvSpPr>
+          <p:cNvPr id="3" name="Subtitle 2"/>
+          <p:cNvSpPr>
+            <a:spLocks noGrp="1"/>
+          </p:cNvSpPr>
+          <p:nvPr>
+            <p:ph type="subTitle" idx="1"/>
+          </p:nvPr>
+        </p:nvSpPr>
+        <p:spPr>
+          <a:xfrm>
+            <a:off x="251520" y="764704"/>
+            <a:ext cx="8640960" cy="6480720"/>
+          </a:xfrm>
+        </p:spPr>
+        <p:txBody>
+          <a:bodyPr>
+            <a:noAutofit/>
+          </a:bodyPr>
+          <a:lstStyle/>
+          <a:p>
+            <a:r>
+              <a:rPr lang="en-GB" sz="4000" dirty="0">
+                <a:solidFill>
+                  <a:schemeClr val="bg1"/>
+                </a:solidFill>
+              </a:rPr>
+              <a:t>And the angels cry Holy</a:t>
+            </a:r>
+          </a:p>
+          <a:p>
+            <a:r>
+              <a:rPr lang="en-GB" sz="4000" dirty="0">
+                <a:solidFill>
+                  <a:schemeClr val="bg1"/>
+                </a:solidFill>
+              </a:rPr>
+              <a:t>All creation cries Holy</a:t>
+            </a:r>
+          </a:p>
+          <a:p>
+            <a:r>
+              <a:rPr lang="en-GB" sz="4000" dirty="0">
+                <a:solidFill>
+                  <a:schemeClr val="bg1"/>
+                </a:solidFill>
+              </a:rPr>
+              <a:t>You are lifted high Holy</a:t>
+            </a:r>
+          </a:p>
+          <a:p>
+            <a:r>
+              <a:rPr lang="en-GB" sz="4000" dirty="0">
+                <a:solidFill>
+                  <a:schemeClr val="bg1"/>
+                </a:solidFill>
+              </a:rPr>
+              <a:t>Holy forever</a:t>
+            </a:r>
+          </a:p>
+        </p:txBody>
+      </p:sp>
+      <p:sp>
+        <p:nvSpPr>
+          <p:cNvPr id="4" name="TextBox 3"/>
+          <p:cNvSpPr txBox="1"/>
+          <p:nvPr/>
+        </p:nvSpPr>
+        <p:spPr>
+          <a:xfrm>
+            <a:off x="8316416" y="0"/>
+            <a:ext cx="784189" cy="461665"/>
+          </a:xfrm>
+          <a:prstGeom prst="rect">
+            <a:avLst/>
+          </a:prstGeom>
+          <a:noFill/>
+        </p:spPr>
+        <p:txBody>
+          <a:bodyPr wrap="none" rtlCol="0">
+            <a:spAutoFit/>
+          </a:bodyPr>
+          <a:lstStyle/>
+          <a:p>
+            <a:r>
+              <a:rPr lang="en-GB" sz="2400" b="1" dirty="0">
+                <a:solidFill>
+                  <a:schemeClr val="bg1"/>
+                </a:solidFill>
+              </a:rPr>
+              <a:t>8/10</a:t>
+            </a:r>
+          </a:p>
+        </p:txBody>
+      </p:sp>
+    </p:spTree>
+    <p:extLst>
+      <p:ext uri="{BB962C8B-B14F-4D97-AF65-F5344CB8AC3E}">
+        <p14:creationId xmlns:p14="http://schemas.microsoft.com/office/powerpoint/2010/main" val="3703381109"/>
+      </p:ext>
+    </p:extLst>
+  </p:cSld>
+  <p:clrMapOvr>
+    <a:masterClrMapping/>
+  </p:clrMapOvr>
+</p:sld>
+</file>
+
+<file path=ppt/slides/slide34.xml><?xml version="1.0" encoding="utf-8"?>
+<p:sld xmlns:a="http://schemas.openxmlformats.org/drawingml/2006/main" xmlns:r="http://schemas.openxmlformats.org/officeDocument/2006/relationships" xmlns:p="http://schemas.openxmlformats.org/presentationml/2006/main">
+  <p:cSld>
+    <p:spTree>
+      <p:nvGrpSpPr>
+        <p:cNvPr id="1" name=""/>
+        <p:cNvGrpSpPr/>
+        <p:nvPr/>
+      </p:nvGrpSpPr>
+      <p:grpSpPr>
+        <a:xfrm>
+          <a:off x="0" y="0"/>
+          <a:ext cx="0" cy="0"/>
+          <a:chOff x="0" y="0"/>
+          <a:chExt cx="0" cy="0"/>
+        </a:xfrm>
+      </p:grpSpPr>
+      <p:sp>
+        <p:nvSpPr>
+          <p:cNvPr id="3" name="Subtitle 2"/>
+          <p:cNvSpPr>
+            <a:spLocks noGrp="1"/>
+          </p:cNvSpPr>
+          <p:nvPr>
+            <p:ph type="subTitle" idx="1"/>
+          </p:nvPr>
+        </p:nvSpPr>
+        <p:spPr>
+          <a:xfrm>
+            <a:off x="251520" y="764704"/>
+            <a:ext cx="8640960" cy="6480720"/>
+          </a:xfrm>
+        </p:spPr>
+        <p:txBody>
+          <a:bodyPr>
+            <a:noAutofit/>
+          </a:bodyPr>
+          <a:lstStyle/>
+          <a:p>
+            <a:r>
+              <a:rPr lang="en-GB" sz="4000" dirty="0">
+                <a:solidFill>
+                  <a:schemeClr val="bg1"/>
+                </a:solidFill>
+              </a:rPr>
+              <a:t>Hear Your people sing Holy</a:t>
+            </a:r>
+          </a:p>
+          <a:p>
+            <a:r>
+              <a:rPr lang="en-GB" sz="4000" dirty="0">
+                <a:solidFill>
+                  <a:schemeClr val="bg1"/>
+                </a:solidFill>
+              </a:rPr>
+              <a:t>To the King of Kings Holy</a:t>
+            </a:r>
+          </a:p>
+          <a:p>
+            <a:r>
+              <a:rPr lang="en-GB" sz="4000" dirty="0">
+                <a:solidFill>
+                  <a:schemeClr val="bg1"/>
+                </a:solidFill>
+              </a:rPr>
+              <a:t>You will always be Holy</a:t>
+            </a:r>
+          </a:p>
+          <a:p>
+            <a:r>
+              <a:rPr lang="en-GB" sz="4000" dirty="0">
+                <a:solidFill>
+                  <a:schemeClr val="bg1"/>
+                </a:solidFill>
+              </a:rPr>
+              <a:t>Holy forever</a:t>
+            </a:r>
+          </a:p>
+        </p:txBody>
+      </p:sp>
+      <p:sp>
+        <p:nvSpPr>
+          <p:cNvPr id="4" name="TextBox 3"/>
+          <p:cNvSpPr txBox="1"/>
+          <p:nvPr/>
+        </p:nvSpPr>
+        <p:spPr>
+          <a:xfrm>
+            <a:off x="8398233" y="9947"/>
+            <a:ext cx="784189" cy="461665"/>
+          </a:xfrm>
+          <a:prstGeom prst="rect">
+            <a:avLst/>
+          </a:prstGeom>
+          <a:noFill/>
+        </p:spPr>
+        <p:txBody>
+          <a:bodyPr wrap="none" rtlCol="0">
+            <a:spAutoFit/>
+          </a:bodyPr>
+          <a:lstStyle/>
+          <a:p>
+            <a:r>
+              <a:rPr lang="en-GB" sz="2400" b="1" dirty="0">
+                <a:solidFill>
+                  <a:schemeClr val="bg1"/>
+                </a:solidFill>
+              </a:rPr>
+              <a:t>9/10</a:t>
+            </a:r>
+          </a:p>
+        </p:txBody>
+      </p:sp>
+    </p:spTree>
+    <p:extLst>
+      <p:ext uri="{BB962C8B-B14F-4D97-AF65-F5344CB8AC3E}">
+        <p14:creationId xmlns:p14="http://schemas.microsoft.com/office/powerpoint/2010/main" val="482190470"/>
+      </p:ext>
+    </p:extLst>
+  </p:cSld>
+  <p:clrMapOvr>
+    <a:masterClrMapping/>
+  </p:clrMapOvr>
+</p:sld>
+</file>
+
+<file path=ppt/slides/slide35.xml><?xml version="1.0" encoding="utf-8"?>
+<p:sld xmlns:a="http://schemas.openxmlformats.org/drawingml/2006/main" xmlns:r="http://schemas.openxmlformats.org/officeDocument/2006/relationships" xmlns:p="http://schemas.openxmlformats.org/presentationml/2006/main">
+  <p:cSld>
+    <p:spTree>
+      <p:nvGrpSpPr>
+        <p:cNvPr id="1" name=""/>
+        <p:cNvGrpSpPr/>
+        <p:nvPr/>
+      </p:nvGrpSpPr>
+      <p:grpSpPr>
+        <a:xfrm>
+          <a:off x="0" y="0"/>
+          <a:ext cx="0" cy="0"/>
+          <a:chOff x="0" y="0"/>
+          <a:chExt cx="0" cy="0"/>
+        </a:xfrm>
+      </p:grpSpPr>
+      <p:sp>
+        <p:nvSpPr>
+          <p:cNvPr id="3" name="Subtitle 2"/>
+          <p:cNvSpPr>
+            <a:spLocks noGrp="1"/>
+          </p:cNvSpPr>
+          <p:nvPr>
+            <p:ph type="subTitle" idx="1"/>
+          </p:nvPr>
+        </p:nvSpPr>
+        <p:spPr>
+          <a:xfrm>
+            <a:off x="251520" y="692696"/>
+            <a:ext cx="8640960" cy="6480720"/>
+          </a:xfrm>
+        </p:spPr>
+        <p:txBody>
+          <a:bodyPr>
+            <a:noAutofit/>
+          </a:bodyPr>
+          <a:lstStyle/>
+          <a:p>
+            <a:r>
+              <a:rPr lang="en-GB" sz="4000" dirty="0">
+                <a:solidFill>
+                  <a:schemeClr val="bg1"/>
+                </a:solidFill>
+              </a:rPr>
+              <a:t>You will always be Holy</a:t>
+            </a:r>
+          </a:p>
+          <a:p>
+            <a:r>
+              <a:rPr lang="en-GB" sz="4000" dirty="0">
+                <a:solidFill>
+                  <a:schemeClr val="bg1"/>
+                </a:solidFill>
+              </a:rPr>
+              <a:t>Holy forever</a:t>
+            </a:r>
+          </a:p>
+        </p:txBody>
+      </p:sp>
+      <p:sp>
+        <p:nvSpPr>
+          <p:cNvPr id="4" name="TextBox 3"/>
+          <p:cNvSpPr txBox="1"/>
+          <p:nvPr/>
+        </p:nvSpPr>
+        <p:spPr>
+          <a:xfrm>
+            <a:off x="8204319" y="0"/>
+            <a:ext cx="939681" cy="461665"/>
+          </a:xfrm>
+          <a:prstGeom prst="rect">
+            <a:avLst/>
+          </a:prstGeom>
+          <a:noFill/>
+        </p:spPr>
+        <p:txBody>
+          <a:bodyPr wrap="none" rtlCol="0">
+            <a:spAutoFit/>
+          </a:bodyPr>
+          <a:lstStyle/>
+          <a:p>
+            <a:r>
+              <a:rPr lang="en-GB" sz="2400" b="1" dirty="0">
+                <a:solidFill>
+                  <a:schemeClr val="bg1"/>
+                </a:solidFill>
+              </a:rPr>
+              <a:t>10/10</a:t>
+            </a:r>
+          </a:p>
+        </p:txBody>
+      </p:sp>
+    </p:spTree>
+    <p:extLst>
+      <p:ext uri="{BB962C8B-B14F-4D97-AF65-F5344CB8AC3E}">
+        <p14:creationId xmlns:p14="http://schemas.microsoft.com/office/powerpoint/2010/main" val="718235480"/>
+      </p:ext>
+    </p:extLst>
+  </p:cSld>
+  <p:clrMapOvr>
+    <a:masterClrMapping/>
+  </p:clrMapOvr>
+</p:sld>
+</file>
+
+<file path=ppt/slides/slide36.xml><?xml version="1.0" encoding="utf-8"?>
+<p:sld xmlns:a="http://schemas.openxmlformats.org/drawingml/2006/main" xmlns:r="http://schemas.openxmlformats.org/officeDocument/2006/relationships" xmlns:p="http://schemas.openxmlformats.org/presentationml/2006/main">
+  <p:cSld>
+    <p:spTree>
+      <p:nvGrpSpPr>
+        <p:cNvPr id="1" name=""/>
+        <p:cNvGrpSpPr/>
+        <p:nvPr/>
+      </p:nvGrpSpPr>
+      <p:grpSpPr>
+        <a:xfrm>
+          <a:off x="0" y="0"/>
+          <a:ext cx="0" cy="0"/>
+          <a:chOff x="0" y="0"/>
+          <a:chExt cx="0" cy="0"/>
+        </a:xfrm>
+      </p:grpSpPr>
+      <p:sp>
+        <p:nvSpPr>
+          <p:cNvPr id="3" name="Subtitle 2"/>
+          <p:cNvSpPr>
+            <a:spLocks noGrp="1"/>
+          </p:cNvSpPr>
+          <p:nvPr>
+            <p:ph type="subTitle" idx="1"/>
+          </p:nvPr>
+        </p:nvSpPr>
+        <p:spPr>
+          <a:xfrm>
+            <a:off x="323528" y="188640"/>
+            <a:ext cx="8640960" cy="6480720"/>
+          </a:xfrm>
+        </p:spPr>
+        <p:txBody>
+          <a:bodyPr>
+            <a:noAutofit/>
+          </a:bodyPr>
+          <a:lstStyle/>
+          <a:p>
+            <a:endParaRPr lang="en-GB" sz="6600" dirty="0">
+              <a:solidFill>
+                <a:srgbClr val="00A3E0"/>
+              </a:solidFill>
+              <a:latin typeface="akagi_probook"/>
+            </a:endParaRPr>
+          </a:p>
+          <a:p>
+            <a:r>
+              <a:rPr lang="en-GB" sz="6600" dirty="0">
+                <a:solidFill>
+                  <a:srgbClr val="00A3E0"/>
+                </a:solidFill>
+                <a:latin typeface="akagi_probook"/>
+              </a:rPr>
+              <a:t>Worthy Of it All</a:t>
+            </a:r>
+          </a:p>
+          <a:p>
+            <a:endParaRPr lang="en-GB" sz="1200" dirty="0">
+              <a:solidFill>
+                <a:schemeClr val="bg1"/>
+              </a:solidFill>
+            </a:endParaRPr>
+          </a:p>
+          <a:p>
+            <a:r>
+              <a:rPr lang="en-GB" sz="1200" dirty="0">
+                <a:solidFill>
+                  <a:schemeClr val="bg1"/>
+                </a:solidFill>
+              </a:rPr>
+              <a:t>CCLI Song # 6280644</a:t>
+            </a:r>
+          </a:p>
+          <a:p>
+            <a:endParaRPr lang="en-GB" sz="1200" dirty="0">
+              <a:solidFill>
+                <a:schemeClr val="bg1"/>
+              </a:solidFill>
+            </a:endParaRPr>
+          </a:p>
+          <a:p>
+            <a:r>
+              <a:rPr lang="en-GB" sz="1200" dirty="0">
+                <a:solidFill>
+                  <a:schemeClr val="bg1"/>
+                </a:solidFill>
+              </a:rPr>
+              <a:t>David </a:t>
+            </a:r>
+            <a:r>
+              <a:rPr lang="en-GB" sz="1200" dirty="0" err="1">
+                <a:solidFill>
+                  <a:schemeClr val="bg1"/>
+                </a:solidFill>
+              </a:rPr>
+              <a:t>Brymer</a:t>
+            </a:r>
+            <a:r>
+              <a:rPr lang="en-GB" sz="1200" dirty="0">
+                <a:solidFill>
+                  <a:schemeClr val="bg1"/>
+                </a:solidFill>
+              </a:rPr>
+              <a:t> | Ryan Hall</a:t>
+            </a:r>
+          </a:p>
+          <a:p>
+            <a:endParaRPr lang="en-GB" sz="1200" dirty="0">
+              <a:solidFill>
+                <a:schemeClr val="bg1"/>
+              </a:solidFill>
+            </a:endParaRPr>
+          </a:p>
+          <a:p>
+            <a:r>
+              <a:rPr lang="en-GB" sz="1200" dirty="0">
+                <a:solidFill>
+                  <a:schemeClr val="bg1"/>
+                </a:solidFill>
+              </a:rPr>
+              <a:t>© 2012 Common Hymnal Publishing (Admin. by Integrity Music Ltd)</a:t>
+            </a:r>
+          </a:p>
+          <a:p>
+            <a:r>
+              <a:rPr lang="en-GB" sz="1200" dirty="0" err="1">
+                <a:solidFill>
+                  <a:schemeClr val="bg1"/>
+                </a:solidFill>
+              </a:rPr>
+              <a:t>Innerland</a:t>
+            </a:r>
+            <a:r>
+              <a:rPr lang="en-GB" sz="1200" dirty="0">
+                <a:solidFill>
+                  <a:schemeClr val="bg1"/>
+                </a:solidFill>
+              </a:rPr>
+              <a:t> (Admin. by Integrity Music Ltd)</a:t>
+            </a:r>
+          </a:p>
+          <a:p>
+            <a:r>
+              <a:rPr lang="en-GB" sz="1200" dirty="0">
+                <a:solidFill>
+                  <a:schemeClr val="bg1"/>
+                </a:solidFill>
+              </a:rPr>
+              <a:t>Underground Treasure (Admin. by Integrity Music Ltd)</a:t>
+            </a:r>
+          </a:p>
+          <a:p>
+            <a:r>
+              <a:rPr lang="en-GB" sz="1200" dirty="0" err="1">
+                <a:solidFill>
+                  <a:schemeClr val="bg1"/>
+                </a:solidFill>
+              </a:rPr>
+              <a:t>Wayfinder</a:t>
+            </a:r>
+            <a:r>
+              <a:rPr lang="en-GB" sz="1200" dirty="0">
+                <a:solidFill>
+                  <a:schemeClr val="bg1"/>
+                </a:solidFill>
+              </a:rPr>
+              <a:t> Music (Admin. by Integrity Music Ltd)</a:t>
+            </a:r>
+          </a:p>
+          <a:p>
+            <a:r>
+              <a:rPr lang="en-GB" sz="1200" dirty="0">
+                <a:solidFill>
+                  <a:schemeClr val="bg1"/>
+                </a:solidFill>
+              </a:rPr>
+              <a:t>For use solely with the </a:t>
+            </a:r>
+            <a:r>
+              <a:rPr lang="en-GB" sz="1200" dirty="0" err="1">
+                <a:solidFill>
+                  <a:schemeClr val="bg1"/>
+                </a:solidFill>
+              </a:rPr>
+              <a:t>SongSelect</a:t>
+            </a:r>
+            <a:r>
+              <a:rPr lang="en-GB" sz="1200" dirty="0">
+                <a:solidFill>
+                  <a:schemeClr val="bg1"/>
+                </a:solidFill>
+              </a:rPr>
+              <a:t>® Terms of Use. All rights reserved. www.ccli.com</a:t>
+            </a:r>
+          </a:p>
+          <a:p>
+            <a:endParaRPr lang="en-GB" sz="1200" dirty="0">
+              <a:solidFill>
+                <a:schemeClr val="bg1"/>
+              </a:solidFill>
+            </a:endParaRPr>
+          </a:p>
+          <a:p>
+            <a:r>
+              <a:rPr lang="en-GB" sz="1200" dirty="0">
+                <a:solidFill>
+                  <a:schemeClr val="bg1"/>
+                </a:solidFill>
+              </a:rPr>
+              <a:t>CCLI Licence No. 33265</a:t>
+            </a:r>
+          </a:p>
+        </p:txBody>
+      </p:sp>
+    </p:spTree>
+    <p:extLst>
+      <p:ext uri="{BB962C8B-B14F-4D97-AF65-F5344CB8AC3E}">
+        <p14:creationId xmlns:p14="http://schemas.microsoft.com/office/powerpoint/2010/main" val="3152724917"/>
+      </p:ext>
+    </p:extLst>
+  </p:cSld>
+  <p:clrMapOvr>
+    <a:masterClrMapping/>
+  </p:clrMapOvr>
+</p:sld>
+</file>
+
+<file path=ppt/slides/slide37.xml><?xml version="1.0" encoding="utf-8"?>
+<p:sld xmlns:a="http://schemas.openxmlformats.org/drawingml/2006/main" xmlns:r="http://schemas.openxmlformats.org/officeDocument/2006/relationships" xmlns:p="http://schemas.openxmlformats.org/presentationml/2006/main">
+  <p:cSld>
+    <p:spTree>
+      <p:nvGrpSpPr>
+        <p:cNvPr id="1" name=""/>
+        <p:cNvGrpSpPr/>
+        <p:nvPr/>
+      </p:nvGrpSpPr>
+      <p:grpSpPr>
+        <a:xfrm>
+          <a:off x="0" y="0"/>
+          <a:ext cx="0" cy="0"/>
+          <a:chOff x="0" y="0"/>
+          <a:chExt cx="0" cy="0"/>
+        </a:xfrm>
+      </p:grpSpPr>
+      <p:sp>
+        <p:nvSpPr>
+          <p:cNvPr id="3" name="Subtitle 2"/>
+          <p:cNvSpPr>
+            <a:spLocks noGrp="1"/>
+          </p:cNvSpPr>
+          <p:nvPr>
+            <p:ph type="subTitle" idx="1"/>
+          </p:nvPr>
+        </p:nvSpPr>
+        <p:spPr>
+          <a:xfrm>
+            <a:off x="175642" y="764704"/>
+            <a:ext cx="8640960" cy="6480720"/>
+          </a:xfrm>
+        </p:spPr>
+        <p:txBody>
+          <a:bodyPr>
+            <a:noAutofit/>
+          </a:bodyPr>
+          <a:lstStyle/>
+          <a:p>
+            <a:r>
+              <a:rPr lang="en-GB" sz="3600" dirty="0">
+                <a:solidFill>
+                  <a:schemeClr val="bg1"/>
+                </a:solidFill>
+              </a:rPr>
+              <a:t>All the saints and angels</a:t>
+            </a:r>
+          </a:p>
+          <a:p>
+            <a:r>
+              <a:rPr lang="en-GB" sz="3600" dirty="0">
+                <a:solidFill>
+                  <a:schemeClr val="bg1"/>
+                </a:solidFill>
+              </a:rPr>
+              <a:t>Bow before Your throne</a:t>
+            </a:r>
+          </a:p>
+          <a:p>
+            <a:r>
+              <a:rPr lang="en-GB" sz="3600" dirty="0">
+                <a:solidFill>
+                  <a:schemeClr val="bg1"/>
+                </a:solidFill>
+              </a:rPr>
+              <a:t>All the elders cast their crowns</a:t>
+            </a:r>
+          </a:p>
+          <a:p>
+            <a:r>
+              <a:rPr lang="en-GB" sz="3600" dirty="0">
+                <a:solidFill>
+                  <a:schemeClr val="bg1"/>
+                </a:solidFill>
+              </a:rPr>
+              <a:t>Before the Lamb of God and sing</a:t>
+            </a:r>
+          </a:p>
+        </p:txBody>
+      </p:sp>
+      <p:sp>
+        <p:nvSpPr>
+          <p:cNvPr id="4" name="TextBox 3"/>
+          <p:cNvSpPr txBox="1"/>
+          <p:nvPr/>
+        </p:nvSpPr>
+        <p:spPr>
+          <a:xfrm>
+            <a:off x="8529729" y="0"/>
+            <a:ext cx="628698" cy="461665"/>
+          </a:xfrm>
+          <a:prstGeom prst="rect">
+            <a:avLst/>
+          </a:prstGeom>
+          <a:noFill/>
+        </p:spPr>
+        <p:txBody>
+          <a:bodyPr wrap="none" rtlCol="0">
+            <a:spAutoFit/>
+          </a:bodyPr>
+          <a:lstStyle/>
+          <a:p>
+            <a:r>
+              <a:rPr lang="en-GB" sz="2400" b="1" dirty="0">
+                <a:solidFill>
+                  <a:schemeClr val="bg1"/>
+                </a:solidFill>
+              </a:rPr>
+              <a:t>1/3</a:t>
+            </a:r>
+          </a:p>
+        </p:txBody>
+      </p:sp>
+    </p:spTree>
+    <p:extLst>
+      <p:ext uri="{BB962C8B-B14F-4D97-AF65-F5344CB8AC3E}">
+        <p14:creationId xmlns:p14="http://schemas.microsoft.com/office/powerpoint/2010/main" val="1584672846"/>
+      </p:ext>
+    </p:extLst>
+  </p:cSld>
+  <p:clrMapOvr>
+    <a:masterClrMapping/>
+  </p:clrMapOvr>
+</p:sld>
+</file>
+
+<file path=ppt/slides/slide38.xml><?xml version="1.0" encoding="utf-8"?>
+<p:sld xmlns:a="http://schemas.openxmlformats.org/drawingml/2006/main" xmlns:r="http://schemas.openxmlformats.org/officeDocument/2006/relationships" xmlns:p="http://schemas.openxmlformats.org/presentationml/2006/main">
+  <p:cSld>
+    <p:spTree>
+      <p:nvGrpSpPr>
+        <p:cNvPr id="1" name=""/>
+        <p:cNvGrpSpPr/>
+        <p:nvPr/>
+      </p:nvGrpSpPr>
+      <p:grpSpPr>
+        <a:xfrm>
+          <a:off x="0" y="0"/>
+          <a:ext cx="0" cy="0"/>
+          <a:chOff x="0" y="0"/>
+          <a:chExt cx="0" cy="0"/>
+        </a:xfrm>
+      </p:grpSpPr>
+      <p:sp>
+        <p:nvSpPr>
+          <p:cNvPr id="3" name="Subtitle 2"/>
+          <p:cNvSpPr>
+            <a:spLocks noGrp="1"/>
+          </p:cNvSpPr>
+          <p:nvPr>
+            <p:ph type="subTitle" idx="1"/>
+          </p:nvPr>
+        </p:nvSpPr>
+        <p:spPr>
+          <a:xfrm>
+            <a:off x="107504" y="764704"/>
+            <a:ext cx="8640960" cy="6480720"/>
+          </a:xfrm>
+        </p:spPr>
+        <p:txBody>
+          <a:bodyPr>
+            <a:noAutofit/>
+          </a:bodyPr>
+          <a:lstStyle/>
+          <a:p>
+            <a:r>
+              <a:rPr lang="en-GB" sz="3600" dirty="0">
+                <a:solidFill>
+                  <a:schemeClr val="bg1"/>
+                </a:solidFill>
+              </a:rPr>
+              <a:t>You are worthy of it all</a:t>
+            </a:r>
+          </a:p>
+          <a:p>
+            <a:r>
+              <a:rPr lang="en-GB" sz="3600" dirty="0">
+                <a:solidFill>
+                  <a:schemeClr val="bg1"/>
+                </a:solidFill>
+              </a:rPr>
+              <a:t>You are worthy of it all</a:t>
+            </a:r>
+          </a:p>
+          <a:p>
+            <a:r>
+              <a:rPr lang="en-GB" sz="3600" dirty="0">
+                <a:solidFill>
+                  <a:schemeClr val="bg1"/>
+                </a:solidFill>
+              </a:rPr>
+              <a:t>For from You are all things</a:t>
+            </a:r>
+          </a:p>
+          <a:p>
+            <a:r>
+              <a:rPr lang="en-GB" sz="3600" dirty="0">
+                <a:solidFill>
+                  <a:schemeClr val="bg1"/>
+                </a:solidFill>
+              </a:rPr>
+              <a:t>And to You are all things</a:t>
+            </a:r>
+          </a:p>
+          <a:p>
+            <a:r>
+              <a:rPr lang="en-GB" sz="3600" dirty="0">
+                <a:solidFill>
+                  <a:schemeClr val="bg1"/>
+                </a:solidFill>
+              </a:rPr>
+              <a:t>You deserve the glory</a:t>
+            </a:r>
+          </a:p>
+        </p:txBody>
+      </p:sp>
+      <p:sp>
+        <p:nvSpPr>
+          <p:cNvPr id="4" name="TextBox 3"/>
+          <p:cNvSpPr txBox="1"/>
+          <p:nvPr/>
+        </p:nvSpPr>
+        <p:spPr>
+          <a:xfrm>
+            <a:off x="8529729" y="0"/>
+            <a:ext cx="628698" cy="461665"/>
+          </a:xfrm>
+          <a:prstGeom prst="rect">
+            <a:avLst/>
+          </a:prstGeom>
+          <a:noFill/>
+        </p:spPr>
+        <p:txBody>
+          <a:bodyPr wrap="none" rtlCol="0">
+            <a:spAutoFit/>
+          </a:bodyPr>
+          <a:lstStyle/>
+          <a:p>
+            <a:r>
+              <a:rPr lang="en-GB" sz="2400" b="1" dirty="0">
+                <a:solidFill>
+                  <a:schemeClr val="bg1"/>
+                </a:solidFill>
+              </a:rPr>
+              <a:t>2/3</a:t>
+            </a:r>
+          </a:p>
+        </p:txBody>
+      </p:sp>
+    </p:spTree>
+    <p:extLst>
+      <p:ext uri="{BB962C8B-B14F-4D97-AF65-F5344CB8AC3E}">
+        <p14:creationId xmlns:p14="http://schemas.microsoft.com/office/powerpoint/2010/main" val="3498919848"/>
+      </p:ext>
+    </p:extLst>
+  </p:cSld>
+  <p:clrMapOvr>
+    <a:masterClrMapping/>
+  </p:clrMapOvr>
+</p:sld>
+</file>
+
+<file path=ppt/slides/slide39.xml><?xml version="1.0" encoding="utf-8"?>
+<p:sld xmlns:a="http://schemas.openxmlformats.org/drawingml/2006/main" xmlns:r="http://schemas.openxmlformats.org/officeDocument/2006/relationships" xmlns:p="http://schemas.openxmlformats.org/presentationml/2006/main">
+  <p:cSld>
+    <p:spTree>
+      <p:nvGrpSpPr>
+        <p:cNvPr id="1" name=""/>
+        <p:cNvGrpSpPr/>
+        <p:nvPr/>
+      </p:nvGrpSpPr>
+      <p:grpSpPr>
+        <a:xfrm>
+          <a:off x="0" y="0"/>
+          <a:ext cx="0" cy="0"/>
+          <a:chOff x="0" y="0"/>
+          <a:chExt cx="0" cy="0"/>
+        </a:xfrm>
+      </p:grpSpPr>
+      <p:sp>
+        <p:nvSpPr>
+          <p:cNvPr id="3" name="Subtitle 2"/>
+          <p:cNvSpPr>
+            <a:spLocks noGrp="1"/>
+          </p:cNvSpPr>
+          <p:nvPr>
+            <p:ph type="subTitle" idx="1"/>
+          </p:nvPr>
+        </p:nvSpPr>
+        <p:spPr>
+          <a:xfrm>
             <a:off x="30209" y="764704"/>
             <a:ext cx="8640960" cy="6480720"/>
           </a:xfrm>
@@ -7755,7 +8845,140 @@
 </p:sld>
 </file>
 
-<file path=ppt/slides/slide33.xml><?xml version="1.0" encoding="utf-8"?>
+<file path=ppt/slides/slide4.xml><?xml version="1.0" encoding="utf-8"?>
+<p:sld xmlns:a="http://schemas.openxmlformats.org/drawingml/2006/main" xmlns:r="http://schemas.openxmlformats.org/officeDocument/2006/relationships" xmlns:p="http://schemas.openxmlformats.org/presentationml/2006/main">
+  <p:cSld>
+    <p:spTree>
+      <p:nvGrpSpPr>
+        <p:cNvPr id="1" name=""/>
+        <p:cNvGrpSpPr/>
+        <p:nvPr/>
+      </p:nvGrpSpPr>
+      <p:grpSpPr>
+        <a:xfrm>
+          <a:off x="0" y="0"/>
+          <a:ext cx="0" cy="0"/>
+          <a:chOff x="0" y="0"/>
+          <a:chExt cx="0" cy="0"/>
+        </a:xfrm>
+      </p:grpSpPr>
+      <p:sp>
+        <p:nvSpPr>
+          <p:cNvPr id="3" name="Subtitle 2"/>
+          <p:cNvSpPr>
+            <a:spLocks noGrp="1"/>
+          </p:cNvSpPr>
+          <p:nvPr>
+            <p:ph type="subTitle" idx="1"/>
+          </p:nvPr>
+        </p:nvSpPr>
+        <p:spPr>
+          <a:xfrm>
+            <a:off x="323528" y="188640"/>
+            <a:ext cx="8640960" cy="6480720"/>
+          </a:xfrm>
+        </p:spPr>
+        <p:txBody>
+          <a:bodyPr>
+            <a:noAutofit/>
+          </a:bodyPr>
+          <a:lstStyle/>
+          <a:p>
+            <a:endParaRPr lang="en-GB" sz="3600" dirty="0">
+              <a:solidFill>
+                <a:schemeClr val="bg1"/>
+              </a:solidFill>
+            </a:endParaRPr>
+          </a:p>
+          <a:p>
+            <a:endParaRPr lang="en-GB" sz="3600" dirty="0">
+              <a:solidFill>
+                <a:schemeClr val="bg1"/>
+              </a:solidFill>
+            </a:endParaRPr>
+          </a:p>
+          <a:p>
+            <a:r>
+              <a:rPr lang="en-GB" sz="3600" dirty="0">
+                <a:solidFill>
+                  <a:schemeClr val="bg1"/>
+                </a:solidFill>
+              </a:rPr>
+              <a:t>Our God You reign forever</a:t>
+            </a:r>
+          </a:p>
+          <a:p>
+            <a:r>
+              <a:rPr lang="en-GB" sz="3600" dirty="0">
+                <a:solidFill>
+                  <a:schemeClr val="bg1"/>
+                </a:solidFill>
+              </a:rPr>
+              <a:t>Our Hope our strong </a:t>
+            </a:r>
+            <a:r>
+              <a:rPr lang="en-GB" sz="3600" dirty="0" err="1">
+                <a:solidFill>
+                  <a:schemeClr val="bg1"/>
+                </a:solidFill>
+              </a:rPr>
+              <a:t>Deliv'rer</a:t>
+            </a:r>
+            <a:endParaRPr lang="en-GB" sz="3600" dirty="0">
+              <a:solidFill>
+                <a:schemeClr val="bg1"/>
+              </a:solidFill>
+            </a:endParaRPr>
+          </a:p>
+        </p:txBody>
+      </p:sp>
+      <p:sp>
+        <p:nvSpPr>
+          <p:cNvPr id="4" name="TextBox 3"/>
+          <p:cNvSpPr txBox="1"/>
+          <p:nvPr/>
+        </p:nvSpPr>
+        <p:spPr>
+          <a:xfrm>
+            <a:off x="8529729" y="0"/>
+            <a:ext cx="628698" cy="461665"/>
+          </a:xfrm>
+          <a:prstGeom prst="rect">
+            <a:avLst/>
+          </a:prstGeom>
+          <a:noFill/>
+        </p:spPr>
+        <p:txBody>
+          <a:bodyPr wrap="none" rtlCol="0">
+            <a:spAutoFit/>
+          </a:bodyPr>
+          <a:lstStyle/>
+          <a:p>
+            <a:r>
+              <a:rPr lang="en-GB" sz="2400" b="1" dirty="0">
+                <a:solidFill>
+                  <a:schemeClr val="bg1"/>
+                </a:solidFill>
+              </a:rPr>
+              <a:t>2/3</a:t>
+            </a:r>
+          </a:p>
+        </p:txBody>
+      </p:sp>
+    </p:spTree>
+    <p:extLst>
+      <p:ext uri="{BB962C8B-B14F-4D97-AF65-F5344CB8AC3E}">
+        <p14:creationId xmlns:p14="http://schemas.microsoft.com/office/powerpoint/2010/main" val="2117140713"/>
+      </p:ext>
+    </p:extLst>
+  </p:cSld>
+  <p:clrMapOvr>
+    <a:masterClrMapping/>
+  </p:clrMapOvr>
+</p:sld>
+</file>
+
+<file path=ppt/slides/slide40.xml><?xml version="1.0" encoding="utf-8"?>
 <p:sld xmlns:a="http://schemas.openxmlformats.org/drawingml/2006/main" xmlns:r="http://schemas.openxmlformats.org/officeDocument/2006/relationships" xmlns:p="http://schemas.openxmlformats.org/presentationml/2006/main">
   <p:cSld>
     <p:spTree>
@@ -7791,7 +9014,7 @@
 </p:sld>
 </file>
 
-<file path=ppt/slides/slide34.xml><?xml version="1.0" encoding="utf-8"?>
+<file path=ppt/slides/slide41.xml><?xml version="1.0" encoding="utf-8"?>
 <p:sld xmlns:a="http://schemas.openxmlformats.org/drawingml/2006/main" xmlns:r="http://schemas.openxmlformats.org/officeDocument/2006/relationships" xmlns:p="http://schemas.openxmlformats.org/presentationml/2006/main">
   <p:cSld>
     <p:spTree>
@@ -7875,7 +9098,7 @@
 </p:sld>
 </file>
 
-<file path=ppt/slides/slide35.xml><?xml version="1.0" encoding="utf-8"?>
+<file path=ppt/slides/slide42.xml><?xml version="1.0" encoding="utf-8"?>
 <p:sld xmlns:a="http://schemas.openxmlformats.org/drawingml/2006/main" xmlns:r="http://schemas.openxmlformats.org/officeDocument/2006/relationships" xmlns:p="http://schemas.openxmlformats.org/presentationml/2006/main">
   <p:cSld>
     <p:spTree>
@@ -8055,1091 +9278,6 @@
     <p:extLst>
       <p:ext uri="{BB962C8B-B14F-4D97-AF65-F5344CB8AC3E}">
         <p14:creationId xmlns:p14="http://schemas.microsoft.com/office/powerpoint/2010/main" val="3781326168"/>
-      </p:ext>
-    </p:extLst>
-  </p:cSld>
-  <p:clrMapOvr>
-    <a:masterClrMapping/>
-  </p:clrMapOvr>
-</p:sld>
-</file>
-
-<file path=ppt/slides/slide36.xml><?xml version="1.0" encoding="utf-8"?>
-<p:sld xmlns:a="http://schemas.openxmlformats.org/drawingml/2006/main" xmlns:r="http://schemas.openxmlformats.org/officeDocument/2006/relationships" xmlns:p="http://schemas.openxmlformats.org/presentationml/2006/main">
-  <p:cSld>
-    <p:spTree>
-      <p:nvGrpSpPr>
-        <p:cNvPr id="1" name=""/>
-        <p:cNvGrpSpPr/>
-        <p:nvPr/>
-      </p:nvGrpSpPr>
-      <p:grpSpPr>
-        <a:xfrm>
-          <a:off x="0" y="0"/>
-          <a:ext cx="0" cy="0"/>
-          <a:chOff x="0" y="0"/>
-          <a:chExt cx="0" cy="0"/>
-        </a:xfrm>
-      </p:grpSpPr>
-      <p:sp>
-        <p:nvSpPr>
-          <p:cNvPr id="3" name="Subtitle 2"/>
-          <p:cNvSpPr>
-            <a:spLocks noGrp="1"/>
-          </p:cNvSpPr>
-          <p:nvPr>
-            <p:ph type="subTitle" idx="1"/>
-          </p:nvPr>
-        </p:nvSpPr>
-        <p:spPr>
-          <a:xfrm>
-            <a:off x="251520" y="764704"/>
-            <a:ext cx="8640960" cy="6480720"/>
-          </a:xfrm>
-        </p:spPr>
-        <p:txBody>
-          <a:bodyPr>
-            <a:noAutofit/>
-          </a:bodyPr>
-          <a:lstStyle/>
-          <a:p>
-            <a:r>
-              <a:rPr lang="en-GB" sz="4000" dirty="0">
-                <a:solidFill>
-                  <a:schemeClr val="bg1"/>
-                </a:solidFill>
-              </a:rPr>
-              <a:t>I’ll praise in the valley</a:t>
-            </a:r>
-          </a:p>
-          <a:p>
-            <a:r>
-              <a:rPr lang="en-GB" sz="4000" dirty="0">
-                <a:solidFill>
-                  <a:schemeClr val="bg1"/>
-                </a:solidFill>
-              </a:rPr>
-              <a:t>Praise on the mountain</a:t>
-            </a:r>
-          </a:p>
-          <a:p>
-            <a:r>
-              <a:rPr lang="en-GB" sz="4000" dirty="0">
-                <a:solidFill>
-                  <a:schemeClr val="bg1"/>
-                </a:solidFill>
-              </a:rPr>
-              <a:t>I’ll praise when I’m sure</a:t>
-            </a:r>
-          </a:p>
-          <a:p>
-            <a:r>
-              <a:rPr lang="en-GB" sz="4000" dirty="0">
-                <a:solidFill>
-                  <a:schemeClr val="bg1"/>
-                </a:solidFill>
-              </a:rPr>
-              <a:t>Praise when I’m doubting</a:t>
-            </a:r>
-          </a:p>
-        </p:txBody>
-      </p:sp>
-      <p:sp>
-        <p:nvSpPr>
-          <p:cNvPr id="4" name="TextBox 3"/>
-          <p:cNvSpPr txBox="1"/>
-          <p:nvPr/>
-        </p:nvSpPr>
-        <p:spPr>
-          <a:xfrm>
-            <a:off x="8316416" y="0"/>
-            <a:ext cx="784189" cy="461665"/>
-          </a:xfrm>
-          <a:prstGeom prst="rect">
-            <a:avLst/>
-          </a:prstGeom>
-          <a:noFill/>
-        </p:spPr>
-        <p:txBody>
-          <a:bodyPr wrap="none" rtlCol="0">
-            <a:spAutoFit/>
-          </a:bodyPr>
-          <a:lstStyle/>
-          <a:p>
-            <a:r>
-              <a:rPr lang="en-GB" sz="2400" b="1" dirty="0">
-                <a:solidFill>
-                  <a:schemeClr val="bg1"/>
-                </a:solidFill>
-              </a:rPr>
-              <a:t>2/16</a:t>
-            </a:r>
-          </a:p>
-        </p:txBody>
-      </p:sp>
-    </p:spTree>
-    <p:extLst>
-      <p:ext uri="{BB962C8B-B14F-4D97-AF65-F5344CB8AC3E}">
-        <p14:creationId xmlns:p14="http://schemas.microsoft.com/office/powerpoint/2010/main" val="1180271420"/>
-      </p:ext>
-    </p:extLst>
-  </p:cSld>
-  <p:clrMapOvr>
-    <a:masterClrMapping/>
-  </p:clrMapOvr>
-</p:sld>
-</file>
-
-<file path=ppt/slides/slide37.xml><?xml version="1.0" encoding="utf-8"?>
-<p:sld xmlns:a="http://schemas.openxmlformats.org/drawingml/2006/main" xmlns:r="http://schemas.openxmlformats.org/officeDocument/2006/relationships" xmlns:p="http://schemas.openxmlformats.org/presentationml/2006/main">
-  <p:cSld>
-    <p:spTree>
-      <p:nvGrpSpPr>
-        <p:cNvPr id="1" name=""/>
-        <p:cNvGrpSpPr/>
-        <p:nvPr/>
-      </p:nvGrpSpPr>
-      <p:grpSpPr>
-        <a:xfrm>
-          <a:off x="0" y="0"/>
-          <a:ext cx="0" cy="0"/>
-          <a:chOff x="0" y="0"/>
-          <a:chExt cx="0" cy="0"/>
-        </a:xfrm>
-      </p:grpSpPr>
-      <p:sp>
-        <p:nvSpPr>
-          <p:cNvPr id="3" name="Subtitle 2"/>
-          <p:cNvSpPr>
-            <a:spLocks noGrp="1"/>
-          </p:cNvSpPr>
-          <p:nvPr>
-            <p:ph type="subTitle" idx="1"/>
-          </p:nvPr>
-        </p:nvSpPr>
-        <p:spPr>
-          <a:xfrm>
-            <a:off x="251520" y="764704"/>
-            <a:ext cx="8640960" cy="6480720"/>
-          </a:xfrm>
-        </p:spPr>
-        <p:txBody>
-          <a:bodyPr>
-            <a:noAutofit/>
-          </a:bodyPr>
-          <a:lstStyle/>
-          <a:p>
-            <a:r>
-              <a:rPr lang="en-GB" sz="4000" dirty="0">
-                <a:solidFill>
-                  <a:schemeClr val="bg1"/>
-                </a:solidFill>
-              </a:rPr>
-              <a:t>I’ll praise when outnumbered</a:t>
-            </a:r>
-          </a:p>
-          <a:p>
-            <a:r>
-              <a:rPr lang="en-GB" sz="4000" dirty="0">
-                <a:solidFill>
-                  <a:schemeClr val="bg1"/>
-                </a:solidFill>
-              </a:rPr>
-              <a:t>Praise when surrounded</a:t>
-            </a:r>
-          </a:p>
-          <a:p>
-            <a:r>
-              <a:rPr lang="en-GB" sz="4000" dirty="0" err="1">
-                <a:solidFill>
-                  <a:schemeClr val="bg1"/>
-                </a:solidFill>
-              </a:rPr>
-              <a:t>'Cause</a:t>
-            </a:r>
-            <a:r>
-              <a:rPr lang="en-GB" sz="4000" dirty="0">
-                <a:solidFill>
-                  <a:schemeClr val="bg1"/>
-                </a:solidFill>
-              </a:rPr>
-              <a:t> praise is the water</a:t>
-            </a:r>
-          </a:p>
-          <a:p>
-            <a:r>
-              <a:rPr lang="en-GB" sz="4000" dirty="0">
-                <a:solidFill>
-                  <a:schemeClr val="bg1"/>
-                </a:solidFill>
-              </a:rPr>
-              <a:t>My enemies drown in</a:t>
-            </a:r>
-          </a:p>
-        </p:txBody>
-      </p:sp>
-      <p:sp>
-        <p:nvSpPr>
-          <p:cNvPr id="4" name="TextBox 3"/>
-          <p:cNvSpPr txBox="1"/>
-          <p:nvPr/>
-        </p:nvSpPr>
-        <p:spPr>
-          <a:xfrm>
-            <a:off x="8316416" y="0"/>
-            <a:ext cx="784189" cy="461665"/>
-          </a:xfrm>
-          <a:prstGeom prst="rect">
-            <a:avLst/>
-          </a:prstGeom>
-          <a:noFill/>
-        </p:spPr>
-        <p:txBody>
-          <a:bodyPr wrap="none" rtlCol="0">
-            <a:spAutoFit/>
-          </a:bodyPr>
-          <a:lstStyle/>
-          <a:p>
-            <a:r>
-              <a:rPr lang="en-GB" sz="2400" b="1" dirty="0">
-                <a:solidFill>
-                  <a:schemeClr val="bg1"/>
-                </a:solidFill>
-              </a:rPr>
-              <a:t>3/16</a:t>
-            </a:r>
-          </a:p>
-        </p:txBody>
-      </p:sp>
-    </p:spTree>
-    <p:extLst>
-      <p:ext uri="{BB962C8B-B14F-4D97-AF65-F5344CB8AC3E}">
-        <p14:creationId xmlns:p14="http://schemas.microsoft.com/office/powerpoint/2010/main" val="2098658238"/>
-      </p:ext>
-    </p:extLst>
-  </p:cSld>
-  <p:clrMapOvr>
-    <a:masterClrMapping/>
-  </p:clrMapOvr>
-</p:sld>
-</file>
-
-<file path=ppt/slides/slide38.xml><?xml version="1.0" encoding="utf-8"?>
-<p:sld xmlns:a="http://schemas.openxmlformats.org/drawingml/2006/main" xmlns:r="http://schemas.openxmlformats.org/officeDocument/2006/relationships" xmlns:p="http://schemas.openxmlformats.org/presentationml/2006/main">
-  <p:cSld>
-    <p:spTree>
-      <p:nvGrpSpPr>
-        <p:cNvPr id="1" name=""/>
-        <p:cNvGrpSpPr/>
-        <p:nvPr/>
-      </p:nvGrpSpPr>
-      <p:grpSpPr>
-        <a:xfrm>
-          <a:off x="0" y="0"/>
-          <a:ext cx="0" cy="0"/>
-          <a:chOff x="0" y="0"/>
-          <a:chExt cx="0" cy="0"/>
-        </a:xfrm>
-      </p:grpSpPr>
-      <p:sp>
-        <p:nvSpPr>
-          <p:cNvPr id="3" name="Subtitle 2"/>
-          <p:cNvSpPr>
-            <a:spLocks noGrp="1"/>
-          </p:cNvSpPr>
-          <p:nvPr>
-            <p:ph type="subTitle" idx="1"/>
-          </p:nvPr>
-        </p:nvSpPr>
-        <p:spPr>
-          <a:xfrm>
-            <a:off x="251520" y="764704"/>
-            <a:ext cx="8640960" cy="6480720"/>
-          </a:xfrm>
-        </p:spPr>
-        <p:txBody>
-          <a:bodyPr>
-            <a:noAutofit/>
-          </a:bodyPr>
-          <a:lstStyle/>
-          <a:p>
-            <a:r>
-              <a:rPr lang="en-GB" sz="4000" dirty="0">
-                <a:solidFill>
-                  <a:schemeClr val="bg1"/>
-                </a:solidFill>
-              </a:rPr>
-              <a:t>As long as I’m breathing</a:t>
-            </a:r>
-          </a:p>
-          <a:p>
-            <a:r>
-              <a:rPr lang="en-GB" sz="4000" dirty="0">
-                <a:solidFill>
-                  <a:schemeClr val="bg1"/>
-                </a:solidFill>
-              </a:rPr>
-              <a:t>I’ve got a reason to</a:t>
-            </a:r>
-            <a:br>
-              <a:rPr lang="en-GB" sz="4000" dirty="0">
-                <a:solidFill>
-                  <a:schemeClr val="bg1"/>
-                </a:solidFill>
-              </a:rPr>
-            </a:br>
-            <a:br>
-              <a:rPr lang="en-GB" sz="4000" dirty="0">
-                <a:solidFill>
-                  <a:schemeClr val="bg1"/>
-                </a:solidFill>
-              </a:rPr>
-            </a:br>
-            <a:r>
-              <a:rPr lang="en-GB" sz="4000" dirty="0">
-                <a:solidFill>
-                  <a:schemeClr val="bg1"/>
-                </a:solidFill>
-              </a:rPr>
-              <a:t>Praise the Lord oh my soul</a:t>
-            </a:r>
-          </a:p>
-          <a:p>
-            <a:r>
-              <a:rPr lang="en-GB" sz="4000" dirty="0">
-                <a:solidFill>
-                  <a:schemeClr val="bg1"/>
-                </a:solidFill>
-              </a:rPr>
-              <a:t>Praise the Lord oh my soul</a:t>
-            </a:r>
-          </a:p>
-          <a:p>
-            <a:endParaRPr lang="en-GB" sz="4000" dirty="0">
-              <a:solidFill>
-                <a:schemeClr val="bg1"/>
-              </a:solidFill>
-            </a:endParaRPr>
-          </a:p>
-        </p:txBody>
-      </p:sp>
-      <p:sp>
-        <p:nvSpPr>
-          <p:cNvPr id="4" name="TextBox 3"/>
-          <p:cNvSpPr txBox="1"/>
-          <p:nvPr/>
-        </p:nvSpPr>
-        <p:spPr>
-          <a:xfrm>
-            <a:off x="8316416" y="0"/>
-            <a:ext cx="784189" cy="461665"/>
-          </a:xfrm>
-          <a:prstGeom prst="rect">
-            <a:avLst/>
-          </a:prstGeom>
-          <a:noFill/>
-        </p:spPr>
-        <p:txBody>
-          <a:bodyPr wrap="none" rtlCol="0">
-            <a:spAutoFit/>
-          </a:bodyPr>
-          <a:lstStyle/>
-          <a:p>
-            <a:r>
-              <a:rPr lang="en-GB" sz="2400" b="1" dirty="0">
-                <a:solidFill>
-                  <a:schemeClr val="bg1"/>
-                </a:solidFill>
-              </a:rPr>
-              <a:t>4/16</a:t>
-            </a:r>
-          </a:p>
-        </p:txBody>
-      </p:sp>
-    </p:spTree>
-    <p:extLst>
-      <p:ext uri="{BB962C8B-B14F-4D97-AF65-F5344CB8AC3E}">
-        <p14:creationId xmlns:p14="http://schemas.microsoft.com/office/powerpoint/2010/main" val="3380299774"/>
-      </p:ext>
-    </p:extLst>
-  </p:cSld>
-  <p:clrMapOvr>
-    <a:masterClrMapping/>
-  </p:clrMapOvr>
-</p:sld>
-</file>
-
-<file path=ppt/slides/slide39.xml><?xml version="1.0" encoding="utf-8"?>
-<p:sld xmlns:a="http://schemas.openxmlformats.org/drawingml/2006/main" xmlns:r="http://schemas.openxmlformats.org/officeDocument/2006/relationships" xmlns:p="http://schemas.openxmlformats.org/presentationml/2006/main">
-  <p:cSld>
-    <p:spTree>
-      <p:nvGrpSpPr>
-        <p:cNvPr id="1" name=""/>
-        <p:cNvGrpSpPr/>
-        <p:nvPr/>
-      </p:nvGrpSpPr>
-      <p:grpSpPr>
-        <a:xfrm>
-          <a:off x="0" y="0"/>
-          <a:ext cx="0" cy="0"/>
-          <a:chOff x="0" y="0"/>
-          <a:chExt cx="0" cy="0"/>
-        </a:xfrm>
-      </p:grpSpPr>
-      <p:sp>
-        <p:nvSpPr>
-          <p:cNvPr id="3" name="Subtitle 2"/>
-          <p:cNvSpPr>
-            <a:spLocks noGrp="1"/>
-          </p:cNvSpPr>
-          <p:nvPr>
-            <p:ph type="subTitle" idx="1"/>
-          </p:nvPr>
-        </p:nvSpPr>
-        <p:spPr>
-          <a:xfrm>
-            <a:off x="251520" y="764704"/>
-            <a:ext cx="8640960" cy="6480720"/>
-          </a:xfrm>
-        </p:spPr>
-        <p:txBody>
-          <a:bodyPr>
-            <a:noAutofit/>
-          </a:bodyPr>
-          <a:lstStyle/>
-          <a:p>
-            <a:r>
-              <a:rPr lang="en-GB" sz="4000" dirty="0">
-                <a:solidFill>
-                  <a:schemeClr val="bg1"/>
-                </a:solidFill>
-              </a:rPr>
-              <a:t>I’ll praise when I feel it</a:t>
-            </a:r>
-          </a:p>
-          <a:p>
-            <a:r>
-              <a:rPr lang="en-GB" sz="4000" dirty="0">
-                <a:solidFill>
-                  <a:schemeClr val="bg1"/>
-                </a:solidFill>
-              </a:rPr>
-              <a:t>And I’ll praise when I don’t</a:t>
-            </a:r>
-          </a:p>
-          <a:p>
-            <a:r>
-              <a:rPr lang="en-GB" sz="4000" dirty="0">
-                <a:solidFill>
-                  <a:schemeClr val="bg1"/>
-                </a:solidFill>
-              </a:rPr>
-              <a:t>I’ll praise </a:t>
-            </a:r>
-            <a:r>
-              <a:rPr lang="en-GB" sz="4000" dirty="0" err="1">
-                <a:solidFill>
-                  <a:schemeClr val="bg1"/>
-                </a:solidFill>
-              </a:rPr>
-              <a:t>'cause</a:t>
-            </a:r>
-            <a:r>
-              <a:rPr lang="en-GB" sz="4000" dirty="0">
-                <a:solidFill>
-                  <a:schemeClr val="bg1"/>
-                </a:solidFill>
-              </a:rPr>
-              <a:t> I know</a:t>
-            </a:r>
-          </a:p>
-          <a:p>
-            <a:r>
-              <a:rPr lang="en-GB" sz="4000" dirty="0">
-                <a:solidFill>
-                  <a:schemeClr val="bg1"/>
-                </a:solidFill>
-              </a:rPr>
-              <a:t>You’re still in control</a:t>
-            </a:r>
-          </a:p>
-        </p:txBody>
-      </p:sp>
-      <p:sp>
-        <p:nvSpPr>
-          <p:cNvPr id="4" name="TextBox 3"/>
-          <p:cNvSpPr txBox="1"/>
-          <p:nvPr/>
-        </p:nvSpPr>
-        <p:spPr>
-          <a:xfrm>
-            <a:off x="8316416" y="0"/>
-            <a:ext cx="784189" cy="461665"/>
-          </a:xfrm>
-          <a:prstGeom prst="rect">
-            <a:avLst/>
-          </a:prstGeom>
-          <a:noFill/>
-        </p:spPr>
-        <p:txBody>
-          <a:bodyPr wrap="none" rtlCol="0">
-            <a:spAutoFit/>
-          </a:bodyPr>
-          <a:lstStyle/>
-          <a:p>
-            <a:r>
-              <a:rPr lang="en-GB" sz="2400" b="1" dirty="0">
-                <a:solidFill>
-                  <a:schemeClr val="bg1"/>
-                </a:solidFill>
-              </a:rPr>
-              <a:t>5/16</a:t>
-            </a:r>
-          </a:p>
-        </p:txBody>
-      </p:sp>
-    </p:spTree>
-    <p:extLst>
-      <p:ext uri="{BB962C8B-B14F-4D97-AF65-F5344CB8AC3E}">
-        <p14:creationId xmlns:p14="http://schemas.microsoft.com/office/powerpoint/2010/main" val="1493042001"/>
-      </p:ext>
-    </p:extLst>
-  </p:cSld>
-  <p:clrMapOvr>
-    <a:masterClrMapping/>
-  </p:clrMapOvr>
-</p:sld>
-</file>
-
-<file path=ppt/slides/slide4.xml><?xml version="1.0" encoding="utf-8"?>
-<p:sld xmlns:a="http://schemas.openxmlformats.org/drawingml/2006/main" xmlns:r="http://schemas.openxmlformats.org/officeDocument/2006/relationships" xmlns:p="http://schemas.openxmlformats.org/presentationml/2006/main">
-  <p:cSld>
-    <p:spTree>
-      <p:nvGrpSpPr>
-        <p:cNvPr id="1" name=""/>
-        <p:cNvGrpSpPr/>
-        <p:nvPr/>
-      </p:nvGrpSpPr>
-      <p:grpSpPr>
-        <a:xfrm>
-          <a:off x="0" y="0"/>
-          <a:ext cx="0" cy="0"/>
-          <a:chOff x="0" y="0"/>
-          <a:chExt cx="0" cy="0"/>
-        </a:xfrm>
-      </p:grpSpPr>
-      <p:sp>
-        <p:nvSpPr>
-          <p:cNvPr id="3" name="Subtitle 2"/>
-          <p:cNvSpPr>
-            <a:spLocks noGrp="1"/>
-          </p:cNvSpPr>
-          <p:nvPr>
-            <p:ph type="subTitle" idx="1"/>
-          </p:nvPr>
-        </p:nvSpPr>
-        <p:spPr>
-          <a:xfrm>
-            <a:off x="323528" y="188640"/>
-            <a:ext cx="8640960" cy="6480720"/>
-          </a:xfrm>
-        </p:spPr>
-        <p:txBody>
-          <a:bodyPr>
-            <a:noAutofit/>
-          </a:bodyPr>
-          <a:lstStyle/>
-          <a:p>
-            <a:endParaRPr lang="en-GB" sz="3600" dirty="0">
-              <a:solidFill>
-                <a:schemeClr val="bg1"/>
-              </a:solidFill>
-            </a:endParaRPr>
-          </a:p>
-          <a:p>
-            <a:endParaRPr lang="en-GB" sz="3600" dirty="0">
-              <a:solidFill>
-                <a:schemeClr val="bg1"/>
-              </a:solidFill>
-            </a:endParaRPr>
-          </a:p>
-          <a:p>
-            <a:r>
-              <a:rPr lang="en-GB" sz="3600" dirty="0">
-                <a:solidFill>
-                  <a:schemeClr val="bg1"/>
-                </a:solidFill>
-              </a:rPr>
-              <a:t>Our God You reign forever</a:t>
-            </a:r>
-          </a:p>
-          <a:p>
-            <a:r>
-              <a:rPr lang="en-GB" sz="3600" dirty="0">
-                <a:solidFill>
-                  <a:schemeClr val="bg1"/>
-                </a:solidFill>
-              </a:rPr>
-              <a:t>Our Hope our strong </a:t>
-            </a:r>
-            <a:r>
-              <a:rPr lang="en-GB" sz="3600" dirty="0" err="1">
-                <a:solidFill>
-                  <a:schemeClr val="bg1"/>
-                </a:solidFill>
-              </a:rPr>
-              <a:t>Deliv'rer</a:t>
-            </a:r>
-            <a:endParaRPr lang="en-GB" sz="3600" dirty="0">
-              <a:solidFill>
-                <a:schemeClr val="bg1"/>
-              </a:solidFill>
-            </a:endParaRPr>
-          </a:p>
-        </p:txBody>
-      </p:sp>
-      <p:sp>
-        <p:nvSpPr>
-          <p:cNvPr id="4" name="TextBox 3"/>
-          <p:cNvSpPr txBox="1"/>
-          <p:nvPr/>
-        </p:nvSpPr>
-        <p:spPr>
-          <a:xfrm>
-            <a:off x="8529729" y="0"/>
-            <a:ext cx="628698" cy="461665"/>
-          </a:xfrm>
-          <a:prstGeom prst="rect">
-            <a:avLst/>
-          </a:prstGeom>
-          <a:noFill/>
-        </p:spPr>
-        <p:txBody>
-          <a:bodyPr wrap="none" rtlCol="0">
-            <a:spAutoFit/>
-          </a:bodyPr>
-          <a:lstStyle/>
-          <a:p>
-            <a:r>
-              <a:rPr lang="en-GB" sz="2400" b="1" dirty="0">
-                <a:solidFill>
-                  <a:schemeClr val="bg1"/>
-                </a:solidFill>
-              </a:rPr>
-              <a:t>2/3</a:t>
-            </a:r>
-          </a:p>
-        </p:txBody>
-      </p:sp>
-    </p:spTree>
-    <p:extLst>
-      <p:ext uri="{BB962C8B-B14F-4D97-AF65-F5344CB8AC3E}">
-        <p14:creationId xmlns:p14="http://schemas.microsoft.com/office/powerpoint/2010/main" val="2117140713"/>
-      </p:ext>
-    </p:extLst>
-  </p:cSld>
-  <p:clrMapOvr>
-    <a:masterClrMapping/>
-  </p:clrMapOvr>
-</p:sld>
-</file>
-
-<file path=ppt/slides/slide40.xml><?xml version="1.0" encoding="utf-8"?>
-<p:sld xmlns:a="http://schemas.openxmlformats.org/drawingml/2006/main" xmlns:r="http://schemas.openxmlformats.org/officeDocument/2006/relationships" xmlns:p="http://schemas.openxmlformats.org/presentationml/2006/main">
-  <p:cSld>
-    <p:spTree>
-      <p:nvGrpSpPr>
-        <p:cNvPr id="1" name=""/>
-        <p:cNvGrpSpPr/>
-        <p:nvPr/>
-      </p:nvGrpSpPr>
-      <p:grpSpPr>
-        <a:xfrm>
-          <a:off x="0" y="0"/>
-          <a:ext cx="0" cy="0"/>
-          <a:chOff x="0" y="0"/>
-          <a:chExt cx="0" cy="0"/>
-        </a:xfrm>
-      </p:grpSpPr>
-      <p:sp>
-        <p:nvSpPr>
-          <p:cNvPr id="3" name="Subtitle 2"/>
-          <p:cNvSpPr>
-            <a:spLocks noGrp="1"/>
-          </p:cNvSpPr>
-          <p:nvPr>
-            <p:ph type="subTitle" idx="1"/>
-          </p:nvPr>
-        </p:nvSpPr>
-        <p:spPr>
-          <a:xfrm>
-            <a:off x="251520" y="764704"/>
-            <a:ext cx="8640960" cy="6480720"/>
-          </a:xfrm>
-        </p:spPr>
-        <p:txBody>
-          <a:bodyPr>
-            <a:noAutofit/>
-          </a:bodyPr>
-          <a:lstStyle/>
-          <a:p>
-            <a:r>
-              <a:rPr lang="en-GB" sz="4000" dirty="0" err="1">
-                <a:solidFill>
-                  <a:schemeClr val="bg1"/>
-                </a:solidFill>
-              </a:rPr>
-              <a:t>'Cause</a:t>
-            </a:r>
-            <a:r>
-              <a:rPr lang="en-GB" sz="4000" dirty="0">
-                <a:solidFill>
-                  <a:schemeClr val="bg1"/>
-                </a:solidFill>
-              </a:rPr>
-              <a:t> my praise is a weapon</a:t>
-            </a:r>
-          </a:p>
-          <a:p>
-            <a:r>
-              <a:rPr lang="en-GB" sz="4000" dirty="0">
-                <a:solidFill>
-                  <a:schemeClr val="bg1"/>
-                </a:solidFill>
-              </a:rPr>
-              <a:t>It’s more than a sound</a:t>
-            </a:r>
-          </a:p>
-          <a:p>
-            <a:r>
-              <a:rPr lang="en-GB" sz="4000" dirty="0">
-                <a:solidFill>
-                  <a:schemeClr val="bg1"/>
-                </a:solidFill>
-              </a:rPr>
-              <a:t>My praise is the shout</a:t>
-            </a:r>
-          </a:p>
-          <a:p>
-            <a:r>
-              <a:rPr lang="en-GB" sz="4000" dirty="0">
-                <a:solidFill>
-                  <a:schemeClr val="bg1"/>
-                </a:solidFill>
-              </a:rPr>
-              <a:t>That brings Jericho down</a:t>
-            </a:r>
-          </a:p>
-        </p:txBody>
-      </p:sp>
-      <p:sp>
-        <p:nvSpPr>
-          <p:cNvPr id="4" name="TextBox 3"/>
-          <p:cNvSpPr txBox="1"/>
-          <p:nvPr/>
-        </p:nvSpPr>
-        <p:spPr>
-          <a:xfrm>
-            <a:off x="8316416" y="0"/>
-            <a:ext cx="784189" cy="461665"/>
-          </a:xfrm>
-          <a:prstGeom prst="rect">
-            <a:avLst/>
-          </a:prstGeom>
-          <a:noFill/>
-        </p:spPr>
-        <p:txBody>
-          <a:bodyPr wrap="none" rtlCol="0">
-            <a:spAutoFit/>
-          </a:bodyPr>
-          <a:lstStyle/>
-          <a:p>
-            <a:r>
-              <a:rPr lang="en-GB" sz="2400" b="1" dirty="0">
-                <a:solidFill>
-                  <a:schemeClr val="bg1"/>
-                </a:solidFill>
-              </a:rPr>
-              <a:t>6/16</a:t>
-            </a:r>
-          </a:p>
-        </p:txBody>
-      </p:sp>
-    </p:spTree>
-    <p:extLst>
-      <p:ext uri="{BB962C8B-B14F-4D97-AF65-F5344CB8AC3E}">
-        <p14:creationId xmlns:p14="http://schemas.microsoft.com/office/powerpoint/2010/main" val="2143340709"/>
-      </p:ext>
-    </p:extLst>
-  </p:cSld>
-  <p:clrMapOvr>
-    <a:masterClrMapping/>
-  </p:clrMapOvr>
-</p:sld>
-</file>
-
-<file path=ppt/slides/slide41.xml><?xml version="1.0" encoding="utf-8"?>
-<p:sld xmlns:a="http://schemas.openxmlformats.org/drawingml/2006/main" xmlns:r="http://schemas.openxmlformats.org/officeDocument/2006/relationships" xmlns:p="http://schemas.openxmlformats.org/presentationml/2006/main">
-  <p:cSld>
-    <p:spTree>
-      <p:nvGrpSpPr>
-        <p:cNvPr id="1" name=""/>
-        <p:cNvGrpSpPr/>
-        <p:nvPr/>
-      </p:nvGrpSpPr>
-      <p:grpSpPr>
-        <a:xfrm>
-          <a:off x="0" y="0"/>
-          <a:ext cx="0" cy="0"/>
-          <a:chOff x="0" y="0"/>
-          <a:chExt cx="0" cy="0"/>
-        </a:xfrm>
-      </p:grpSpPr>
-      <p:sp>
-        <p:nvSpPr>
-          <p:cNvPr id="3" name="Subtitle 2"/>
-          <p:cNvSpPr>
-            <a:spLocks noGrp="1"/>
-          </p:cNvSpPr>
-          <p:nvPr>
-            <p:ph type="subTitle" idx="1"/>
-          </p:nvPr>
-        </p:nvSpPr>
-        <p:spPr>
-          <a:xfrm>
-            <a:off x="251520" y="764704"/>
-            <a:ext cx="8640960" cy="6480720"/>
-          </a:xfrm>
-        </p:spPr>
-        <p:txBody>
-          <a:bodyPr>
-            <a:noAutofit/>
-          </a:bodyPr>
-          <a:lstStyle/>
-          <a:p>
-            <a:r>
-              <a:rPr lang="en-GB" sz="4000" dirty="0">
-                <a:solidFill>
-                  <a:schemeClr val="bg1"/>
-                </a:solidFill>
-              </a:rPr>
-              <a:t>As long as I’m breathing</a:t>
-            </a:r>
-          </a:p>
-          <a:p>
-            <a:r>
-              <a:rPr lang="en-GB" sz="4000" dirty="0">
-                <a:solidFill>
-                  <a:schemeClr val="bg1"/>
-                </a:solidFill>
-              </a:rPr>
-              <a:t>I’ve got a reason to</a:t>
-            </a:r>
-            <a:br>
-              <a:rPr lang="en-GB" sz="4000" dirty="0">
-                <a:solidFill>
-                  <a:schemeClr val="bg1"/>
-                </a:solidFill>
-              </a:rPr>
-            </a:br>
-            <a:br>
-              <a:rPr lang="en-GB" sz="4000" dirty="0">
-                <a:solidFill>
-                  <a:schemeClr val="bg1"/>
-                </a:solidFill>
-              </a:rPr>
-            </a:br>
-            <a:r>
-              <a:rPr lang="en-GB" sz="4000" dirty="0">
-                <a:solidFill>
-                  <a:schemeClr val="bg1"/>
-                </a:solidFill>
-              </a:rPr>
-              <a:t>Praise the Lord oh my soul</a:t>
-            </a:r>
-          </a:p>
-          <a:p>
-            <a:r>
-              <a:rPr lang="en-GB" sz="4000" dirty="0">
-                <a:solidFill>
-                  <a:schemeClr val="bg1"/>
-                </a:solidFill>
-              </a:rPr>
-              <a:t>Praise the Lord oh my soul</a:t>
-            </a:r>
-          </a:p>
-          <a:p>
-            <a:endParaRPr lang="en-GB" sz="4000" dirty="0">
-              <a:solidFill>
-                <a:schemeClr val="bg1"/>
-              </a:solidFill>
-            </a:endParaRPr>
-          </a:p>
-        </p:txBody>
-      </p:sp>
-      <p:sp>
-        <p:nvSpPr>
-          <p:cNvPr id="4" name="TextBox 3"/>
-          <p:cNvSpPr txBox="1"/>
-          <p:nvPr/>
-        </p:nvSpPr>
-        <p:spPr>
-          <a:xfrm>
-            <a:off x="8316416" y="0"/>
-            <a:ext cx="784189" cy="461665"/>
-          </a:xfrm>
-          <a:prstGeom prst="rect">
-            <a:avLst/>
-          </a:prstGeom>
-          <a:noFill/>
-        </p:spPr>
-        <p:txBody>
-          <a:bodyPr wrap="none" rtlCol="0">
-            <a:spAutoFit/>
-          </a:bodyPr>
-          <a:lstStyle/>
-          <a:p>
-            <a:r>
-              <a:rPr lang="en-GB" sz="2400" b="1" dirty="0">
-                <a:solidFill>
-                  <a:schemeClr val="bg1"/>
-                </a:solidFill>
-              </a:rPr>
-              <a:t>7/16</a:t>
-            </a:r>
-          </a:p>
-        </p:txBody>
-      </p:sp>
-    </p:spTree>
-    <p:extLst>
-      <p:ext uri="{BB962C8B-B14F-4D97-AF65-F5344CB8AC3E}">
-        <p14:creationId xmlns:p14="http://schemas.microsoft.com/office/powerpoint/2010/main" val="2606885671"/>
-      </p:ext>
-    </p:extLst>
-  </p:cSld>
-  <p:clrMapOvr>
-    <a:masterClrMapping/>
-  </p:clrMapOvr>
-</p:sld>
-</file>
-
-<file path=ppt/slides/slide42.xml><?xml version="1.0" encoding="utf-8"?>
-<p:sld xmlns:a="http://schemas.openxmlformats.org/drawingml/2006/main" xmlns:r="http://schemas.openxmlformats.org/officeDocument/2006/relationships" xmlns:p="http://schemas.openxmlformats.org/presentationml/2006/main">
-  <p:cSld>
-    <p:spTree>
-      <p:nvGrpSpPr>
-        <p:cNvPr id="1" name=""/>
-        <p:cNvGrpSpPr/>
-        <p:nvPr/>
-      </p:nvGrpSpPr>
-      <p:grpSpPr>
-        <a:xfrm>
-          <a:off x="0" y="0"/>
-          <a:ext cx="0" cy="0"/>
-          <a:chOff x="0" y="0"/>
-          <a:chExt cx="0" cy="0"/>
-        </a:xfrm>
-      </p:grpSpPr>
-      <p:sp>
-        <p:nvSpPr>
-          <p:cNvPr id="3" name="Subtitle 2"/>
-          <p:cNvSpPr>
-            <a:spLocks noGrp="1"/>
-          </p:cNvSpPr>
-          <p:nvPr>
-            <p:ph type="subTitle" idx="1"/>
-          </p:nvPr>
-        </p:nvSpPr>
-        <p:spPr>
-          <a:xfrm>
-            <a:off x="251520" y="764704"/>
-            <a:ext cx="8640960" cy="6480720"/>
-          </a:xfrm>
-        </p:spPr>
-        <p:txBody>
-          <a:bodyPr>
-            <a:noAutofit/>
-          </a:bodyPr>
-          <a:lstStyle/>
-          <a:p>
-            <a:r>
-              <a:rPr lang="en-GB" sz="4000" dirty="0">
-                <a:solidFill>
-                  <a:schemeClr val="bg1"/>
-                </a:solidFill>
-              </a:rPr>
-              <a:t>I won’t be quiet</a:t>
-            </a:r>
-          </a:p>
-          <a:p>
-            <a:r>
-              <a:rPr lang="en-GB" sz="4000" dirty="0">
-                <a:solidFill>
-                  <a:schemeClr val="bg1"/>
-                </a:solidFill>
-              </a:rPr>
-              <a:t>My God is alive</a:t>
-            </a:r>
-          </a:p>
-          <a:p>
-            <a:r>
-              <a:rPr lang="en-GB" sz="4000" dirty="0">
-                <a:solidFill>
-                  <a:schemeClr val="bg1"/>
-                </a:solidFill>
-              </a:rPr>
-              <a:t>How could I keep it inside</a:t>
-            </a:r>
-          </a:p>
-          <a:p>
-            <a:r>
-              <a:rPr lang="en-GB" sz="4000" dirty="0">
-                <a:solidFill>
-                  <a:schemeClr val="bg1"/>
-                </a:solidFill>
-              </a:rPr>
-              <a:t>Praise the Lord oh my soul</a:t>
-            </a:r>
-          </a:p>
-        </p:txBody>
-      </p:sp>
-      <p:sp>
-        <p:nvSpPr>
-          <p:cNvPr id="4" name="TextBox 3"/>
-          <p:cNvSpPr txBox="1"/>
-          <p:nvPr/>
-        </p:nvSpPr>
-        <p:spPr>
-          <a:xfrm>
-            <a:off x="8316416" y="0"/>
-            <a:ext cx="784189" cy="461665"/>
-          </a:xfrm>
-          <a:prstGeom prst="rect">
-            <a:avLst/>
-          </a:prstGeom>
-          <a:noFill/>
-        </p:spPr>
-        <p:txBody>
-          <a:bodyPr wrap="none" rtlCol="0">
-            <a:spAutoFit/>
-          </a:bodyPr>
-          <a:lstStyle/>
-          <a:p>
-            <a:r>
-              <a:rPr lang="en-GB" sz="2400" b="1" dirty="0">
-                <a:solidFill>
-                  <a:schemeClr val="bg1"/>
-                </a:solidFill>
-              </a:rPr>
-              <a:t>8/16</a:t>
-            </a:r>
-          </a:p>
-        </p:txBody>
-      </p:sp>
-    </p:spTree>
-    <p:extLst>
-      <p:ext uri="{BB962C8B-B14F-4D97-AF65-F5344CB8AC3E}">
-        <p14:creationId xmlns:p14="http://schemas.microsoft.com/office/powerpoint/2010/main" val="612916031"/>
       </p:ext>
     </p:extLst>
   </p:cSld>
@@ -9194,23 +9332,17 @@
                   <a:schemeClr val="bg1"/>
                 </a:solidFill>
               </a:rPr>
-              <a:t>I’ll praise </a:t>
-            </a:r>
-            <a:r>
-              <a:rPr lang="en-GB" sz="4000" dirty="0" err="1">
-                <a:solidFill>
-                  <a:schemeClr val="bg1"/>
-                </a:solidFill>
-              </a:rPr>
-              <a:t>'cause</a:t>
-            </a:r>
+              <a:t>I’ll praise in the valley</a:t>
+            </a:r>
+          </a:p>
+          <a:p>
             <a:r>
               <a:rPr lang="en-GB" sz="4000" dirty="0">
                 <a:solidFill>
                   <a:schemeClr val="bg1"/>
                 </a:solidFill>
               </a:rPr>
-              <a:t> You’re sovereign</a:t>
+              <a:t>Praise on the mountain</a:t>
             </a:r>
           </a:p>
           <a:p>
@@ -9220,127 +9352,17 @@
                   <a:schemeClr val="bg1"/>
                 </a:solidFill>
               </a:rPr>
-              <a:t>Praise </a:t>
-            </a:r>
-            <a:r>
-              <a:rPr lang="en-GB" sz="4000" dirty="0" err="1">
-                <a:solidFill>
-                  <a:schemeClr val="bg1"/>
-                </a:solidFill>
-              </a:rPr>
-              <a:t>'cause</a:t>
-            </a:r>
+              <a:t>I’ll praise when I’m sure</a:t>
+            </a:r>
+          </a:p>
+          <a:p>
             <a:r>
               <a:rPr lang="en-GB" sz="4000" dirty="0">
                 <a:solidFill>
                   <a:schemeClr val="bg1"/>
                 </a:solidFill>
               </a:rPr>
-              <a:t> You reign</a:t>
-            </a:r>
-          </a:p>
-          <a:p>
-            <a:r>
-              <a:rPr lang="en-GB" sz="4000" dirty="0">
-                <a:solidFill>
-                  <a:schemeClr val="bg1"/>
-                </a:solidFill>
-              </a:rPr>
-              <a:t>Praise </a:t>
-            </a:r>
-            <a:r>
-              <a:rPr lang="en-GB" sz="4000" dirty="0" err="1">
-                <a:solidFill>
-                  <a:schemeClr val="bg1"/>
-                </a:solidFill>
-              </a:rPr>
-              <a:t>'cause</a:t>
-            </a:r>
-            <a:r>
-              <a:rPr lang="en-GB" sz="4000" dirty="0">
-                <a:solidFill>
-                  <a:schemeClr val="bg1"/>
-                </a:solidFill>
-              </a:rPr>
-              <a:t> You rose and defeated the grave</a:t>
-            </a:r>
-          </a:p>
-          <a:p>
-            <a:r>
-              <a:rPr lang="en-GB" sz="4000" dirty="0">
-                <a:solidFill>
-                  <a:schemeClr val="bg1"/>
-                </a:solidFill>
-              </a:rPr>
-              <a:t>I’ll praise </a:t>
-            </a:r>
-            <a:r>
-              <a:rPr lang="en-GB" sz="4000" dirty="0" err="1">
-                <a:solidFill>
-                  <a:schemeClr val="bg1"/>
-                </a:solidFill>
-              </a:rPr>
-              <a:t>'cause</a:t>
-            </a:r>
-            <a:r>
-              <a:rPr lang="en-GB" sz="4000" dirty="0">
-                <a:solidFill>
-                  <a:schemeClr val="bg1"/>
-                </a:solidFill>
-              </a:rPr>
-              <a:t> You’re faithful</a:t>
-            </a:r>
-          </a:p>
-          <a:p>
-            <a:r>
-              <a:rPr lang="en-GB" sz="4000" dirty="0">
-                <a:solidFill>
-                  <a:schemeClr val="bg1"/>
-                </a:solidFill>
-              </a:rPr>
-              <a:t>Praise </a:t>
-            </a:r>
-            <a:r>
-              <a:rPr lang="en-GB" sz="4000" dirty="0" err="1">
-                <a:solidFill>
-                  <a:schemeClr val="bg1"/>
-                </a:solidFill>
-              </a:rPr>
-              <a:t>'cause</a:t>
-            </a:r>
-            <a:r>
-              <a:rPr lang="en-GB" sz="4000" dirty="0">
-                <a:solidFill>
-                  <a:schemeClr val="bg1"/>
-                </a:solidFill>
-              </a:rPr>
-              <a:t> You’re true</a:t>
-            </a:r>
-          </a:p>
-          <a:p>
-            <a:r>
-              <a:rPr lang="en-GB" sz="4000" dirty="0">
-                <a:solidFill>
-                  <a:schemeClr val="bg1"/>
-                </a:solidFill>
-              </a:rPr>
-              <a:t>Praise </a:t>
-            </a:r>
-            <a:r>
-              <a:rPr lang="en-GB" sz="4000" dirty="0" err="1">
-                <a:solidFill>
-                  <a:schemeClr val="bg1"/>
-                </a:solidFill>
-              </a:rPr>
-              <a:t>'cause</a:t>
-            </a:r>
-            <a:r>
-              <a:rPr lang="en-GB" sz="4000" dirty="0">
-                <a:solidFill>
-                  <a:schemeClr val="bg1"/>
-                </a:solidFill>
-              </a:rPr>
-              <a:t> there’s nobody greater than You</a:t>
+              <a:t>Praise when I’m doubting</a:t>
             </a:r>
           </a:p>
         </p:txBody>
@@ -9373,7 +9395,7 @@
                   <a:schemeClr val="bg1"/>
                 </a:solidFill>
               </a:rPr>
-              <a:t>9/16</a:t>
+              <a:t>2/16</a:t>
             </a:r>
           </a:p>
         </p:txBody>
@@ -9381,7 +9403,7 @@
     </p:spTree>
     <p:extLst>
       <p:ext uri="{BB962C8B-B14F-4D97-AF65-F5344CB8AC3E}">
-        <p14:creationId xmlns:p14="http://schemas.microsoft.com/office/powerpoint/2010/main" val="2717275178"/>
+        <p14:creationId xmlns:p14="http://schemas.microsoft.com/office/powerpoint/2010/main" val="1180271420"/>
       </p:ext>
     </p:extLst>
   </p:cSld>
@@ -9436,7 +9458,7 @@
                   <a:schemeClr val="bg1"/>
                 </a:solidFill>
               </a:rPr>
-              <a:t>Praise the Lord oh my soul</a:t>
+              <a:t>I’ll praise when outnumbered</a:t>
             </a:r>
           </a:p>
           <a:p>
@@ -9446,17 +9468,25 @@
                   <a:schemeClr val="bg1"/>
                 </a:solidFill>
               </a:rPr>
-              <a:t>Praise the Lord oh my soul</a:t>
-            </a:r>
-          </a:p>
-          <a:p>
+              <a:t>Praise when surrounded</a:t>
+            </a:r>
+          </a:p>
+          <a:p>
+            <a:r>
+              <a:rPr lang="en-GB" sz="4000" dirty="0" err="1">
+                <a:solidFill>
+                  <a:schemeClr val="bg1"/>
+                </a:solidFill>
+              </a:rPr>
+              <a:t>'Cause</a:t>
+            </a:r>
             <a:r>
               <a:rPr lang="en-GB" sz="4000" dirty="0">
                 <a:solidFill>
                   <a:schemeClr val="bg1"/>
                 </a:solidFill>
               </a:rPr>
-              <a:t>Praise the Lord oh my soul</a:t>
+              <a:t> praise is the water</a:t>
             </a:r>
           </a:p>
           <a:p>
@@ -9466,37 +9496,7 @@
                   <a:schemeClr val="bg1"/>
                 </a:solidFill>
               </a:rPr>
-              <a:t>Praise the Lord oh my soul</a:t>
-            </a:r>
-          </a:p>
-          <a:p>
-            <a:r>
-              <a:rPr lang="en-GB" sz="4000" dirty="0">
-                <a:solidFill>
-                  <a:schemeClr val="bg1"/>
-                </a:solidFill>
-              </a:rPr>
-              <a:t>I won’t be quiet</a:t>
-            </a:r>
-          </a:p>
-          <a:p>
-            <a:r>
-              <a:rPr lang="en-GB" sz="4000" dirty="0">
-                <a:solidFill>
-                  <a:schemeClr val="bg1"/>
-                </a:solidFill>
-              </a:rPr>
-              <a:t>My God is alive</a:t>
-            </a:r>
-          </a:p>
-          <a:p>
-            <a:r>
-              <a:rPr lang="en-GB" sz="4000" dirty="0">
-                <a:solidFill>
-                  <a:schemeClr val="bg1"/>
-                </a:solidFill>
-              </a:rPr>
-              <a:t>How could I keep it inside</a:t>
+              <a:t>My enemies drown in</a:t>
             </a:r>
           </a:p>
         </p:txBody>
@@ -9509,8 +9509,8 @@
         </p:nvSpPr>
         <p:spPr>
           <a:xfrm>
-            <a:off x="8236995" y="0"/>
-            <a:ext cx="939681" cy="461665"/>
+            <a:off x="8316416" y="0"/>
+            <a:ext cx="784189" cy="461665"/>
           </a:xfrm>
           <a:prstGeom prst="rect">
             <a:avLst/>
@@ -9529,7 +9529,7 @@
                   <a:schemeClr val="bg1"/>
                 </a:solidFill>
               </a:rPr>
-              <a:t>10/16</a:t>
+              <a:t>3/16</a:t>
             </a:r>
           </a:p>
         </p:txBody>
@@ -9537,7 +9537,7 @@
     </p:spTree>
     <p:extLst>
       <p:ext uri="{BB962C8B-B14F-4D97-AF65-F5344CB8AC3E}">
-        <p14:creationId xmlns:p14="http://schemas.microsoft.com/office/powerpoint/2010/main" val="3928456355"/>
+        <p14:creationId xmlns:p14="http://schemas.microsoft.com/office/powerpoint/2010/main" val="2098658238"/>
       </p:ext>
     </p:extLst>
   </p:cSld>
@@ -9592,7 +9592,7 @@
                   <a:schemeClr val="bg1"/>
                 </a:solidFill>
               </a:rPr>
-              <a:t>I won’t be quiet</a:t>
+              <a:t>As long as I’m breathing</a:t>
             </a:r>
           </a:p>
           <a:p>
@@ -9602,37 +9602,29 @@
                   <a:schemeClr val="bg1"/>
                 </a:solidFill>
               </a:rPr>
-              <a:t>My God is alive</a:t>
-            </a:r>
-          </a:p>
-          <a:p>
-            <a:r>
+              <a:t>I’ve got a reason to</a:t>
+            </a:r>
+            <a:br>
               <a:rPr lang="en-GB" sz="4000" dirty="0">
                 <a:solidFill>
                   <a:schemeClr val="bg1"/>
                 </a:solidFill>
               </a:rPr>
-              <a:t>How could I keep it inside</a:t>
-            </a:r>
-          </a:p>
-          <a:p>
-            <a:r>
+            </a:br>
+            <a:br>
               <a:rPr lang="en-GB" sz="4000" dirty="0">
                 <a:solidFill>
                   <a:schemeClr val="bg1"/>
                 </a:solidFill>
               </a:rPr>
-              <a:t>I won’t be quiet</a:t>
-            </a:r>
-          </a:p>
-          <a:p>
+            </a:br>
             <a:r>
               <a:rPr lang="en-GB" sz="4000" dirty="0">
                 <a:solidFill>
                   <a:schemeClr val="bg1"/>
                 </a:solidFill>
               </a:rPr>
-              <a:t>My God is alive</a:t>
+              <a:t>Praise the Lord oh my soul</a:t>
             </a:r>
           </a:p>
           <a:p>
@@ -9642,18 +9634,15 @@
                   <a:schemeClr val="bg1"/>
                 </a:solidFill>
               </a:rPr>
-              <a:t>How could I keep it inside</a:t>
-            </a:r>
-          </a:p>
-          <a:p>
-            <a:r>
-              <a:rPr lang="en-GB" sz="4000" dirty="0">
-                <a:solidFill>
-                  <a:schemeClr val="bg1"/>
-                </a:solidFill>
-              </a:rPr>
               <a:t>Praise the Lord oh my soul</a:t>
             </a:r>
+          </a:p>
+          <a:p>
+            <a:endParaRPr lang="en-GB" sz="4000" dirty="0">
+              <a:solidFill>
+                <a:schemeClr val="bg1"/>
+              </a:solidFill>
+            </a:endParaRPr>
           </a:p>
         </p:txBody>
       </p:sp>
@@ -9665,8 +9654,8 @@
         </p:nvSpPr>
         <p:spPr>
           <a:xfrm>
-            <a:off x="8135391" y="0"/>
-            <a:ext cx="1008609" cy="461665"/>
+            <a:off x="8316416" y="0"/>
+            <a:ext cx="784189" cy="461665"/>
           </a:xfrm>
           <a:prstGeom prst="rect">
             <a:avLst/>
@@ -9685,7 +9674,7 @@
                   <a:schemeClr val="bg1"/>
                 </a:solidFill>
               </a:rPr>
-              <a:t>1 1/16</a:t>
+              <a:t>4/16</a:t>
             </a:r>
           </a:p>
         </p:txBody>
@@ -9693,7 +9682,7 @@
     </p:spTree>
     <p:extLst>
       <p:ext uri="{BB962C8B-B14F-4D97-AF65-F5344CB8AC3E}">
-        <p14:creationId xmlns:p14="http://schemas.microsoft.com/office/powerpoint/2010/main" val="3147170024"/>
+        <p14:creationId xmlns:p14="http://schemas.microsoft.com/office/powerpoint/2010/main" val="3380299774"/>
       </p:ext>
     </p:extLst>
   </p:cSld>
@@ -9732,7 +9721,7 @@
         </p:nvSpPr>
         <p:spPr>
           <a:xfrm>
-            <a:off x="251520" y="692696"/>
+            <a:off x="251520" y="764704"/>
             <a:ext cx="8640960" cy="6480720"/>
           </a:xfrm>
         </p:spPr>
@@ -9742,125 +9731,59 @@
           </a:bodyPr>
           <a:lstStyle/>
           <a:p>
-            <a:pPr>
-              <a:spcBef>
-                <a:spcPts val="0"/>
-              </a:spcBef>
-            </a:pPr>
-            <a:r>
-              <a:rPr lang="en-GB" sz="4400" dirty="0">
-                <a:solidFill>
-                  <a:schemeClr val="bg1"/>
-                </a:solidFill>
-              </a:rPr>
-              <a:t>Lord You are good</a:t>
-            </a:r>
-            <a:br>
-              <a:rPr lang="en-GB" sz="4400" dirty="0">
-                <a:solidFill>
-                  <a:schemeClr val="bg1"/>
-                </a:solidFill>
-              </a:rPr>
-            </a:br>
-            <a:r>
-              <a:rPr lang="en-GB" sz="4400" dirty="0">
-                <a:solidFill>
-                  <a:schemeClr val="bg1"/>
-                </a:solidFill>
-              </a:rPr>
-              <a:t>And Your mercy </a:t>
-            </a:r>
-            <a:r>
-              <a:rPr lang="en-GB" sz="4400" dirty="0" err="1">
-                <a:solidFill>
-                  <a:schemeClr val="bg1"/>
-                </a:solidFill>
-              </a:rPr>
-              <a:t>endureth</a:t>
-            </a:r>
-            <a:r>
-              <a:rPr lang="en-GB" sz="4400" dirty="0">
-                <a:solidFill>
-                  <a:schemeClr val="bg1"/>
-                </a:solidFill>
-              </a:rPr>
-              <a:t> forever</a:t>
-            </a:r>
-            <a:br>
-              <a:rPr lang="en-GB" sz="4400" dirty="0">
-                <a:solidFill>
-                  <a:schemeClr val="bg1"/>
-                </a:solidFill>
-              </a:rPr>
-            </a:br>
-            <a:r>
-              <a:rPr lang="en-GB" sz="4400" dirty="0">
-                <a:solidFill>
-                  <a:schemeClr val="bg1"/>
-                </a:solidFill>
-              </a:rPr>
-              <a:t>Lord You are good</a:t>
-            </a:r>
-            <a:br>
-              <a:rPr lang="en-GB" sz="4400" dirty="0">
-                <a:solidFill>
-                  <a:schemeClr val="bg1"/>
-                </a:solidFill>
-              </a:rPr>
-            </a:br>
-            <a:r>
-              <a:rPr lang="en-GB" sz="4400" dirty="0">
-                <a:solidFill>
-                  <a:schemeClr val="bg1"/>
-                </a:solidFill>
-              </a:rPr>
-              <a:t>And Your mercy </a:t>
-            </a:r>
-            <a:r>
-              <a:rPr lang="en-GB" sz="4400" dirty="0" err="1">
-                <a:solidFill>
-                  <a:schemeClr val="bg1"/>
-                </a:solidFill>
-              </a:rPr>
-              <a:t>endureth</a:t>
-            </a:r>
-            <a:r>
-              <a:rPr lang="en-GB" sz="4400" dirty="0">
-                <a:solidFill>
-                  <a:schemeClr val="bg1"/>
-                </a:solidFill>
-              </a:rPr>
-              <a:t> forever</a:t>
-            </a:r>
-            <a:br>
-              <a:rPr lang="en-GB" sz="4400" dirty="0">
-                <a:solidFill>
-                  <a:schemeClr val="bg1"/>
-                </a:solidFill>
-              </a:rPr>
-            </a:br>
-            <a:r>
-              <a:rPr lang="en-GB" sz="4400" dirty="0">
-                <a:solidFill>
-                  <a:schemeClr val="bg1"/>
-                </a:solidFill>
-              </a:rPr>
-              <a:t>People from every nation and tongue</a:t>
-            </a:r>
-            <a:br>
-              <a:rPr lang="en-GB" sz="4400" dirty="0">
-                <a:solidFill>
-                  <a:schemeClr val="bg1"/>
-                </a:solidFill>
-              </a:rPr>
-            </a:br>
-            <a:r>
-              <a:rPr lang="en-GB" sz="4400" dirty="0">
-                <a:solidFill>
-                  <a:schemeClr val="bg1"/>
-                </a:solidFill>
-              </a:rPr>
-              <a:t>From generation to generation</a:t>
+            <a:r>
+              <a:rPr lang="en-GB" sz="4000" dirty="0">
+                <a:solidFill>
+                  <a:schemeClr val="bg1"/>
+                </a:solidFill>
+              </a:rPr>
+              <a:t>I’ll praise when I feel it</a:t>
+            </a:r>
+          </a:p>
+          <a:p>
+            <a:r>
+              <a:rPr lang="en-GB" sz="4000" dirty="0">
+                <a:solidFill>
+                  <a:schemeClr val="bg1"/>
+                </a:solidFill>
+              </a:rPr>
+              <a:t>And I’ll praise when I don’t</a:t>
+            </a:r>
+          </a:p>
+          <a:p>
+            <a:r>
+              <a:rPr lang="en-GB" sz="4000" dirty="0">
+                <a:solidFill>
+                  <a:schemeClr val="bg1"/>
+                </a:solidFill>
+              </a:rPr>
+              <a:t>I’ll praise </a:t>
+            </a:r>
+            <a:r>
+              <a:rPr lang="en-GB" sz="4000" dirty="0" err="1">
+                <a:solidFill>
+                  <a:schemeClr val="bg1"/>
+                </a:solidFill>
+              </a:rPr>
+              <a:t>'cause</a:t>
+            </a:r>
+            <a:r>
+              <a:rPr lang="en-GB" sz="4000" dirty="0">
+                <a:solidFill>
+                  <a:schemeClr val="bg1"/>
+                </a:solidFill>
+              </a:rPr>
+              <a:t> I know</a:t>
+            </a:r>
+          </a:p>
+          <a:p>
+            <a:r>
+              <a:rPr lang="en-GB" sz="4000" dirty="0">
+                <a:solidFill>
+                  <a:schemeClr val="bg1"/>
+                </a:solidFill>
+              </a:rPr>
+              <a:t>You’re still in control</a:t>
             </a:r>
           </a:p>
         </p:txBody>
@@ -9873,8 +9796,8 @@
         </p:nvSpPr>
         <p:spPr>
           <a:xfrm>
-            <a:off x="8204319" y="0"/>
-            <a:ext cx="939681" cy="461665"/>
+            <a:off x="8316416" y="0"/>
+            <a:ext cx="784189" cy="461665"/>
           </a:xfrm>
           <a:prstGeom prst="rect">
             <a:avLst/>
@@ -9893,12 +9816,17 @@
                   <a:schemeClr val="bg1"/>
                 </a:solidFill>
               </a:rPr>
-              <a:t>12/16</a:t>
+              <a:t>5/16</a:t>
             </a:r>
           </a:p>
         </p:txBody>
       </p:sp>
     </p:spTree>
+    <p:extLst>
+      <p:ext uri="{BB962C8B-B14F-4D97-AF65-F5344CB8AC3E}">
+        <p14:creationId xmlns:p14="http://schemas.microsoft.com/office/powerpoint/2010/main" val="1493042001"/>
+      </p:ext>
+    </p:extLst>
   </p:cSld>
   <p:clrMapOvr>
     <a:masterClrMapping/>
@@ -9935,7 +9863,7 @@
         </p:nvSpPr>
         <p:spPr>
           <a:xfrm>
-            <a:off x="203118" y="692696"/>
+            <a:off x="251520" y="764704"/>
             <a:ext cx="8640960" cy="6480720"/>
           </a:xfrm>
         </p:spPr>
@@ -9946,118 +9874,50 @@
           <a:lstStyle/>
           <a:p>
             <a:r>
-              <a:rPr lang="en-GB" sz="4400" dirty="0">
-                <a:solidFill>
-                  <a:schemeClr val="bg1"/>
-                </a:solidFill>
-              </a:rPr>
-              <a:t>We worship You</a:t>
-            </a:r>
-            <a:br>
-              <a:rPr lang="en-GB" sz="4400" dirty="0">
-                <a:solidFill>
-                  <a:schemeClr val="bg1"/>
-                </a:solidFill>
-              </a:rPr>
-            </a:br>
-            <a:r>
-              <a:rPr lang="en-GB" sz="4400" dirty="0">
-                <a:solidFill>
-                  <a:schemeClr val="bg1"/>
-                </a:solidFill>
-              </a:rPr>
-              <a:t>Hallelujah </a:t>
-            </a:r>
-            <a:r>
-              <a:rPr lang="en-GB" sz="4400" dirty="0" err="1">
-                <a:solidFill>
-                  <a:schemeClr val="bg1"/>
-                </a:solidFill>
-              </a:rPr>
-              <a:t>hallelujah</a:t>
-            </a:r>
-            <a:br>
-              <a:rPr lang="en-GB" sz="4400" dirty="0">
-                <a:solidFill>
-                  <a:schemeClr val="bg1"/>
-                </a:solidFill>
-              </a:rPr>
-            </a:br>
-            <a:r>
-              <a:rPr lang="en-GB" sz="4400" dirty="0">
-                <a:solidFill>
-                  <a:schemeClr val="bg1"/>
-                </a:solidFill>
-              </a:rPr>
-              <a:t>We worship You for who You are</a:t>
-            </a:r>
-            <a:br>
-              <a:rPr lang="en-GB" sz="4400" dirty="0">
-                <a:solidFill>
-                  <a:schemeClr val="bg1"/>
-                </a:solidFill>
-              </a:rPr>
-            </a:br>
-            <a:r>
-              <a:rPr lang="en-GB" sz="4400" dirty="0">
-                <a:solidFill>
-                  <a:schemeClr val="bg1"/>
-                </a:solidFill>
-              </a:rPr>
-              <a:t>We worship You</a:t>
-            </a:r>
-            <a:br>
-              <a:rPr lang="en-GB" sz="4400" dirty="0">
-                <a:solidFill>
-                  <a:schemeClr val="bg1"/>
-                </a:solidFill>
-              </a:rPr>
-            </a:br>
-            <a:r>
-              <a:rPr lang="en-GB" sz="4400" dirty="0">
-                <a:solidFill>
-                  <a:schemeClr val="bg1"/>
-                </a:solidFill>
-              </a:rPr>
-              <a:t>Hallelujah </a:t>
-            </a:r>
-            <a:r>
-              <a:rPr lang="en-GB" sz="4400" dirty="0" err="1">
-                <a:solidFill>
-                  <a:schemeClr val="bg1"/>
-                </a:solidFill>
-              </a:rPr>
-              <a:t>hallelujah</a:t>
-            </a:r>
-            <a:br>
-              <a:rPr lang="en-GB" sz="4400" dirty="0">
-                <a:solidFill>
-                  <a:schemeClr val="bg1"/>
-                </a:solidFill>
-              </a:rPr>
-            </a:br>
-            <a:r>
-              <a:rPr lang="en-GB" sz="4400" dirty="0">
-                <a:solidFill>
-                  <a:schemeClr val="bg1"/>
-                </a:solidFill>
-              </a:rPr>
-              <a:t>We worship You for who You are</a:t>
-            </a:r>
-            <a:br>
-              <a:rPr lang="en-GB" sz="4400" dirty="0">
-                <a:solidFill>
-                  <a:schemeClr val="bg1"/>
-                </a:solidFill>
-              </a:rPr>
-            </a:br>
-            <a:r>
-              <a:rPr lang="en-GB" sz="4400" dirty="0">
-                <a:solidFill>
-                  <a:schemeClr val="bg1"/>
-                </a:solidFill>
-              </a:rPr>
-              <a:t>For You are good</a:t>
+              <a:rPr lang="en-GB" sz="4000" dirty="0" err="1">
+                <a:solidFill>
+                  <a:schemeClr val="bg1"/>
+                </a:solidFill>
+              </a:rPr>
+              <a:t>'Cause</a:t>
+            </a:r>
+            <a:r>
+              <a:rPr lang="en-GB" sz="4000" dirty="0">
+                <a:solidFill>
+                  <a:schemeClr val="bg1"/>
+                </a:solidFill>
+              </a:rPr>
+              <a:t> my praise is a weapon</a:t>
+            </a:r>
+          </a:p>
+          <a:p>
+            <a:r>
+              <a:rPr lang="en-GB" sz="4000" dirty="0">
+                <a:solidFill>
+                  <a:schemeClr val="bg1"/>
+                </a:solidFill>
+              </a:rPr>
+              <a:t>It’s more than a sound</a:t>
+            </a:r>
+          </a:p>
+          <a:p>
+            <a:r>
+              <a:rPr lang="en-GB" sz="4000" dirty="0">
+                <a:solidFill>
+                  <a:schemeClr val="bg1"/>
+                </a:solidFill>
+              </a:rPr>
+              <a:t>My praise is the shout</a:t>
+            </a:r>
+          </a:p>
+          <a:p>
+            <a:r>
+              <a:rPr lang="en-GB" sz="4000" dirty="0">
+                <a:solidFill>
+                  <a:schemeClr val="bg1"/>
+                </a:solidFill>
+              </a:rPr>
+              <a:t>That brings Jericho down</a:t>
             </a:r>
           </a:p>
         </p:txBody>
@@ -10070,8 +9930,8 @@
         </p:nvSpPr>
         <p:spPr>
           <a:xfrm>
-            <a:off x="8231930" y="0"/>
-            <a:ext cx="939681" cy="461665"/>
+            <a:off x="8316416" y="0"/>
+            <a:ext cx="784189" cy="461665"/>
           </a:xfrm>
           <a:prstGeom prst="rect">
             <a:avLst/>
@@ -10090,12 +9950,17 @@
                   <a:schemeClr val="bg1"/>
                 </a:solidFill>
               </a:rPr>
-              <a:t>13/16</a:t>
+              <a:t>6/16</a:t>
             </a:r>
           </a:p>
         </p:txBody>
       </p:sp>
     </p:spTree>
+    <p:extLst>
+      <p:ext uri="{BB962C8B-B14F-4D97-AF65-F5344CB8AC3E}">
+        <p14:creationId xmlns:p14="http://schemas.microsoft.com/office/powerpoint/2010/main" val="2143340709"/>
+      </p:ext>
+    </p:extLst>
   </p:cSld>
   <p:clrMapOvr>
     <a:masterClrMapping/>
@@ -10132,7 +9997,7 @@
         </p:nvSpPr>
         <p:spPr>
           <a:xfrm>
-            <a:off x="323528" y="188640"/>
+            <a:off x="251520" y="764704"/>
             <a:ext cx="8640960" cy="6480720"/>
           </a:xfrm>
         </p:spPr>
@@ -10142,62 +10007,63 @@
           </a:bodyPr>
           <a:lstStyle/>
           <a:p>
-            <a:endParaRPr lang="en-GB" sz="4400" dirty="0"/>
-          </a:p>
-          <a:p>
-            <a:r>
-              <a:rPr lang="en-GB" sz="4400" dirty="0">
-                <a:solidFill>
-                  <a:schemeClr val="bg1"/>
-                </a:solidFill>
-              </a:rPr>
-              <a:t>You are good all the time</a:t>
+            <a:r>
+              <a:rPr lang="en-GB" sz="4000" dirty="0">
+                <a:solidFill>
+                  <a:schemeClr val="bg1"/>
+                </a:solidFill>
+              </a:rPr>
+              <a:t>As long as I’m breathing</a:t>
+            </a:r>
+          </a:p>
+          <a:p>
+            <a:r>
+              <a:rPr lang="en-GB" sz="4000" dirty="0">
+                <a:solidFill>
+                  <a:schemeClr val="bg1"/>
+                </a:solidFill>
+              </a:rPr>
+              <a:t>I’ve got a reason to</a:t>
             </a:r>
             <a:br>
-              <a:rPr lang="en-GB" sz="4400" dirty="0">
+              <a:rPr lang="en-GB" sz="4000" dirty="0">
                 <a:solidFill>
                   <a:schemeClr val="bg1"/>
                 </a:solidFill>
               </a:rPr>
             </a:br>
-            <a:r>
-              <a:rPr lang="en-GB" sz="4400" dirty="0">
-                <a:solidFill>
-                  <a:schemeClr val="bg1"/>
-                </a:solidFill>
-              </a:rPr>
-              <a:t>All the time You are good</a:t>
-            </a:r>
             <a:br>
-              <a:rPr lang="en-GB" sz="4400" dirty="0">
+              <a:rPr lang="en-GB" sz="4000" dirty="0">
                 <a:solidFill>
                   <a:schemeClr val="bg1"/>
                 </a:solidFill>
               </a:rPr>
             </a:br>
             <a:r>
-              <a:rPr lang="en-GB" sz="4400" dirty="0">
-                <a:solidFill>
-                  <a:schemeClr val="bg1"/>
-                </a:solidFill>
-              </a:rPr>
-              <a:t>You are good all the time</a:t>
-            </a:r>
-            <a:br>
-              <a:rPr lang="en-GB" sz="4400" dirty="0">
-                <a:solidFill>
-                  <a:schemeClr val="bg1"/>
-                </a:solidFill>
-              </a:rPr>
-            </a:br>
-            <a:r>
-              <a:rPr lang="en-GB" sz="4400" dirty="0">
-                <a:solidFill>
-                  <a:schemeClr val="bg1"/>
-                </a:solidFill>
-              </a:rPr>
-              <a:t>All the time You are good</a:t>
-            </a:r>
+              <a:rPr lang="en-GB" sz="4000" dirty="0">
+                <a:solidFill>
+                  <a:schemeClr val="bg1"/>
+                </a:solidFill>
+              </a:rPr>
+              <a:t>Praise the Lord oh my soul</a:t>
+            </a:r>
+          </a:p>
+          <a:p>
+            <a:r>
+              <a:rPr lang="en-GB" sz="4000" dirty="0">
+                <a:solidFill>
+                  <a:schemeClr val="bg1"/>
+                </a:solidFill>
+              </a:rPr>
+              <a:t>Praise the Lord oh my soul</a:t>
+            </a:r>
+          </a:p>
+          <a:p>
+            <a:endParaRPr lang="en-GB" sz="4000" dirty="0">
+              <a:solidFill>
+                <a:schemeClr val="bg1"/>
+              </a:solidFill>
+            </a:endParaRPr>
           </a:p>
         </p:txBody>
       </p:sp>
@@ -10209,8 +10075,8 @@
         </p:nvSpPr>
         <p:spPr>
           <a:xfrm>
-            <a:off x="8210111" y="3336"/>
-            <a:ext cx="939681" cy="461665"/>
+            <a:off x="8316416" y="0"/>
+            <a:ext cx="784189" cy="461665"/>
           </a:xfrm>
           <a:prstGeom prst="rect">
             <a:avLst/>
@@ -10229,12 +10095,17 @@
                   <a:schemeClr val="bg1"/>
                 </a:solidFill>
               </a:rPr>
-              <a:t>14/16</a:t>
+              <a:t>7/16</a:t>
             </a:r>
           </a:p>
         </p:txBody>
       </p:sp>
     </p:spTree>
+    <p:extLst>
+      <p:ext uri="{BB962C8B-B14F-4D97-AF65-F5344CB8AC3E}">
+        <p14:creationId xmlns:p14="http://schemas.microsoft.com/office/powerpoint/2010/main" val="2606885671"/>
+      </p:ext>
+    </p:extLst>
   </p:cSld>
   <p:clrMapOvr>
     <a:masterClrMapping/>
@@ -10247,13 +10118,7 @@
   <p:cSld>
     <p:spTree>
       <p:nvGrpSpPr>
-        <p:cNvPr id="1" name="">
-          <a:extLst>
-            <a:ext uri="{FF2B5EF4-FFF2-40B4-BE49-F238E27FC236}">
-              <a16:creationId xmlns:a16="http://schemas.microsoft.com/office/drawing/2014/main" id="{168BCCC8-1915-8082-2658-F478C8D0EF92}"/>
-            </a:ext>
-          </a:extLst>
-        </p:cNvPr>
+        <p:cNvPr id="1" name=""/>
         <p:cNvGrpSpPr/>
         <p:nvPr/>
       </p:nvGrpSpPr>
@@ -10267,13 +10132,7 @@
       </p:grpSpPr>
       <p:sp>
         <p:nvSpPr>
-          <p:cNvPr id="3" name="Subtitle 2">
-            <a:extLst>
-              <a:ext uri="{FF2B5EF4-FFF2-40B4-BE49-F238E27FC236}">
-                <a16:creationId xmlns:a16="http://schemas.microsoft.com/office/drawing/2014/main" id="{192EB9DC-1D1E-8391-20F5-2B7E966E6180}"/>
-              </a:ext>
-            </a:extLst>
-          </p:cNvPr>
+          <p:cNvPr id="3" name="Subtitle 2"/>
           <p:cNvSpPr>
             <a:spLocks noGrp="1"/>
           </p:cNvSpPr>
@@ -10283,7 +10142,7 @@
         </p:nvSpPr>
         <p:spPr>
           <a:xfrm>
-            <a:off x="230542" y="620688"/>
+            <a:off x="251520" y="764704"/>
             <a:ext cx="8640960" cy="6480720"/>
           </a:xfrm>
         </p:spPr>
@@ -10294,117 +10153,56 @@
           <a:lstStyle/>
           <a:p>
             <a:r>
-              <a:rPr lang="en-GB" sz="3600" dirty="0">
-                <a:solidFill>
-                  <a:schemeClr val="bg1"/>
-                </a:solidFill>
-              </a:rPr>
-              <a:t>Your goodness is running after</a:t>
-            </a:r>
-          </a:p>
-          <a:p>
-            <a:r>
-              <a:rPr lang="en-GB" sz="3600" dirty="0">
-                <a:solidFill>
-                  <a:schemeClr val="bg1"/>
-                </a:solidFill>
-              </a:rPr>
-              <a:t>It’s running after me</a:t>
-            </a:r>
-          </a:p>
-          <a:p>
-            <a:r>
-              <a:rPr lang="en-GB" sz="3600" dirty="0">
-                <a:solidFill>
-                  <a:schemeClr val="bg1"/>
-                </a:solidFill>
-              </a:rPr>
-              <a:t>(REPEAT)</a:t>
-            </a:r>
-          </a:p>
-          <a:p>
-            <a:r>
-              <a:rPr lang="en-GB" sz="2400" dirty="0">
-                <a:solidFill>
-                  <a:schemeClr val="bg1"/>
-                </a:solidFill>
-              </a:rPr>
-              <a:t> </a:t>
-            </a:r>
-            <a:br>
-              <a:rPr lang="en-GB" sz="3600" dirty="0">
-                <a:solidFill>
-                  <a:schemeClr val="bg1"/>
-                </a:solidFill>
-              </a:rPr>
-            </a:br>
-            <a:r>
-              <a:rPr lang="en-GB" sz="3600" dirty="0">
-                <a:solidFill>
-                  <a:schemeClr val="bg1"/>
-                </a:solidFill>
-              </a:rPr>
-              <a:t>With my life laid down</a:t>
-            </a:r>
-          </a:p>
-          <a:p>
-            <a:r>
-              <a:rPr lang="en-GB" sz="3600" dirty="0">
-                <a:solidFill>
-                  <a:schemeClr val="bg1"/>
-                </a:solidFill>
-              </a:rPr>
-              <a:t>I’m surrendered now</a:t>
-            </a:r>
-          </a:p>
-          <a:p>
-            <a:r>
-              <a:rPr lang="en-GB" sz="3600" dirty="0">
-                <a:solidFill>
-                  <a:schemeClr val="bg1"/>
-                </a:solidFill>
-              </a:rPr>
-              <a:t>I give You everything</a:t>
-            </a:r>
-          </a:p>
-          <a:p>
-            <a:r>
-              <a:rPr lang="en-GB" sz="3600" dirty="0">
-                <a:solidFill>
-                  <a:schemeClr val="bg1"/>
-                </a:solidFill>
-              </a:rPr>
-              <a:t>Your goodness is running after</a:t>
-            </a:r>
-          </a:p>
-          <a:p>
-            <a:r>
-              <a:rPr lang="en-GB" sz="3600" dirty="0">
-                <a:solidFill>
-                  <a:schemeClr val="bg1"/>
-                </a:solidFill>
-              </a:rPr>
-              <a:t>It's running after me</a:t>
-            </a:r>
-          </a:p>
-        </p:txBody>
-      </p:sp>
-      <p:sp>
-        <p:nvSpPr>
-          <p:cNvPr id="4" name="TextBox 3">
-            <a:extLst>
-              <a:ext uri="{FF2B5EF4-FFF2-40B4-BE49-F238E27FC236}">
-                <a16:creationId xmlns:a16="http://schemas.microsoft.com/office/drawing/2014/main" id="{03E090DB-0965-C69B-5788-6E707884C135}"/>
-              </a:ext>
-            </a:extLst>
-          </p:cNvPr>
+              <a:rPr lang="en-GB" sz="4000" dirty="0">
+                <a:solidFill>
+                  <a:schemeClr val="bg1"/>
+                </a:solidFill>
+              </a:rPr>
+              <a:t>I won’t be quiet</a:t>
+            </a:r>
+          </a:p>
+          <a:p>
+            <a:r>
+              <a:rPr lang="en-GB" sz="4000" dirty="0">
+                <a:solidFill>
+                  <a:schemeClr val="bg1"/>
+                </a:solidFill>
+              </a:rPr>
+              <a:t>My God is alive</a:t>
+            </a:r>
+          </a:p>
+          <a:p>
+            <a:r>
+              <a:rPr lang="en-GB" sz="4000" dirty="0">
+                <a:solidFill>
+                  <a:schemeClr val="bg1"/>
+                </a:solidFill>
+              </a:rPr>
+              <a:t>How could I keep it inside</a:t>
+            </a:r>
+          </a:p>
+          <a:p>
+            <a:r>
+              <a:rPr lang="en-GB" sz="4000" dirty="0">
+                <a:solidFill>
+                  <a:schemeClr val="bg1"/>
+                </a:solidFill>
+              </a:rPr>
+              <a:t>Praise the Lord oh my soul</a:t>
+            </a:r>
+          </a:p>
+        </p:txBody>
+      </p:sp>
+      <p:sp>
+        <p:nvSpPr>
+          <p:cNvPr id="4" name="TextBox 3"/>
           <p:cNvSpPr txBox="1"/>
           <p:nvPr/>
         </p:nvSpPr>
         <p:spPr>
           <a:xfrm>
-            <a:off x="8204319" y="14093"/>
-            <a:ext cx="939681" cy="461665"/>
+            <a:off x="8316416" y="0"/>
+            <a:ext cx="784189" cy="461665"/>
           </a:xfrm>
           <a:prstGeom prst="rect">
             <a:avLst/>
@@ -10423,7 +10221,7 @@
                   <a:schemeClr val="bg1"/>
                 </a:solidFill>
               </a:rPr>
-              <a:t>15/16</a:t>
+              <a:t>8/16</a:t>
             </a:r>
           </a:p>
         </p:txBody>
@@ -10431,7 +10229,7 @@
     </p:spTree>
     <p:extLst>
       <p:ext uri="{BB962C8B-B14F-4D97-AF65-F5344CB8AC3E}">
-        <p14:creationId xmlns:p14="http://schemas.microsoft.com/office/powerpoint/2010/main" val="2321787509"/>
+        <p14:creationId xmlns:p14="http://schemas.microsoft.com/office/powerpoint/2010/main" val="612916031"/>
       </p:ext>
     </p:extLst>
   </p:cSld>
@@ -10598,6 +10396,1298 @@
 </file>
 
 <file path=ppt/slides/slide50.xml><?xml version="1.0" encoding="utf-8"?>
+<p:sld xmlns:a="http://schemas.openxmlformats.org/drawingml/2006/main" xmlns:r="http://schemas.openxmlformats.org/officeDocument/2006/relationships" xmlns:p="http://schemas.openxmlformats.org/presentationml/2006/main">
+  <p:cSld>
+    <p:spTree>
+      <p:nvGrpSpPr>
+        <p:cNvPr id="1" name=""/>
+        <p:cNvGrpSpPr/>
+        <p:nvPr/>
+      </p:nvGrpSpPr>
+      <p:grpSpPr>
+        <a:xfrm>
+          <a:off x="0" y="0"/>
+          <a:ext cx="0" cy="0"/>
+          <a:chOff x="0" y="0"/>
+          <a:chExt cx="0" cy="0"/>
+        </a:xfrm>
+      </p:grpSpPr>
+      <p:sp>
+        <p:nvSpPr>
+          <p:cNvPr id="3" name="Subtitle 2"/>
+          <p:cNvSpPr>
+            <a:spLocks noGrp="1"/>
+          </p:cNvSpPr>
+          <p:nvPr>
+            <p:ph type="subTitle" idx="1"/>
+          </p:nvPr>
+        </p:nvSpPr>
+        <p:spPr>
+          <a:xfrm>
+            <a:off x="251520" y="764704"/>
+            <a:ext cx="8640960" cy="6480720"/>
+          </a:xfrm>
+        </p:spPr>
+        <p:txBody>
+          <a:bodyPr>
+            <a:noAutofit/>
+          </a:bodyPr>
+          <a:lstStyle/>
+          <a:p>
+            <a:r>
+              <a:rPr lang="en-GB" sz="4000" dirty="0">
+                <a:solidFill>
+                  <a:schemeClr val="bg1"/>
+                </a:solidFill>
+              </a:rPr>
+              <a:t>I’ll praise </a:t>
+            </a:r>
+            <a:r>
+              <a:rPr lang="en-GB" sz="4000" dirty="0" err="1">
+                <a:solidFill>
+                  <a:schemeClr val="bg1"/>
+                </a:solidFill>
+              </a:rPr>
+              <a:t>'cause</a:t>
+            </a:r>
+            <a:r>
+              <a:rPr lang="en-GB" sz="4000" dirty="0">
+                <a:solidFill>
+                  <a:schemeClr val="bg1"/>
+                </a:solidFill>
+              </a:rPr>
+              <a:t> You’re sovereign</a:t>
+            </a:r>
+          </a:p>
+          <a:p>
+            <a:r>
+              <a:rPr lang="en-GB" sz="4000" dirty="0">
+                <a:solidFill>
+                  <a:schemeClr val="bg1"/>
+                </a:solidFill>
+              </a:rPr>
+              <a:t>Praise </a:t>
+            </a:r>
+            <a:r>
+              <a:rPr lang="en-GB" sz="4000" dirty="0" err="1">
+                <a:solidFill>
+                  <a:schemeClr val="bg1"/>
+                </a:solidFill>
+              </a:rPr>
+              <a:t>'cause</a:t>
+            </a:r>
+            <a:r>
+              <a:rPr lang="en-GB" sz="4000" dirty="0">
+                <a:solidFill>
+                  <a:schemeClr val="bg1"/>
+                </a:solidFill>
+              </a:rPr>
+              <a:t> You reign</a:t>
+            </a:r>
+          </a:p>
+          <a:p>
+            <a:r>
+              <a:rPr lang="en-GB" sz="4000" dirty="0">
+                <a:solidFill>
+                  <a:schemeClr val="bg1"/>
+                </a:solidFill>
+              </a:rPr>
+              <a:t>Praise </a:t>
+            </a:r>
+            <a:r>
+              <a:rPr lang="en-GB" sz="4000" dirty="0" err="1">
+                <a:solidFill>
+                  <a:schemeClr val="bg1"/>
+                </a:solidFill>
+              </a:rPr>
+              <a:t>'cause</a:t>
+            </a:r>
+            <a:r>
+              <a:rPr lang="en-GB" sz="4000" dirty="0">
+                <a:solidFill>
+                  <a:schemeClr val="bg1"/>
+                </a:solidFill>
+              </a:rPr>
+              <a:t> You rose and defeated the grave</a:t>
+            </a:r>
+          </a:p>
+          <a:p>
+            <a:r>
+              <a:rPr lang="en-GB" sz="4000" dirty="0">
+                <a:solidFill>
+                  <a:schemeClr val="bg1"/>
+                </a:solidFill>
+              </a:rPr>
+              <a:t>I’ll praise </a:t>
+            </a:r>
+            <a:r>
+              <a:rPr lang="en-GB" sz="4000" dirty="0" err="1">
+                <a:solidFill>
+                  <a:schemeClr val="bg1"/>
+                </a:solidFill>
+              </a:rPr>
+              <a:t>'cause</a:t>
+            </a:r>
+            <a:r>
+              <a:rPr lang="en-GB" sz="4000" dirty="0">
+                <a:solidFill>
+                  <a:schemeClr val="bg1"/>
+                </a:solidFill>
+              </a:rPr>
+              <a:t> You’re faithful</a:t>
+            </a:r>
+          </a:p>
+          <a:p>
+            <a:r>
+              <a:rPr lang="en-GB" sz="4000" dirty="0">
+                <a:solidFill>
+                  <a:schemeClr val="bg1"/>
+                </a:solidFill>
+              </a:rPr>
+              <a:t>Praise </a:t>
+            </a:r>
+            <a:r>
+              <a:rPr lang="en-GB" sz="4000" dirty="0" err="1">
+                <a:solidFill>
+                  <a:schemeClr val="bg1"/>
+                </a:solidFill>
+              </a:rPr>
+              <a:t>'cause</a:t>
+            </a:r>
+            <a:r>
+              <a:rPr lang="en-GB" sz="4000" dirty="0">
+                <a:solidFill>
+                  <a:schemeClr val="bg1"/>
+                </a:solidFill>
+              </a:rPr>
+              <a:t> You’re true</a:t>
+            </a:r>
+          </a:p>
+          <a:p>
+            <a:r>
+              <a:rPr lang="en-GB" sz="4000" dirty="0">
+                <a:solidFill>
+                  <a:schemeClr val="bg1"/>
+                </a:solidFill>
+              </a:rPr>
+              <a:t>Praise </a:t>
+            </a:r>
+            <a:r>
+              <a:rPr lang="en-GB" sz="4000" dirty="0" err="1">
+                <a:solidFill>
+                  <a:schemeClr val="bg1"/>
+                </a:solidFill>
+              </a:rPr>
+              <a:t>'cause</a:t>
+            </a:r>
+            <a:r>
+              <a:rPr lang="en-GB" sz="4000" dirty="0">
+                <a:solidFill>
+                  <a:schemeClr val="bg1"/>
+                </a:solidFill>
+              </a:rPr>
+              <a:t> there’s nobody greater than You</a:t>
+            </a:r>
+          </a:p>
+        </p:txBody>
+      </p:sp>
+      <p:sp>
+        <p:nvSpPr>
+          <p:cNvPr id="4" name="TextBox 3"/>
+          <p:cNvSpPr txBox="1"/>
+          <p:nvPr/>
+        </p:nvSpPr>
+        <p:spPr>
+          <a:xfrm>
+            <a:off x="8316416" y="0"/>
+            <a:ext cx="784189" cy="461665"/>
+          </a:xfrm>
+          <a:prstGeom prst="rect">
+            <a:avLst/>
+          </a:prstGeom>
+          <a:noFill/>
+        </p:spPr>
+        <p:txBody>
+          <a:bodyPr wrap="none" rtlCol="0">
+            <a:spAutoFit/>
+          </a:bodyPr>
+          <a:lstStyle/>
+          <a:p>
+            <a:r>
+              <a:rPr lang="en-GB" sz="2400" b="1" dirty="0">
+                <a:solidFill>
+                  <a:schemeClr val="bg1"/>
+                </a:solidFill>
+              </a:rPr>
+              <a:t>9/16</a:t>
+            </a:r>
+          </a:p>
+        </p:txBody>
+      </p:sp>
+    </p:spTree>
+    <p:extLst>
+      <p:ext uri="{BB962C8B-B14F-4D97-AF65-F5344CB8AC3E}">
+        <p14:creationId xmlns:p14="http://schemas.microsoft.com/office/powerpoint/2010/main" val="2717275178"/>
+      </p:ext>
+    </p:extLst>
+  </p:cSld>
+  <p:clrMapOvr>
+    <a:masterClrMapping/>
+  </p:clrMapOvr>
+</p:sld>
+</file>
+
+<file path=ppt/slides/slide51.xml><?xml version="1.0" encoding="utf-8"?>
+<p:sld xmlns:a="http://schemas.openxmlformats.org/drawingml/2006/main" xmlns:r="http://schemas.openxmlformats.org/officeDocument/2006/relationships" xmlns:p="http://schemas.openxmlformats.org/presentationml/2006/main">
+  <p:cSld>
+    <p:spTree>
+      <p:nvGrpSpPr>
+        <p:cNvPr id="1" name=""/>
+        <p:cNvGrpSpPr/>
+        <p:nvPr/>
+      </p:nvGrpSpPr>
+      <p:grpSpPr>
+        <a:xfrm>
+          <a:off x="0" y="0"/>
+          <a:ext cx="0" cy="0"/>
+          <a:chOff x="0" y="0"/>
+          <a:chExt cx="0" cy="0"/>
+        </a:xfrm>
+      </p:grpSpPr>
+      <p:sp>
+        <p:nvSpPr>
+          <p:cNvPr id="3" name="Subtitle 2"/>
+          <p:cNvSpPr>
+            <a:spLocks noGrp="1"/>
+          </p:cNvSpPr>
+          <p:nvPr>
+            <p:ph type="subTitle" idx="1"/>
+          </p:nvPr>
+        </p:nvSpPr>
+        <p:spPr>
+          <a:xfrm>
+            <a:off x="251520" y="764704"/>
+            <a:ext cx="8640960" cy="6480720"/>
+          </a:xfrm>
+        </p:spPr>
+        <p:txBody>
+          <a:bodyPr>
+            <a:noAutofit/>
+          </a:bodyPr>
+          <a:lstStyle/>
+          <a:p>
+            <a:r>
+              <a:rPr lang="en-GB" sz="4000" dirty="0">
+                <a:solidFill>
+                  <a:schemeClr val="bg1"/>
+                </a:solidFill>
+              </a:rPr>
+              <a:t>Praise the Lord oh my soul</a:t>
+            </a:r>
+          </a:p>
+          <a:p>
+            <a:r>
+              <a:rPr lang="en-GB" sz="4000" dirty="0">
+                <a:solidFill>
+                  <a:schemeClr val="bg1"/>
+                </a:solidFill>
+              </a:rPr>
+              <a:t>Praise the Lord oh my soul</a:t>
+            </a:r>
+          </a:p>
+          <a:p>
+            <a:r>
+              <a:rPr lang="en-GB" sz="4000" dirty="0">
+                <a:solidFill>
+                  <a:schemeClr val="bg1"/>
+                </a:solidFill>
+              </a:rPr>
+              <a:t>Praise the Lord oh my soul</a:t>
+            </a:r>
+          </a:p>
+          <a:p>
+            <a:r>
+              <a:rPr lang="en-GB" sz="4000" dirty="0">
+                <a:solidFill>
+                  <a:schemeClr val="bg1"/>
+                </a:solidFill>
+              </a:rPr>
+              <a:t>Praise the Lord oh my soul</a:t>
+            </a:r>
+          </a:p>
+          <a:p>
+            <a:r>
+              <a:rPr lang="en-GB" sz="4000" dirty="0">
+                <a:solidFill>
+                  <a:schemeClr val="bg1"/>
+                </a:solidFill>
+              </a:rPr>
+              <a:t>I won’t be quiet</a:t>
+            </a:r>
+          </a:p>
+          <a:p>
+            <a:r>
+              <a:rPr lang="en-GB" sz="4000" dirty="0">
+                <a:solidFill>
+                  <a:schemeClr val="bg1"/>
+                </a:solidFill>
+              </a:rPr>
+              <a:t>My God is alive</a:t>
+            </a:r>
+          </a:p>
+          <a:p>
+            <a:r>
+              <a:rPr lang="en-GB" sz="4000" dirty="0">
+                <a:solidFill>
+                  <a:schemeClr val="bg1"/>
+                </a:solidFill>
+              </a:rPr>
+              <a:t>How could I keep it inside</a:t>
+            </a:r>
+          </a:p>
+        </p:txBody>
+      </p:sp>
+      <p:sp>
+        <p:nvSpPr>
+          <p:cNvPr id="4" name="TextBox 3"/>
+          <p:cNvSpPr txBox="1"/>
+          <p:nvPr/>
+        </p:nvSpPr>
+        <p:spPr>
+          <a:xfrm>
+            <a:off x="8236995" y="0"/>
+            <a:ext cx="939681" cy="461665"/>
+          </a:xfrm>
+          <a:prstGeom prst="rect">
+            <a:avLst/>
+          </a:prstGeom>
+          <a:noFill/>
+        </p:spPr>
+        <p:txBody>
+          <a:bodyPr wrap="none" rtlCol="0">
+            <a:spAutoFit/>
+          </a:bodyPr>
+          <a:lstStyle/>
+          <a:p>
+            <a:r>
+              <a:rPr lang="en-GB" sz="2400" b="1" dirty="0">
+                <a:solidFill>
+                  <a:schemeClr val="bg1"/>
+                </a:solidFill>
+              </a:rPr>
+              <a:t>10/16</a:t>
+            </a:r>
+          </a:p>
+        </p:txBody>
+      </p:sp>
+    </p:spTree>
+    <p:extLst>
+      <p:ext uri="{BB962C8B-B14F-4D97-AF65-F5344CB8AC3E}">
+        <p14:creationId xmlns:p14="http://schemas.microsoft.com/office/powerpoint/2010/main" val="3928456355"/>
+      </p:ext>
+    </p:extLst>
+  </p:cSld>
+  <p:clrMapOvr>
+    <a:masterClrMapping/>
+  </p:clrMapOvr>
+</p:sld>
+</file>
+
+<file path=ppt/slides/slide52.xml><?xml version="1.0" encoding="utf-8"?>
+<p:sld xmlns:a="http://schemas.openxmlformats.org/drawingml/2006/main" xmlns:r="http://schemas.openxmlformats.org/officeDocument/2006/relationships" xmlns:p="http://schemas.openxmlformats.org/presentationml/2006/main">
+  <p:cSld>
+    <p:spTree>
+      <p:nvGrpSpPr>
+        <p:cNvPr id="1" name=""/>
+        <p:cNvGrpSpPr/>
+        <p:nvPr/>
+      </p:nvGrpSpPr>
+      <p:grpSpPr>
+        <a:xfrm>
+          <a:off x="0" y="0"/>
+          <a:ext cx="0" cy="0"/>
+          <a:chOff x="0" y="0"/>
+          <a:chExt cx="0" cy="0"/>
+        </a:xfrm>
+      </p:grpSpPr>
+      <p:sp>
+        <p:nvSpPr>
+          <p:cNvPr id="3" name="Subtitle 2"/>
+          <p:cNvSpPr>
+            <a:spLocks noGrp="1"/>
+          </p:cNvSpPr>
+          <p:nvPr>
+            <p:ph type="subTitle" idx="1"/>
+          </p:nvPr>
+        </p:nvSpPr>
+        <p:spPr>
+          <a:xfrm>
+            <a:off x="251520" y="764704"/>
+            <a:ext cx="8640960" cy="6480720"/>
+          </a:xfrm>
+        </p:spPr>
+        <p:txBody>
+          <a:bodyPr>
+            <a:noAutofit/>
+          </a:bodyPr>
+          <a:lstStyle/>
+          <a:p>
+            <a:r>
+              <a:rPr lang="en-GB" sz="4000" dirty="0">
+                <a:solidFill>
+                  <a:schemeClr val="bg1"/>
+                </a:solidFill>
+              </a:rPr>
+              <a:t>I won’t be quiet</a:t>
+            </a:r>
+          </a:p>
+          <a:p>
+            <a:r>
+              <a:rPr lang="en-GB" sz="4000" dirty="0">
+                <a:solidFill>
+                  <a:schemeClr val="bg1"/>
+                </a:solidFill>
+              </a:rPr>
+              <a:t>My God is alive</a:t>
+            </a:r>
+          </a:p>
+          <a:p>
+            <a:r>
+              <a:rPr lang="en-GB" sz="4000" dirty="0">
+                <a:solidFill>
+                  <a:schemeClr val="bg1"/>
+                </a:solidFill>
+              </a:rPr>
+              <a:t>How could I keep it inside</a:t>
+            </a:r>
+          </a:p>
+          <a:p>
+            <a:r>
+              <a:rPr lang="en-GB" sz="4000" dirty="0">
+                <a:solidFill>
+                  <a:schemeClr val="bg1"/>
+                </a:solidFill>
+              </a:rPr>
+              <a:t>I won’t be quiet</a:t>
+            </a:r>
+          </a:p>
+          <a:p>
+            <a:r>
+              <a:rPr lang="en-GB" sz="4000" dirty="0">
+                <a:solidFill>
+                  <a:schemeClr val="bg1"/>
+                </a:solidFill>
+              </a:rPr>
+              <a:t>My God is alive</a:t>
+            </a:r>
+          </a:p>
+          <a:p>
+            <a:r>
+              <a:rPr lang="en-GB" sz="4000" dirty="0">
+                <a:solidFill>
+                  <a:schemeClr val="bg1"/>
+                </a:solidFill>
+              </a:rPr>
+              <a:t>How could I keep it inside</a:t>
+            </a:r>
+          </a:p>
+          <a:p>
+            <a:r>
+              <a:rPr lang="en-GB" sz="4000" dirty="0">
+                <a:solidFill>
+                  <a:schemeClr val="bg1"/>
+                </a:solidFill>
+              </a:rPr>
+              <a:t>Praise the Lord oh my soul</a:t>
+            </a:r>
+          </a:p>
+        </p:txBody>
+      </p:sp>
+      <p:sp>
+        <p:nvSpPr>
+          <p:cNvPr id="4" name="TextBox 3"/>
+          <p:cNvSpPr txBox="1"/>
+          <p:nvPr/>
+        </p:nvSpPr>
+        <p:spPr>
+          <a:xfrm>
+            <a:off x="8135391" y="0"/>
+            <a:ext cx="1008609" cy="461665"/>
+          </a:xfrm>
+          <a:prstGeom prst="rect">
+            <a:avLst/>
+          </a:prstGeom>
+          <a:noFill/>
+        </p:spPr>
+        <p:txBody>
+          <a:bodyPr wrap="none" rtlCol="0">
+            <a:spAutoFit/>
+          </a:bodyPr>
+          <a:lstStyle/>
+          <a:p>
+            <a:r>
+              <a:rPr lang="en-GB" sz="2400" b="1" dirty="0">
+                <a:solidFill>
+                  <a:schemeClr val="bg1"/>
+                </a:solidFill>
+              </a:rPr>
+              <a:t>1 1/16</a:t>
+            </a:r>
+          </a:p>
+        </p:txBody>
+      </p:sp>
+    </p:spTree>
+    <p:extLst>
+      <p:ext uri="{BB962C8B-B14F-4D97-AF65-F5344CB8AC3E}">
+        <p14:creationId xmlns:p14="http://schemas.microsoft.com/office/powerpoint/2010/main" val="3147170024"/>
+      </p:ext>
+    </p:extLst>
+  </p:cSld>
+  <p:clrMapOvr>
+    <a:masterClrMapping/>
+  </p:clrMapOvr>
+</p:sld>
+</file>
+
+<file path=ppt/slides/slide53.xml><?xml version="1.0" encoding="utf-8"?>
+<p:sld xmlns:a="http://schemas.openxmlformats.org/drawingml/2006/main" xmlns:r="http://schemas.openxmlformats.org/officeDocument/2006/relationships" xmlns:p="http://schemas.openxmlformats.org/presentationml/2006/main">
+  <p:cSld>
+    <p:spTree>
+      <p:nvGrpSpPr>
+        <p:cNvPr id="1" name=""/>
+        <p:cNvGrpSpPr/>
+        <p:nvPr/>
+      </p:nvGrpSpPr>
+      <p:grpSpPr>
+        <a:xfrm>
+          <a:off x="0" y="0"/>
+          <a:ext cx="0" cy="0"/>
+          <a:chOff x="0" y="0"/>
+          <a:chExt cx="0" cy="0"/>
+        </a:xfrm>
+      </p:grpSpPr>
+      <p:sp>
+        <p:nvSpPr>
+          <p:cNvPr id="3" name="Subtitle 2"/>
+          <p:cNvSpPr>
+            <a:spLocks noGrp="1"/>
+          </p:cNvSpPr>
+          <p:nvPr>
+            <p:ph type="subTitle" idx="1"/>
+          </p:nvPr>
+        </p:nvSpPr>
+        <p:spPr>
+          <a:xfrm>
+            <a:off x="251520" y="692696"/>
+            <a:ext cx="8640960" cy="6480720"/>
+          </a:xfrm>
+        </p:spPr>
+        <p:txBody>
+          <a:bodyPr>
+            <a:noAutofit/>
+          </a:bodyPr>
+          <a:lstStyle/>
+          <a:p>
+            <a:pPr>
+              <a:spcBef>
+                <a:spcPts val="0"/>
+              </a:spcBef>
+            </a:pPr>
+            <a:r>
+              <a:rPr lang="en-GB" sz="4400" dirty="0">
+                <a:solidFill>
+                  <a:schemeClr val="bg1"/>
+                </a:solidFill>
+              </a:rPr>
+              <a:t>Lord You are good</a:t>
+            </a:r>
+            <a:br>
+              <a:rPr lang="en-GB" sz="4400" dirty="0">
+                <a:solidFill>
+                  <a:schemeClr val="bg1"/>
+                </a:solidFill>
+              </a:rPr>
+            </a:br>
+            <a:r>
+              <a:rPr lang="en-GB" sz="4400" dirty="0">
+                <a:solidFill>
+                  <a:schemeClr val="bg1"/>
+                </a:solidFill>
+              </a:rPr>
+              <a:t>And Your mercy </a:t>
+            </a:r>
+            <a:r>
+              <a:rPr lang="en-GB" sz="4400" dirty="0" err="1">
+                <a:solidFill>
+                  <a:schemeClr val="bg1"/>
+                </a:solidFill>
+              </a:rPr>
+              <a:t>endureth</a:t>
+            </a:r>
+            <a:r>
+              <a:rPr lang="en-GB" sz="4400" dirty="0">
+                <a:solidFill>
+                  <a:schemeClr val="bg1"/>
+                </a:solidFill>
+              </a:rPr>
+              <a:t> forever</a:t>
+            </a:r>
+            <a:br>
+              <a:rPr lang="en-GB" sz="4400" dirty="0">
+                <a:solidFill>
+                  <a:schemeClr val="bg1"/>
+                </a:solidFill>
+              </a:rPr>
+            </a:br>
+            <a:r>
+              <a:rPr lang="en-GB" sz="4400" dirty="0">
+                <a:solidFill>
+                  <a:schemeClr val="bg1"/>
+                </a:solidFill>
+              </a:rPr>
+              <a:t>Lord You are good</a:t>
+            </a:r>
+            <a:br>
+              <a:rPr lang="en-GB" sz="4400" dirty="0">
+                <a:solidFill>
+                  <a:schemeClr val="bg1"/>
+                </a:solidFill>
+              </a:rPr>
+            </a:br>
+            <a:r>
+              <a:rPr lang="en-GB" sz="4400" dirty="0">
+                <a:solidFill>
+                  <a:schemeClr val="bg1"/>
+                </a:solidFill>
+              </a:rPr>
+              <a:t>And Your mercy </a:t>
+            </a:r>
+            <a:r>
+              <a:rPr lang="en-GB" sz="4400" dirty="0" err="1">
+                <a:solidFill>
+                  <a:schemeClr val="bg1"/>
+                </a:solidFill>
+              </a:rPr>
+              <a:t>endureth</a:t>
+            </a:r>
+            <a:r>
+              <a:rPr lang="en-GB" sz="4400" dirty="0">
+                <a:solidFill>
+                  <a:schemeClr val="bg1"/>
+                </a:solidFill>
+              </a:rPr>
+              <a:t> forever</a:t>
+            </a:r>
+            <a:br>
+              <a:rPr lang="en-GB" sz="4400" dirty="0">
+                <a:solidFill>
+                  <a:schemeClr val="bg1"/>
+                </a:solidFill>
+              </a:rPr>
+            </a:br>
+            <a:r>
+              <a:rPr lang="en-GB" sz="4400" dirty="0">
+                <a:solidFill>
+                  <a:schemeClr val="bg1"/>
+                </a:solidFill>
+              </a:rPr>
+              <a:t>People from every nation and tongue</a:t>
+            </a:r>
+            <a:br>
+              <a:rPr lang="en-GB" sz="4400" dirty="0">
+                <a:solidFill>
+                  <a:schemeClr val="bg1"/>
+                </a:solidFill>
+              </a:rPr>
+            </a:br>
+            <a:r>
+              <a:rPr lang="en-GB" sz="4400" dirty="0">
+                <a:solidFill>
+                  <a:schemeClr val="bg1"/>
+                </a:solidFill>
+              </a:rPr>
+              <a:t>From generation to generation</a:t>
+            </a:r>
+          </a:p>
+        </p:txBody>
+      </p:sp>
+      <p:sp>
+        <p:nvSpPr>
+          <p:cNvPr id="4" name="TextBox 3"/>
+          <p:cNvSpPr txBox="1"/>
+          <p:nvPr/>
+        </p:nvSpPr>
+        <p:spPr>
+          <a:xfrm>
+            <a:off x="8204319" y="0"/>
+            <a:ext cx="939681" cy="461665"/>
+          </a:xfrm>
+          <a:prstGeom prst="rect">
+            <a:avLst/>
+          </a:prstGeom>
+          <a:noFill/>
+        </p:spPr>
+        <p:txBody>
+          <a:bodyPr wrap="none" rtlCol="0">
+            <a:spAutoFit/>
+          </a:bodyPr>
+          <a:lstStyle/>
+          <a:p>
+            <a:r>
+              <a:rPr lang="en-GB" sz="2400" b="1" dirty="0">
+                <a:solidFill>
+                  <a:schemeClr val="bg1"/>
+                </a:solidFill>
+              </a:rPr>
+              <a:t>12/16</a:t>
+            </a:r>
+          </a:p>
+        </p:txBody>
+      </p:sp>
+    </p:spTree>
+  </p:cSld>
+  <p:clrMapOvr>
+    <a:masterClrMapping/>
+  </p:clrMapOvr>
+</p:sld>
+</file>
+
+<file path=ppt/slides/slide54.xml><?xml version="1.0" encoding="utf-8"?>
+<p:sld xmlns:a="http://schemas.openxmlformats.org/drawingml/2006/main" xmlns:r="http://schemas.openxmlformats.org/officeDocument/2006/relationships" xmlns:p="http://schemas.openxmlformats.org/presentationml/2006/main">
+  <p:cSld>
+    <p:spTree>
+      <p:nvGrpSpPr>
+        <p:cNvPr id="1" name=""/>
+        <p:cNvGrpSpPr/>
+        <p:nvPr/>
+      </p:nvGrpSpPr>
+      <p:grpSpPr>
+        <a:xfrm>
+          <a:off x="0" y="0"/>
+          <a:ext cx="0" cy="0"/>
+          <a:chOff x="0" y="0"/>
+          <a:chExt cx="0" cy="0"/>
+        </a:xfrm>
+      </p:grpSpPr>
+      <p:sp>
+        <p:nvSpPr>
+          <p:cNvPr id="3" name="Subtitle 2"/>
+          <p:cNvSpPr>
+            <a:spLocks noGrp="1"/>
+          </p:cNvSpPr>
+          <p:nvPr>
+            <p:ph type="subTitle" idx="1"/>
+          </p:nvPr>
+        </p:nvSpPr>
+        <p:spPr>
+          <a:xfrm>
+            <a:off x="203118" y="692696"/>
+            <a:ext cx="8640960" cy="6480720"/>
+          </a:xfrm>
+        </p:spPr>
+        <p:txBody>
+          <a:bodyPr>
+            <a:noAutofit/>
+          </a:bodyPr>
+          <a:lstStyle/>
+          <a:p>
+            <a:r>
+              <a:rPr lang="en-GB" sz="4400" dirty="0">
+                <a:solidFill>
+                  <a:schemeClr val="bg1"/>
+                </a:solidFill>
+              </a:rPr>
+              <a:t>We worship You</a:t>
+            </a:r>
+            <a:br>
+              <a:rPr lang="en-GB" sz="4400" dirty="0">
+                <a:solidFill>
+                  <a:schemeClr val="bg1"/>
+                </a:solidFill>
+              </a:rPr>
+            </a:br>
+            <a:r>
+              <a:rPr lang="en-GB" sz="4400" dirty="0">
+                <a:solidFill>
+                  <a:schemeClr val="bg1"/>
+                </a:solidFill>
+              </a:rPr>
+              <a:t>Hallelujah </a:t>
+            </a:r>
+            <a:r>
+              <a:rPr lang="en-GB" sz="4400" dirty="0" err="1">
+                <a:solidFill>
+                  <a:schemeClr val="bg1"/>
+                </a:solidFill>
+              </a:rPr>
+              <a:t>hallelujah</a:t>
+            </a:r>
+            <a:br>
+              <a:rPr lang="en-GB" sz="4400" dirty="0">
+                <a:solidFill>
+                  <a:schemeClr val="bg1"/>
+                </a:solidFill>
+              </a:rPr>
+            </a:br>
+            <a:r>
+              <a:rPr lang="en-GB" sz="4400" dirty="0">
+                <a:solidFill>
+                  <a:schemeClr val="bg1"/>
+                </a:solidFill>
+              </a:rPr>
+              <a:t>We worship You for who You are</a:t>
+            </a:r>
+            <a:br>
+              <a:rPr lang="en-GB" sz="4400" dirty="0">
+                <a:solidFill>
+                  <a:schemeClr val="bg1"/>
+                </a:solidFill>
+              </a:rPr>
+            </a:br>
+            <a:r>
+              <a:rPr lang="en-GB" sz="4400" dirty="0">
+                <a:solidFill>
+                  <a:schemeClr val="bg1"/>
+                </a:solidFill>
+              </a:rPr>
+              <a:t>We worship You</a:t>
+            </a:r>
+            <a:br>
+              <a:rPr lang="en-GB" sz="4400" dirty="0">
+                <a:solidFill>
+                  <a:schemeClr val="bg1"/>
+                </a:solidFill>
+              </a:rPr>
+            </a:br>
+            <a:r>
+              <a:rPr lang="en-GB" sz="4400" dirty="0">
+                <a:solidFill>
+                  <a:schemeClr val="bg1"/>
+                </a:solidFill>
+              </a:rPr>
+              <a:t>Hallelujah </a:t>
+            </a:r>
+            <a:r>
+              <a:rPr lang="en-GB" sz="4400" dirty="0" err="1">
+                <a:solidFill>
+                  <a:schemeClr val="bg1"/>
+                </a:solidFill>
+              </a:rPr>
+              <a:t>hallelujah</a:t>
+            </a:r>
+            <a:br>
+              <a:rPr lang="en-GB" sz="4400" dirty="0">
+                <a:solidFill>
+                  <a:schemeClr val="bg1"/>
+                </a:solidFill>
+              </a:rPr>
+            </a:br>
+            <a:r>
+              <a:rPr lang="en-GB" sz="4400" dirty="0">
+                <a:solidFill>
+                  <a:schemeClr val="bg1"/>
+                </a:solidFill>
+              </a:rPr>
+              <a:t>We worship You for who You are</a:t>
+            </a:r>
+            <a:br>
+              <a:rPr lang="en-GB" sz="4400" dirty="0">
+                <a:solidFill>
+                  <a:schemeClr val="bg1"/>
+                </a:solidFill>
+              </a:rPr>
+            </a:br>
+            <a:r>
+              <a:rPr lang="en-GB" sz="4400" dirty="0">
+                <a:solidFill>
+                  <a:schemeClr val="bg1"/>
+                </a:solidFill>
+              </a:rPr>
+              <a:t>For You are good</a:t>
+            </a:r>
+          </a:p>
+        </p:txBody>
+      </p:sp>
+      <p:sp>
+        <p:nvSpPr>
+          <p:cNvPr id="4" name="TextBox 3"/>
+          <p:cNvSpPr txBox="1"/>
+          <p:nvPr/>
+        </p:nvSpPr>
+        <p:spPr>
+          <a:xfrm>
+            <a:off x="8231930" y="0"/>
+            <a:ext cx="939681" cy="461665"/>
+          </a:xfrm>
+          <a:prstGeom prst="rect">
+            <a:avLst/>
+          </a:prstGeom>
+          <a:noFill/>
+        </p:spPr>
+        <p:txBody>
+          <a:bodyPr wrap="none" rtlCol="0">
+            <a:spAutoFit/>
+          </a:bodyPr>
+          <a:lstStyle/>
+          <a:p>
+            <a:r>
+              <a:rPr lang="en-GB" sz="2400" b="1" dirty="0">
+                <a:solidFill>
+                  <a:schemeClr val="bg1"/>
+                </a:solidFill>
+              </a:rPr>
+              <a:t>13/16</a:t>
+            </a:r>
+          </a:p>
+        </p:txBody>
+      </p:sp>
+    </p:spTree>
+  </p:cSld>
+  <p:clrMapOvr>
+    <a:masterClrMapping/>
+  </p:clrMapOvr>
+</p:sld>
+</file>
+
+<file path=ppt/slides/slide55.xml><?xml version="1.0" encoding="utf-8"?>
+<p:sld xmlns:a="http://schemas.openxmlformats.org/drawingml/2006/main" xmlns:r="http://schemas.openxmlformats.org/officeDocument/2006/relationships" xmlns:p="http://schemas.openxmlformats.org/presentationml/2006/main">
+  <p:cSld>
+    <p:spTree>
+      <p:nvGrpSpPr>
+        <p:cNvPr id="1" name=""/>
+        <p:cNvGrpSpPr/>
+        <p:nvPr/>
+      </p:nvGrpSpPr>
+      <p:grpSpPr>
+        <a:xfrm>
+          <a:off x="0" y="0"/>
+          <a:ext cx="0" cy="0"/>
+          <a:chOff x="0" y="0"/>
+          <a:chExt cx="0" cy="0"/>
+        </a:xfrm>
+      </p:grpSpPr>
+      <p:sp>
+        <p:nvSpPr>
+          <p:cNvPr id="3" name="Subtitle 2"/>
+          <p:cNvSpPr>
+            <a:spLocks noGrp="1"/>
+          </p:cNvSpPr>
+          <p:nvPr>
+            <p:ph type="subTitle" idx="1"/>
+          </p:nvPr>
+        </p:nvSpPr>
+        <p:spPr>
+          <a:xfrm>
+            <a:off x="323528" y="188640"/>
+            <a:ext cx="8640960" cy="6480720"/>
+          </a:xfrm>
+        </p:spPr>
+        <p:txBody>
+          <a:bodyPr>
+            <a:noAutofit/>
+          </a:bodyPr>
+          <a:lstStyle/>
+          <a:p>
+            <a:endParaRPr lang="en-GB" sz="4400" dirty="0"/>
+          </a:p>
+          <a:p>
+            <a:r>
+              <a:rPr lang="en-GB" sz="4400" dirty="0">
+                <a:solidFill>
+                  <a:schemeClr val="bg1"/>
+                </a:solidFill>
+              </a:rPr>
+              <a:t>You are good all the time</a:t>
+            </a:r>
+            <a:br>
+              <a:rPr lang="en-GB" sz="4400" dirty="0">
+                <a:solidFill>
+                  <a:schemeClr val="bg1"/>
+                </a:solidFill>
+              </a:rPr>
+            </a:br>
+            <a:r>
+              <a:rPr lang="en-GB" sz="4400" dirty="0">
+                <a:solidFill>
+                  <a:schemeClr val="bg1"/>
+                </a:solidFill>
+              </a:rPr>
+              <a:t>All the time You are good</a:t>
+            </a:r>
+            <a:br>
+              <a:rPr lang="en-GB" sz="4400" dirty="0">
+                <a:solidFill>
+                  <a:schemeClr val="bg1"/>
+                </a:solidFill>
+              </a:rPr>
+            </a:br>
+            <a:r>
+              <a:rPr lang="en-GB" sz="4400" dirty="0">
+                <a:solidFill>
+                  <a:schemeClr val="bg1"/>
+                </a:solidFill>
+              </a:rPr>
+              <a:t>You are good all the time</a:t>
+            </a:r>
+            <a:br>
+              <a:rPr lang="en-GB" sz="4400" dirty="0">
+                <a:solidFill>
+                  <a:schemeClr val="bg1"/>
+                </a:solidFill>
+              </a:rPr>
+            </a:br>
+            <a:r>
+              <a:rPr lang="en-GB" sz="4400" dirty="0">
+                <a:solidFill>
+                  <a:schemeClr val="bg1"/>
+                </a:solidFill>
+              </a:rPr>
+              <a:t>All the time You are good</a:t>
+            </a:r>
+          </a:p>
+        </p:txBody>
+      </p:sp>
+      <p:sp>
+        <p:nvSpPr>
+          <p:cNvPr id="4" name="TextBox 3"/>
+          <p:cNvSpPr txBox="1"/>
+          <p:nvPr/>
+        </p:nvSpPr>
+        <p:spPr>
+          <a:xfrm>
+            <a:off x="8210111" y="3336"/>
+            <a:ext cx="939681" cy="461665"/>
+          </a:xfrm>
+          <a:prstGeom prst="rect">
+            <a:avLst/>
+          </a:prstGeom>
+          <a:noFill/>
+        </p:spPr>
+        <p:txBody>
+          <a:bodyPr wrap="none" rtlCol="0">
+            <a:spAutoFit/>
+          </a:bodyPr>
+          <a:lstStyle/>
+          <a:p>
+            <a:r>
+              <a:rPr lang="en-GB" sz="2400" b="1" dirty="0">
+                <a:solidFill>
+                  <a:schemeClr val="bg1"/>
+                </a:solidFill>
+              </a:rPr>
+              <a:t>14/16</a:t>
+            </a:r>
+          </a:p>
+        </p:txBody>
+      </p:sp>
+    </p:spTree>
+  </p:cSld>
+  <p:clrMapOvr>
+    <a:masterClrMapping/>
+  </p:clrMapOvr>
+</p:sld>
+</file>
+
+<file path=ppt/slides/slide56.xml><?xml version="1.0" encoding="utf-8"?>
+<p:sld xmlns:a="http://schemas.openxmlformats.org/drawingml/2006/main" xmlns:r="http://schemas.openxmlformats.org/officeDocument/2006/relationships" xmlns:p="http://schemas.openxmlformats.org/presentationml/2006/main">
+  <p:cSld>
+    <p:spTree>
+      <p:nvGrpSpPr>
+        <p:cNvPr id="1" name="">
+          <a:extLst>
+            <a:ext uri="{FF2B5EF4-FFF2-40B4-BE49-F238E27FC236}">
+              <a16:creationId xmlns:a16="http://schemas.microsoft.com/office/drawing/2014/main" id="{168BCCC8-1915-8082-2658-F478C8D0EF92}"/>
+            </a:ext>
+          </a:extLst>
+        </p:cNvPr>
+        <p:cNvGrpSpPr/>
+        <p:nvPr/>
+      </p:nvGrpSpPr>
+      <p:grpSpPr>
+        <a:xfrm>
+          <a:off x="0" y="0"/>
+          <a:ext cx="0" cy="0"/>
+          <a:chOff x="0" y="0"/>
+          <a:chExt cx="0" cy="0"/>
+        </a:xfrm>
+      </p:grpSpPr>
+      <p:sp>
+        <p:nvSpPr>
+          <p:cNvPr id="3" name="Subtitle 2">
+            <a:extLst>
+              <a:ext uri="{FF2B5EF4-FFF2-40B4-BE49-F238E27FC236}">
+                <a16:creationId xmlns:a16="http://schemas.microsoft.com/office/drawing/2014/main" id="{192EB9DC-1D1E-8391-20F5-2B7E966E6180}"/>
+              </a:ext>
+            </a:extLst>
+          </p:cNvPr>
+          <p:cNvSpPr>
+            <a:spLocks noGrp="1"/>
+          </p:cNvSpPr>
+          <p:nvPr>
+            <p:ph type="subTitle" idx="1"/>
+          </p:nvPr>
+        </p:nvSpPr>
+        <p:spPr>
+          <a:xfrm>
+            <a:off x="230542" y="620688"/>
+            <a:ext cx="8640960" cy="6480720"/>
+          </a:xfrm>
+        </p:spPr>
+        <p:txBody>
+          <a:bodyPr>
+            <a:noAutofit/>
+          </a:bodyPr>
+          <a:lstStyle/>
+          <a:p>
+            <a:r>
+              <a:rPr lang="en-GB" sz="3600" dirty="0">
+                <a:solidFill>
+                  <a:schemeClr val="bg1"/>
+                </a:solidFill>
+              </a:rPr>
+              <a:t>Your goodness is running after</a:t>
+            </a:r>
+          </a:p>
+          <a:p>
+            <a:r>
+              <a:rPr lang="en-GB" sz="3600" dirty="0">
+                <a:solidFill>
+                  <a:schemeClr val="bg1"/>
+                </a:solidFill>
+              </a:rPr>
+              <a:t>It’s running after me</a:t>
+            </a:r>
+          </a:p>
+          <a:p>
+            <a:r>
+              <a:rPr lang="en-GB" sz="3600" dirty="0">
+                <a:solidFill>
+                  <a:schemeClr val="bg1"/>
+                </a:solidFill>
+              </a:rPr>
+              <a:t>(REPEAT)</a:t>
+            </a:r>
+          </a:p>
+          <a:p>
+            <a:r>
+              <a:rPr lang="en-GB" sz="2400" dirty="0">
+                <a:solidFill>
+                  <a:schemeClr val="bg1"/>
+                </a:solidFill>
+              </a:rPr>
+              <a:t> </a:t>
+            </a:r>
+            <a:br>
+              <a:rPr lang="en-GB" sz="3600" dirty="0">
+                <a:solidFill>
+                  <a:schemeClr val="bg1"/>
+                </a:solidFill>
+              </a:rPr>
+            </a:br>
+            <a:r>
+              <a:rPr lang="en-GB" sz="3600" dirty="0">
+                <a:solidFill>
+                  <a:schemeClr val="bg1"/>
+                </a:solidFill>
+              </a:rPr>
+              <a:t>With my life laid down</a:t>
+            </a:r>
+          </a:p>
+          <a:p>
+            <a:r>
+              <a:rPr lang="en-GB" sz="3600" dirty="0">
+                <a:solidFill>
+                  <a:schemeClr val="bg1"/>
+                </a:solidFill>
+              </a:rPr>
+              <a:t>I’m surrendered now</a:t>
+            </a:r>
+          </a:p>
+          <a:p>
+            <a:r>
+              <a:rPr lang="en-GB" sz="3600" dirty="0">
+                <a:solidFill>
+                  <a:schemeClr val="bg1"/>
+                </a:solidFill>
+              </a:rPr>
+              <a:t>I give You everything</a:t>
+            </a:r>
+          </a:p>
+          <a:p>
+            <a:r>
+              <a:rPr lang="en-GB" sz="3600" dirty="0">
+                <a:solidFill>
+                  <a:schemeClr val="bg1"/>
+                </a:solidFill>
+              </a:rPr>
+              <a:t>Your goodness is running after</a:t>
+            </a:r>
+          </a:p>
+          <a:p>
+            <a:r>
+              <a:rPr lang="en-GB" sz="3600" dirty="0">
+                <a:solidFill>
+                  <a:schemeClr val="bg1"/>
+                </a:solidFill>
+              </a:rPr>
+              <a:t>It's running after me</a:t>
+            </a:r>
+          </a:p>
+        </p:txBody>
+      </p:sp>
+      <p:sp>
+        <p:nvSpPr>
+          <p:cNvPr id="4" name="TextBox 3">
+            <a:extLst>
+              <a:ext uri="{FF2B5EF4-FFF2-40B4-BE49-F238E27FC236}">
+                <a16:creationId xmlns:a16="http://schemas.microsoft.com/office/drawing/2014/main" id="{03E090DB-0965-C69B-5788-6E707884C135}"/>
+              </a:ext>
+            </a:extLst>
+          </p:cNvPr>
+          <p:cNvSpPr txBox="1"/>
+          <p:nvPr/>
+        </p:nvSpPr>
+        <p:spPr>
+          <a:xfrm>
+            <a:off x="8204319" y="14093"/>
+            <a:ext cx="939681" cy="461665"/>
+          </a:xfrm>
+          <a:prstGeom prst="rect">
+            <a:avLst/>
+          </a:prstGeom>
+          <a:noFill/>
+        </p:spPr>
+        <p:txBody>
+          <a:bodyPr wrap="none" rtlCol="0">
+            <a:spAutoFit/>
+          </a:bodyPr>
+          <a:lstStyle/>
+          <a:p>
+            <a:r>
+              <a:rPr lang="en-GB" sz="2400" b="1" dirty="0">
+                <a:solidFill>
+                  <a:schemeClr val="bg1"/>
+                </a:solidFill>
+              </a:rPr>
+              <a:t>15/16</a:t>
+            </a:r>
+          </a:p>
+        </p:txBody>
+      </p:sp>
+    </p:spTree>
+    <p:extLst>
+      <p:ext uri="{BB962C8B-B14F-4D97-AF65-F5344CB8AC3E}">
+        <p14:creationId xmlns:p14="http://schemas.microsoft.com/office/powerpoint/2010/main" val="2321787509"/>
+      </p:ext>
+    </p:extLst>
+  </p:cSld>
+  <p:clrMapOvr>
+    <a:masterClrMapping/>
+  </p:clrMapOvr>
+</p:sld>
+</file>
+
+<file path=ppt/slides/slide57.xml><?xml version="1.0" encoding="utf-8"?>
 <p:sld xmlns:a="http://schemas.openxmlformats.org/drawingml/2006/main" xmlns:r="http://schemas.openxmlformats.org/officeDocument/2006/relationships" xmlns:p="http://schemas.openxmlformats.org/presentationml/2006/main">
   <p:cSld>
     <p:spTree>

--- a/docs/songs_2024-12-31-02.pptx
+++ b/docs/songs_2024-12-31-02.pptx
@@ -4366,7 +4366,7 @@
                   <a:schemeClr val="bg1"/>
                 </a:solidFill>
               </a:rPr>
-              <a:t>The King of Glory the King of Glory</a:t>
+              <a:t>The King of Glory the King above all kings</a:t>
             </a:r>
           </a:p>
         </p:txBody>
